--- a/thuthesis-5.0.0/figures/演示文稿1.pptx
+++ b/thuthesis-5.0.0/figures/演示文稿1.pptx
@@ -9,6 +9,12 @@
     <p:sldId id="257" r:id="rId3"/>
     <p:sldId id="258" r:id="rId4"/>
     <p:sldId id="259" r:id="rId5"/>
+    <p:sldId id="260" r:id="rId6"/>
+    <p:sldId id="261" r:id="rId7"/>
+    <p:sldId id="262" r:id="rId8"/>
+    <p:sldId id="263" r:id="rId9"/>
+    <p:sldId id="264" r:id="rId10"/>
+    <p:sldId id="265" r:id="rId11"/>
   </p:sldIdLst>
   <p:sldSz cx="12192000" cy="6858000"/>
   <p:notesSz cx="6858000" cy="9144000"/>
@@ -257,7 +263,7 @@
           <a:p>
             <a:fld id="{7448E690-6AB5-49B8-8125-39911A2898F7}" type="datetimeFigureOut">
               <a:rPr lang="zh-CN" altLang="en-US" smtClean="0"/>
-              <a:t>2017/3/28</a:t>
+              <a:t>2017/4/7</a:t>
             </a:fld>
             <a:endParaRPr lang="zh-CN" altLang="en-US"/>
           </a:p>
@@ -427,7 +433,7 @@
           <a:p>
             <a:fld id="{7448E690-6AB5-49B8-8125-39911A2898F7}" type="datetimeFigureOut">
               <a:rPr lang="zh-CN" altLang="en-US" smtClean="0"/>
-              <a:t>2017/3/28</a:t>
+              <a:t>2017/4/7</a:t>
             </a:fld>
             <a:endParaRPr lang="zh-CN" altLang="en-US"/>
           </a:p>
@@ -607,7 +613,7 @@
           <a:p>
             <a:fld id="{7448E690-6AB5-49B8-8125-39911A2898F7}" type="datetimeFigureOut">
               <a:rPr lang="zh-CN" altLang="en-US" smtClean="0"/>
-              <a:t>2017/3/28</a:t>
+              <a:t>2017/4/7</a:t>
             </a:fld>
             <a:endParaRPr lang="zh-CN" altLang="en-US"/>
           </a:p>
@@ -777,7 +783,7 @@
           <a:p>
             <a:fld id="{7448E690-6AB5-49B8-8125-39911A2898F7}" type="datetimeFigureOut">
               <a:rPr lang="zh-CN" altLang="en-US" smtClean="0"/>
-              <a:t>2017/3/28</a:t>
+              <a:t>2017/4/7</a:t>
             </a:fld>
             <a:endParaRPr lang="zh-CN" altLang="en-US"/>
           </a:p>
@@ -1023,7 +1029,7 @@
           <a:p>
             <a:fld id="{7448E690-6AB5-49B8-8125-39911A2898F7}" type="datetimeFigureOut">
               <a:rPr lang="zh-CN" altLang="en-US" smtClean="0"/>
-              <a:t>2017/3/28</a:t>
+              <a:t>2017/4/7</a:t>
             </a:fld>
             <a:endParaRPr lang="zh-CN" altLang="en-US"/>
           </a:p>
@@ -1255,7 +1261,7 @@
           <a:p>
             <a:fld id="{7448E690-6AB5-49B8-8125-39911A2898F7}" type="datetimeFigureOut">
               <a:rPr lang="zh-CN" altLang="en-US" smtClean="0"/>
-              <a:t>2017/3/28</a:t>
+              <a:t>2017/4/7</a:t>
             </a:fld>
             <a:endParaRPr lang="zh-CN" altLang="en-US"/>
           </a:p>
@@ -1622,7 +1628,7 @@
           <a:p>
             <a:fld id="{7448E690-6AB5-49B8-8125-39911A2898F7}" type="datetimeFigureOut">
               <a:rPr lang="zh-CN" altLang="en-US" smtClean="0"/>
-              <a:t>2017/3/28</a:t>
+              <a:t>2017/4/7</a:t>
             </a:fld>
             <a:endParaRPr lang="zh-CN" altLang="en-US"/>
           </a:p>
@@ -1740,7 +1746,7 @@
           <a:p>
             <a:fld id="{7448E690-6AB5-49B8-8125-39911A2898F7}" type="datetimeFigureOut">
               <a:rPr lang="zh-CN" altLang="en-US" smtClean="0"/>
-              <a:t>2017/3/28</a:t>
+              <a:t>2017/4/7</a:t>
             </a:fld>
             <a:endParaRPr lang="zh-CN" altLang="en-US"/>
           </a:p>
@@ -1835,7 +1841,7 @@
           <a:p>
             <a:fld id="{7448E690-6AB5-49B8-8125-39911A2898F7}" type="datetimeFigureOut">
               <a:rPr lang="zh-CN" altLang="en-US" smtClean="0"/>
-              <a:t>2017/3/28</a:t>
+              <a:t>2017/4/7</a:t>
             </a:fld>
             <a:endParaRPr lang="zh-CN" altLang="en-US"/>
           </a:p>
@@ -2112,7 +2118,7 @@
           <a:p>
             <a:fld id="{7448E690-6AB5-49B8-8125-39911A2898F7}" type="datetimeFigureOut">
               <a:rPr lang="zh-CN" altLang="en-US" smtClean="0"/>
-              <a:t>2017/3/28</a:t>
+              <a:t>2017/4/7</a:t>
             </a:fld>
             <a:endParaRPr lang="zh-CN" altLang="en-US"/>
           </a:p>
@@ -2365,7 +2371,7 @@
           <a:p>
             <a:fld id="{7448E690-6AB5-49B8-8125-39911A2898F7}" type="datetimeFigureOut">
               <a:rPr lang="zh-CN" altLang="en-US" smtClean="0"/>
-              <a:t>2017/3/28</a:t>
+              <a:t>2017/4/7</a:t>
             </a:fld>
             <a:endParaRPr lang="zh-CN" altLang="en-US"/>
           </a:p>
@@ -2578,7 +2584,7 @@
           <a:p>
             <a:fld id="{7448E690-6AB5-49B8-8125-39911A2898F7}" type="datetimeFigureOut">
               <a:rPr lang="zh-CN" altLang="en-US" smtClean="0"/>
-              <a:t>2017/3/28</a:t>
+              <a:t>2017/4/7</a:t>
             </a:fld>
             <a:endParaRPr lang="zh-CN" altLang="en-US"/>
           </a:p>
@@ -3711,6 +3717,2459 @@
 </p:sld>
 </file>
 
+<file path=ppt/slides/slide10.xml><?xml version="1.0" encoding="utf-8"?>
+<p:sld xmlns:a="http://schemas.openxmlformats.org/drawingml/2006/main" xmlns:r="http://schemas.openxmlformats.org/officeDocument/2006/relationships" xmlns:p="http://schemas.openxmlformats.org/presentationml/2006/main">
+  <p:cSld>
+    <p:spTree>
+      <p:nvGrpSpPr>
+        <p:cNvPr id="1" name=""/>
+        <p:cNvGrpSpPr/>
+        <p:nvPr/>
+      </p:nvGrpSpPr>
+      <p:grpSpPr>
+        <a:xfrm>
+          <a:off x="0" y="0"/>
+          <a:ext cx="0" cy="0"/>
+          <a:chOff x="0" y="0"/>
+          <a:chExt cx="0" cy="0"/>
+        </a:xfrm>
+      </p:grpSpPr>
+      <p:cxnSp>
+        <p:nvCxnSpPr>
+          <p:cNvPr id="4" name="直接箭头连接符 3"/>
+          <p:cNvCxnSpPr/>
+          <p:nvPr/>
+        </p:nvCxnSpPr>
+        <p:spPr>
+          <a:xfrm flipV="1">
+            <a:off x="1141236" y="1611592"/>
+            <a:ext cx="9853789" cy="1308"/>
+          </a:xfrm>
+          <a:prstGeom prst="straightConnector1">
+            <a:avLst/>
+          </a:prstGeom>
+          <a:ln w="88900">
+            <a:solidFill>
+              <a:schemeClr val="tx1"/>
+            </a:solidFill>
+            <a:tailEnd type="triangle"/>
+          </a:ln>
+        </p:spPr>
+        <p:style>
+          <a:lnRef idx="1">
+            <a:schemeClr val="accent1"/>
+          </a:lnRef>
+          <a:fillRef idx="0">
+            <a:schemeClr val="accent1"/>
+          </a:fillRef>
+          <a:effectRef idx="0">
+            <a:schemeClr val="accent1"/>
+          </a:effectRef>
+          <a:fontRef idx="minor">
+            <a:schemeClr val="tx1"/>
+          </a:fontRef>
+        </p:style>
+      </p:cxnSp>
+      <p:cxnSp>
+        <p:nvCxnSpPr>
+          <p:cNvPr id="5" name="直接连接符 4"/>
+          <p:cNvCxnSpPr/>
+          <p:nvPr/>
+        </p:nvCxnSpPr>
+        <p:spPr>
+          <a:xfrm>
+            <a:off x="1771650" y="1390650"/>
+            <a:ext cx="0" cy="220942"/>
+          </a:xfrm>
+          <a:prstGeom prst="line">
+            <a:avLst/>
+          </a:prstGeom>
+          <a:ln w="101600">
+            <a:solidFill>
+              <a:schemeClr val="tx1"/>
+            </a:solidFill>
+          </a:ln>
+        </p:spPr>
+        <p:style>
+          <a:lnRef idx="1">
+            <a:schemeClr val="accent1"/>
+          </a:lnRef>
+          <a:fillRef idx="0">
+            <a:schemeClr val="accent1"/>
+          </a:fillRef>
+          <a:effectRef idx="0">
+            <a:schemeClr val="accent1"/>
+          </a:effectRef>
+          <a:fontRef idx="minor">
+            <a:schemeClr val="tx1"/>
+          </a:fontRef>
+        </p:style>
+      </p:cxnSp>
+      <p:cxnSp>
+        <p:nvCxnSpPr>
+          <p:cNvPr id="8" name="直接连接符 7"/>
+          <p:cNvCxnSpPr/>
+          <p:nvPr/>
+        </p:nvCxnSpPr>
+        <p:spPr>
+          <a:xfrm>
+            <a:off x="4660900" y="1390650"/>
+            <a:ext cx="0" cy="220942"/>
+          </a:xfrm>
+          <a:prstGeom prst="line">
+            <a:avLst/>
+          </a:prstGeom>
+          <a:ln w="101600">
+            <a:solidFill>
+              <a:schemeClr val="tx1"/>
+            </a:solidFill>
+          </a:ln>
+        </p:spPr>
+        <p:style>
+          <a:lnRef idx="1">
+            <a:schemeClr val="accent1"/>
+          </a:lnRef>
+          <a:fillRef idx="0">
+            <a:schemeClr val="accent1"/>
+          </a:fillRef>
+          <a:effectRef idx="0">
+            <a:schemeClr val="accent1"/>
+          </a:effectRef>
+          <a:fontRef idx="minor">
+            <a:schemeClr val="tx1"/>
+          </a:fontRef>
+        </p:style>
+      </p:cxnSp>
+      <p:cxnSp>
+        <p:nvCxnSpPr>
+          <p:cNvPr id="11" name="直接连接符 10"/>
+          <p:cNvCxnSpPr/>
+          <p:nvPr/>
+        </p:nvCxnSpPr>
+        <p:spPr>
+          <a:xfrm>
+            <a:off x="7515860" y="1377950"/>
+            <a:ext cx="0" cy="220942"/>
+          </a:xfrm>
+          <a:prstGeom prst="line">
+            <a:avLst/>
+          </a:prstGeom>
+          <a:ln w="101600">
+            <a:solidFill>
+              <a:schemeClr val="tx1"/>
+            </a:solidFill>
+          </a:ln>
+        </p:spPr>
+        <p:style>
+          <a:lnRef idx="1">
+            <a:schemeClr val="accent1"/>
+          </a:lnRef>
+          <a:fillRef idx="0">
+            <a:schemeClr val="accent1"/>
+          </a:fillRef>
+          <a:effectRef idx="0">
+            <a:schemeClr val="accent1"/>
+          </a:effectRef>
+          <a:fontRef idx="minor">
+            <a:schemeClr val="tx1"/>
+          </a:fontRef>
+        </p:style>
+      </p:cxnSp>
+      <p:cxnSp>
+        <p:nvCxnSpPr>
+          <p:cNvPr id="14" name="直接连接符 13"/>
+          <p:cNvCxnSpPr/>
+          <p:nvPr/>
+        </p:nvCxnSpPr>
+        <p:spPr>
+          <a:xfrm>
+            <a:off x="10415270" y="1390650"/>
+            <a:ext cx="0" cy="220942"/>
+          </a:xfrm>
+          <a:prstGeom prst="line">
+            <a:avLst/>
+          </a:prstGeom>
+          <a:ln w="101600">
+            <a:solidFill>
+              <a:schemeClr val="tx1"/>
+            </a:solidFill>
+          </a:ln>
+        </p:spPr>
+        <p:style>
+          <a:lnRef idx="1">
+            <a:schemeClr val="accent1"/>
+          </a:lnRef>
+          <a:fillRef idx="0">
+            <a:schemeClr val="accent1"/>
+          </a:fillRef>
+          <a:effectRef idx="0">
+            <a:schemeClr val="accent1"/>
+          </a:effectRef>
+          <a:fontRef idx="minor">
+            <a:schemeClr val="tx1"/>
+          </a:fontRef>
+        </p:style>
+      </p:cxnSp>
+      <p:sp>
+        <p:nvSpPr>
+          <p:cNvPr id="17" name="文本框 16"/>
+          <p:cNvSpPr txBox="1"/>
+          <p:nvPr/>
+        </p:nvSpPr>
+        <p:spPr>
+          <a:xfrm>
+            <a:off x="-1061084" y="1242259"/>
+            <a:ext cx="2844800" cy="830997"/>
+          </a:xfrm>
+          <a:prstGeom prst="rect">
+            <a:avLst/>
+          </a:prstGeom>
+          <a:noFill/>
+        </p:spPr>
+        <p:txBody>
+          <a:bodyPr wrap="square" rtlCol="0">
+            <a:spAutoFit/>
+          </a:bodyPr>
+          <a:lstStyle/>
+          <a:p>
+            <a:pPr algn="ctr"/>
+            <a:r>
+              <a:rPr lang="zh-CN" altLang="en-US" sz="2400" b="1" dirty="0" smtClean="0">
+                <a:latin typeface="宋体" panose="02010600030101010101" pitchFamily="2" charset="-122"/>
+                <a:ea typeface="宋体" panose="02010600030101010101" pitchFamily="2" charset="-122"/>
+              </a:rPr>
+              <a:t>摄像头</a:t>
+            </a:r>
+            <a:r>
+              <a:rPr lang="en-US" altLang="zh-CN" sz="2400" b="1" dirty="0" smtClean="0">
+                <a:latin typeface="宋体" panose="02010600030101010101" pitchFamily="2" charset="-122"/>
+                <a:ea typeface="宋体" panose="02010600030101010101" pitchFamily="2" charset="-122"/>
+              </a:rPr>
+              <a:t>A</a:t>
+            </a:r>
+          </a:p>
+          <a:p>
+            <a:pPr algn="ctr"/>
+            <a:r>
+              <a:rPr lang="zh-CN" altLang="en-US" sz="2400" b="1" dirty="0" smtClean="0">
+                <a:latin typeface="宋体" panose="02010600030101010101" pitchFamily="2" charset="-122"/>
+                <a:ea typeface="宋体" panose="02010600030101010101" pitchFamily="2" charset="-122"/>
+              </a:rPr>
+              <a:t>拍摄序列</a:t>
+            </a:r>
+            <a:endParaRPr lang="en-US" altLang="zh-CN" sz="2400" b="1" dirty="0">
+              <a:latin typeface="宋体" panose="02010600030101010101" pitchFamily="2" charset="-122"/>
+              <a:ea typeface="宋体" panose="02010600030101010101" pitchFamily="2" charset="-122"/>
+            </a:endParaRPr>
+          </a:p>
+        </p:txBody>
+      </p:sp>
+      <p:sp>
+        <p:nvSpPr>
+          <p:cNvPr id="19" name="文本框 18"/>
+          <p:cNvSpPr txBox="1"/>
+          <p:nvPr/>
+        </p:nvSpPr>
+        <p:spPr>
+          <a:xfrm>
+            <a:off x="1250316" y="1750288"/>
+            <a:ext cx="533400" cy="461665"/>
+          </a:xfrm>
+          <a:prstGeom prst="rect">
+            <a:avLst/>
+          </a:prstGeom>
+          <a:noFill/>
+        </p:spPr>
+        <p:txBody>
+          <a:bodyPr wrap="square" rtlCol="0">
+            <a:spAutoFit/>
+          </a:bodyPr>
+          <a:lstStyle/>
+          <a:p>
+            <a:r>
+              <a:rPr lang="en-US" altLang="zh-CN" sz="2400" b="1" dirty="0" err="1" smtClean="0">
+                <a:latin typeface="宋体" panose="02010600030101010101" pitchFamily="2" charset="-122"/>
+                <a:ea typeface="宋体" panose="02010600030101010101" pitchFamily="2" charset="-122"/>
+              </a:rPr>
+              <a:t>I</a:t>
+            </a:r>
+            <a:r>
+              <a:rPr lang="en-US" altLang="zh-CN" sz="2400" b="1" baseline="-25000" dirty="0" err="1" smtClean="0">
+                <a:latin typeface="宋体" panose="02010600030101010101" pitchFamily="2" charset="-122"/>
+                <a:ea typeface="宋体" panose="02010600030101010101" pitchFamily="2" charset="-122"/>
+              </a:rPr>
+              <a:t>a</a:t>
+            </a:r>
+            <a:endParaRPr lang="zh-CN" altLang="en-US" sz="2400" b="1" baseline="-25000" dirty="0">
+              <a:latin typeface="宋体" panose="02010600030101010101" pitchFamily="2" charset="-122"/>
+              <a:ea typeface="宋体" panose="02010600030101010101" pitchFamily="2" charset="-122"/>
+            </a:endParaRPr>
+          </a:p>
+        </p:txBody>
+      </p:sp>
+      <p:sp>
+        <p:nvSpPr>
+          <p:cNvPr id="20" name="文本框 19"/>
+          <p:cNvSpPr txBox="1"/>
+          <p:nvPr/>
+        </p:nvSpPr>
+        <p:spPr>
+          <a:xfrm>
+            <a:off x="3583093" y="1750090"/>
+            <a:ext cx="1155700" cy="461665"/>
+          </a:xfrm>
+          <a:prstGeom prst="rect">
+            <a:avLst/>
+          </a:prstGeom>
+          <a:noFill/>
+        </p:spPr>
+        <p:txBody>
+          <a:bodyPr wrap="square" rtlCol="0">
+            <a:spAutoFit/>
+          </a:bodyPr>
+          <a:lstStyle/>
+          <a:p>
+            <a:r>
+              <a:rPr lang="en-US" altLang="zh-CN" sz="2400" b="1" dirty="0" err="1" smtClean="0">
+                <a:latin typeface="宋体" panose="02010600030101010101" pitchFamily="2" charset="-122"/>
+                <a:ea typeface="宋体" panose="02010600030101010101" pitchFamily="2" charset="-122"/>
+              </a:rPr>
+              <a:t>I</a:t>
+            </a:r>
+            <a:r>
+              <a:rPr lang="en-US" altLang="zh-CN" sz="2400" b="1" baseline="-25000" dirty="0" err="1" smtClean="0">
+                <a:latin typeface="宋体" panose="02010600030101010101" pitchFamily="2" charset="-122"/>
+                <a:ea typeface="宋体" panose="02010600030101010101" pitchFamily="2" charset="-122"/>
+              </a:rPr>
+              <a:t>a</a:t>
+            </a:r>
+            <a:r>
+              <a:rPr lang="en-US" altLang="zh-CN" sz="2400" b="1" baseline="-25000" dirty="0" smtClean="0">
+                <a:latin typeface="宋体" panose="02010600030101010101" pitchFamily="2" charset="-122"/>
+                <a:ea typeface="宋体" panose="02010600030101010101" pitchFamily="2" charset="-122"/>
+              </a:rPr>
+              <a:t> </a:t>
+            </a:r>
+            <a:r>
+              <a:rPr lang="en-US" altLang="zh-CN" sz="2400" b="1" dirty="0" smtClean="0">
+                <a:latin typeface="宋体" panose="02010600030101010101" pitchFamily="2" charset="-122"/>
+                <a:ea typeface="宋体" panose="02010600030101010101" pitchFamily="2" charset="-122"/>
+              </a:rPr>
+              <a:t>+ 1</a:t>
+            </a:r>
+            <a:endParaRPr lang="zh-CN" altLang="en-US" sz="2400" b="1" dirty="0">
+              <a:latin typeface="宋体" panose="02010600030101010101" pitchFamily="2" charset="-122"/>
+              <a:ea typeface="宋体" panose="02010600030101010101" pitchFamily="2" charset="-122"/>
+            </a:endParaRPr>
+          </a:p>
+        </p:txBody>
+      </p:sp>
+      <p:sp>
+        <p:nvSpPr>
+          <p:cNvPr id="21" name="文本框 20"/>
+          <p:cNvSpPr txBox="1"/>
+          <p:nvPr/>
+        </p:nvSpPr>
+        <p:spPr>
+          <a:xfrm>
+            <a:off x="6960234" y="1750091"/>
+            <a:ext cx="1155700" cy="461665"/>
+          </a:xfrm>
+          <a:prstGeom prst="rect">
+            <a:avLst/>
+          </a:prstGeom>
+          <a:noFill/>
+        </p:spPr>
+        <p:txBody>
+          <a:bodyPr wrap="square" rtlCol="0">
+            <a:spAutoFit/>
+          </a:bodyPr>
+          <a:lstStyle/>
+          <a:p>
+            <a:r>
+              <a:rPr lang="en-US" altLang="zh-CN" sz="2400" b="1" dirty="0" err="1" smtClean="0">
+                <a:latin typeface="宋体" panose="02010600030101010101" pitchFamily="2" charset="-122"/>
+                <a:ea typeface="宋体" panose="02010600030101010101" pitchFamily="2" charset="-122"/>
+              </a:rPr>
+              <a:t>I</a:t>
+            </a:r>
+            <a:r>
+              <a:rPr lang="en-US" altLang="zh-CN" sz="2400" b="1" baseline="-25000" dirty="0" err="1" smtClean="0">
+                <a:latin typeface="宋体" panose="02010600030101010101" pitchFamily="2" charset="-122"/>
+                <a:ea typeface="宋体" panose="02010600030101010101" pitchFamily="2" charset="-122"/>
+              </a:rPr>
+              <a:t>a</a:t>
+            </a:r>
+            <a:r>
+              <a:rPr lang="en-US" altLang="zh-CN" sz="2400" b="1" baseline="-25000" dirty="0" smtClean="0">
+                <a:latin typeface="宋体" panose="02010600030101010101" pitchFamily="2" charset="-122"/>
+                <a:ea typeface="宋体" panose="02010600030101010101" pitchFamily="2" charset="-122"/>
+              </a:rPr>
+              <a:t> </a:t>
+            </a:r>
+            <a:r>
+              <a:rPr lang="en-US" altLang="zh-CN" sz="2400" b="1" dirty="0" smtClean="0">
+                <a:latin typeface="宋体" panose="02010600030101010101" pitchFamily="2" charset="-122"/>
+                <a:ea typeface="宋体" panose="02010600030101010101" pitchFamily="2" charset="-122"/>
+              </a:rPr>
+              <a:t>+ 2</a:t>
+            </a:r>
+            <a:endParaRPr lang="zh-CN" altLang="en-US" sz="2400" b="1" dirty="0">
+              <a:latin typeface="宋体" panose="02010600030101010101" pitchFamily="2" charset="-122"/>
+              <a:ea typeface="宋体" panose="02010600030101010101" pitchFamily="2" charset="-122"/>
+            </a:endParaRPr>
+          </a:p>
+        </p:txBody>
+      </p:sp>
+      <p:sp>
+        <p:nvSpPr>
+          <p:cNvPr id="22" name="文本框 21"/>
+          <p:cNvSpPr txBox="1"/>
+          <p:nvPr/>
+        </p:nvSpPr>
+        <p:spPr>
+          <a:xfrm>
+            <a:off x="9839325" y="1750090"/>
+            <a:ext cx="1155700" cy="461665"/>
+          </a:xfrm>
+          <a:prstGeom prst="rect">
+            <a:avLst/>
+          </a:prstGeom>
+          <a:noFill/>
+        </p:spPr>
+        <p:txBody>
+          <a:bodyPr wrap="square" rtlCol="0">
+            <a:spAutoFit/>
+          </a:bodyPr>
+          <a:lstStyle/>
+          <a:p>
+            <a:r>
+              <a:rPr lang="en-US" altLang="zh-CN" sz="2400" b="1" dirty="0" err="1" smtClean="0">
+                <a:latin typeface="宋体" panose="02010600030101010101" pitchFamily="2" charset="-122"/>
+                <a:ea typeface="宋体" panose="02010600030101010101" pitchFamily="2" charset="-122"/>
+              </a:rPr>
+              <a:t>I</a:t>
+            </a:r>
+            <a:r>
+              <a:rPr lang="en-US" altLang="zh-CN" sz="2400" b="1" baseline="-25000" dirty="0" err="1" smtClean="0">
+                <a:latin typeface="宋体" panose="02010600030101010101" pitchFamily="2" charset="-122"/>
+                <a:ea typeface="宋体" panose="02010600030101010101" pitchFamily="2" charset="-122"/>
+              </a:rPr>
+              <a:t>a</a:t>
+            </a:r>
+            <a:r>
+              <a:rPr lang="en-US" altLang="zh-CN" sz="2400" b="1" baseline="-25000" dirty="0" smtClean="0">
+                <a:latin typeface="宋体" panose="02010600030101010101" pitchFamily="2" charset="-122"/>
+                <a:ea typeface="宋体" panose="02010600030101010101" pitchFamily="2" charset="-122"/>
+              </a:rPr>
+              <a:t> </a:t>
+            </a:r>
+            <a:r>
+              <a:rPr lang="en-US" altLang="zh-CN" sz="2400" b="1" dirty="0" smtClean="0">
+                <a:latin typeface="宋体" panose="02010600030101010101" pitchFamily="2" charset="-122"/>
+                <a:ea typeface="宋体" panose="02010600030101010101" pitchFamily="2" charset="-122"/>
+              </a:rPr>
+              <a:t>+ 3</a:t>
+            </a:r>
+            <a:endParaRPr lang="zh-CN" altLang="en-US" sz="2400" b="1" dirty="0">
+              <a:latin typeface="宋体" panose="02010600030101010101" pitchFamily="2" charset="-122"/>
+              <a:ea typeface="宋体" panose="02010600030101010101" pitchFamily="2" charset="-122"/>
+            </a:endParaRPr>
+          </a:p>
+        </p:txBody>
+      </p:sp>
+      <p:cxnSp>
+        <p:nvCxnSpPr>
+          <p:cNvPr id="23" name="直接箭头连接符 22"/>
+          <p:cNvCxnSpPr/>
+          <p:nvPr/>
+        </p:nvCxnSpPr>
+        <p:spPr>
+          <a:xfrm flipV="1">
+            <a:off x="1139259" y="3044152"/>
+            <a:ext cx="9853789" cy="1308"/>
+          </a:xfrm>
+          <a:prstGeom prst="straightConnector1">
+            <a:avLst/>
+          </a:prstGeom>
+          <a:ln w="88900">
+            <a:solidFill>
+              <a:schemeClr val="tx1"/>
+            </a:solidFill>
+            <a:tailEnd type="triangle"/>
+          </a:ln>
+        </p:spPr>
+        <p:style>
+          <a:lnRef idx="1">
+            <a:schemeClr val="accent1"/>
+          </a:lnRef>
+          <a:fillRef idx="0">
+            <a:schemeClr val="accent1"/>
+          </a:fillRef>
+          <a:effectRef idx="0">
+            <a:schemeClr val="accent1"/>
+          </a:effectRef>
+          <a:fontRef idx="minor">
+            <a:schemeClr val="tx1"/>
+          </a:fontRef>
+        </p:style>
+      </p:cxnSp>
+      <p:cxnSp>
+        <p:nvCxnSpPr>
+          <p:cNvPr id="24" name="直接连接符 23"/>
+          <p:cNvCxnSpPr/>
+          <p:nvPr/>
+        </p:nvCxnSpPr>
+        <p:spPr>
+          <a:xfrm>
+            <a:off x="3089053" y="2823210"/>
+            <a:ext cx="0" cy="220942"/>
+          </a:xfrm>
+          <a:prstGeom prst="line">
+            <a:avLst/>
+          </a:prstGeom>
+          <a:ln w="101600">
+            <a:solidFill>
+              <a:schemeClr val="tx1"/>
+            </a:solidFill>
+          </a:ln>
+        </p:spPr>
+        <p:style>
+          <a:lnRef idx="1">
+            <a:schemeClr val="accent1"/>
+          </a:lnRef>
+          <a:fillRef idx="0">
+            <a:schemeClr val="accent1"/>
+          </a:fillRef>
+          <a:effectRef idx="0">
+            <a:schemeClr val="accent1"/>
+          </a:effectRef>
+          <a:fontRef idx="minor">
+            <a:schemeClr val="tx1"/>
+          </a:fontRef>
+        </p:style>
+      </p:cxnSp>
+      <p:cxnSp>
+        <p:nvCxnSpPr>
+          <p:cNvPr id="25" name="直接连接符 24"/>
+          <p:cNvCxnSpPr/>
+          <p:nvPr/>
+        </p:nvCxnSpPr>
+        <p:spPr>
+          <a:xfrm>
+            <a:off x="5978303" y="2823210"/>
+            <a:ext cx="0" cy="220942"/>
+          </a:xfrm>
+          <a:prstGeom prst="line">
+            <a:avLst/>
+          </a:prstGeom>
+          <a:ln w="101600">
+            <a:solidFill>
+              <a:schemeClr val="tx1"/>
+            </a:solidFill>
+          </a:ln>
+        </p:spPr>
+        <p:style>
+          <a:lnRef idx="1">
+            <a:schemeClr val="accent1"/>
+          </a:lnRef>
+          <a:fillRef idx="0">
+            <a:schemeClr val="accent1"/>
+          </a:fillRef>
+          <a:effectRef idx="0">
+            <a:schemeClr val="accent1"/>
+          </a:effectRef>
+          <a:fontRef idx="minor">
+            <a:schemeClr val="tx1"/>
+          </a:fontRef>
+        </p:style>
+      </p:cxnSp>
+      <p:cxnSp>
+        <p:nvCxnSpPr>
+          <p:cNvPr id="26" name="直接连接符 25"/>
+          <p:cNvCxnSpPr/>
+          <p:nvPr/>
+        </p:nvCxnSpPr>
+        <p:spPr>
+          <a:xfrm>
+            <a:off x="8833263" y="2810510"/>
+            <a:ext cx="0" cy="220942"/>
+          </a:xfrm>
+          <a:prstGeom prst="line">
+            <a:avLst/>
+          </a:prstGeom>
+          <a:ln w="101600">
+            <a:solidFill>
+              <a:schemeClr val="tx1"/>
+            </a:solidFill>
+          </a:ln>
+        </p:spPr>
+        <p:style>
+          <a:lnRef idx="1">
+            <a:schemeClr val="accent1"/>
+          </a:lnRef>
+          <a:fillRef idx="0">
+            <a:schemeClr val="accent1"/>
+          </a:fillRef>
+          <a:effectRef idx="0">
+            <a:schemeClr val="accent1"/>
+          </a:effectRef>
+          <a:fontRef idx="minor">
+            <a:schemeClr val="tx1"/>
+          </a:fontRef>
+        </p:style>
+      </p:cxnSp>
+      <p:sp>
+        <p:nvSpPr>
+          <p:cNvPr id="28" name="文本框 27"/>
+          <p:cNvSpPr txBox="1"/>
+          <p:nvPr/>
+        </p:nvSpPr>
+        <p:spPr>
+          <a:xfrm>
+            <a:off x="-1061084" y="2628653"/>
+            <a:ext cx="2844800" cy="830997"/>
+          </a:xfrm>
+          <a:prstGeom prst="rect">
+            <a:avLst/>
+          </a:prstGeom>
+          <a:noFill/>
+        </p:spPr>
+        <p:txBody>
+          <a:bodyPr wrap="square" rtlCol="0">
+            <a:spAutoFit/>
+          </a:bodyPr>
+          <a:lstStyle/>
+          <a:p>
+            <a:pPr algn="ctr"/>
+            <a:r>
+              <a:rPr lang="zh-CN" altLang="en-US" sz="2400" b="1" dirty="0" smtClean="0">
+                <a:latin typeface="宋体" panose="02010600030101010101" pitchFamily="2" charset="-122"/>
+                <a:ea typeface="宋体" panose="02010600030101010101" pitchFamily="2" charset="-122"/>
+              </a:rPr>
+              <a:t>摄像头</a:t>
+            </a:r>
+            <a:r>
+              <a:rPr lang="en-US" altLang="zh-CN" sz="2400" b="1" dirty="0" smtClean="0">
+                <a:latin typeface="宋体" panose="02010600030101010101" pitchFamily="2" charset="-122"/>
+                <a:ea typeface="宋体" panose="02010600030101010101" pitchFamily="2" charset="-122"/>
+              </a:rPr>
+              <a:t>B</a:t>
+            </a:r>
+          </a:p>
+          <a:p>
+            <a:pPr algn="ctr"/>
+            <a:r>
+              <a:rPr lang="zh-CN" altLang="en-US" sz="2400" b="1" dirty="0" smtClean="0">
+                <a:latin typeface="宋体" panose="02010600030101010101" pitchFamily="2" charset="-122"/>
+                <a:ea typeface="宋体" panose="02010600030101010101" pitchFamily="2" charset="-122"/>
+              </a:rPr>
+              <a:t>拍摄序列</a:t>
+            </a:r>
+            <a:endParaRPr lang="en-US" altLang="zh-CN" sz="2400" b="1" dirty="0">
+              <a:latin typeface="宋体" panose="02010600030101010101" pitchFamily="2" charset="-122"/>
+              <a:ea typeface="宋体" panose="02010600030101010101" pitchFamily="2" charset="-122"/>
+            </a:endParaRPr>
+          </a:p>
+        </p:txBody>
+      </p:sp>
+      <p:sp>
+        <p:nvSpPr>
+          <p:cNvPr id="29" name="文本框 28"/>
+          <p:cNvSpPr txBox="1"/>
+          <p:nvPr/>
+        </p:nvSpPr>
+        <p:spPr>
+          <a:xfrm>
+            <a:off x="2822353" y="3182652"/>
+            <a:ext cx="533400" cy="461665"/>
+          </a:xfrm>
+          <a:prstGeom prst="rect">
+            <a:avLst/>
+          </a:prstGeom>
+          <a:noFill/>
+        </p:spPr>
+        <p:txBody>
+          <a:bodyPr wrap="square" rtlCol="0">
+            <a:spAutoFit/>
+          </a:bodyPr>
+          <a:lstStyle/>
+          <a:p>
+            <a:r>
+              <a:rPr lang="en-US" altLang="zh-CN" sz="2400" b="1" dirty="0" err="1" smtClean="0">
+                <a:latin typeface="宋体" panose="02010600030101010101" pitchFamily="2" charset="-122"/>
+                <a:ea typeface="宋体" panose="02010600030101010101" pitchFamily="2" charset="-122"/>
+              </a:rPr>
+              <a:t>I</a:t>
+            </a:r>
+            <a:r>
+              <a:rPr lang="en-US" altLang="zh-CN" sz="2400" b="1" baseline="-25000" dirty="0" err="1" smtClean="0">
+                <a:latin typeface="宋体" panose="02010600030101010101" pitchFamily="2" charset="-122"/>
+                <a:ea typeface="宋体" panose="02010600030101010101" pitchFamily="2" charset="-122"/>
+              </a:rPr>
+              <a:t>b</a:t>
+            </a:r>
+            <a:endParaRPr lang="zh-CN" altLang="en-US" sz="2400" b="1" baseline="-25000" dirty="0">
+              <a:latin typeface="宋体" panose="02010600030101010101" pitchFamily="2" charset="-122"/>
+              <a:ea typeface="宋体" panose="02010600030101010101" pitchFamily="2" charset="-122"/>
+            </a:endParaRPr>
+          </a:p>
+        </p:txBody>
+      </p:sp>
+      <p:sp>
+        <p:nvSpPr>
+          <p:cNvPr id="30" name="文本框 29"/>
+          <p:cNvSpPr txBox="1"/>
+          <p:nvPr/>
+        </p:nvSpPr>
+        <p:spPr>
+          <a:xfrm>
+            <a:off x="5400453" y="3182651"/>
+            <a:ext cx="1155700" cy="461665"/>
+          </a:xfrm>
+          <a:prstGeom prst="rect">
+            <a:avLst/>
+          </a:prstGeom>
+          <a:noFill/>
+        </p:spPr>
+        <p:txBody>
+          <a:bodyPr wrap="square" rtlCol="0">
+            <a:spAutoFit/>
+          </a:bodyPr>
+          <a:lstStyle/>
+          <a:p>
+            <a:r>
+              <a:rPr lang="en-US" altLang="zh-CN" sz="2400" b="1" dirty="0" err="1" smtClean="0">
+                <a:latin typeface="宋体" panose="02010600030101010101" pitchFamily="2" charset="-122"/>
+                <a:ea typeface="宋体" panose="02010600030101010101" pitchFamily="2" charset="-122"/>
+              </a:rPr>
+              <a:t>I</a:t>
+            </a:r>
+            <a:r>
+              <a:rPr lang="en-US" altLang="zh-CN" sz="2400" b="1" baseline="-25000" dirty="0" err="1" smtClean="0">
+                <a:latin typeface="宋体" panose="02010600030101010101" pitchFamily="2" charset="-122"/>
+                <a:ea typeface="宋体" panose="02010600030101010101" pitchFamily="2" charset="-122"/>
+              </a:rPr>
+              <a:t>b</a:t>
+            </a:r>
+            <a:r>
+              <a:rPr lang="en-US" altLang="zh-CN" sz="2400" b="1" baseline="-25000" dirty="0" smtClean="0">
+                <a:latin typeface="宋体" panose="02010600030101010101" pitchFamily="2" charset="-122"/>
+                <a:ea typeface="宋体" panose="02010600030101010101" pitchFamily="2" charset="-122"/>
+              </a:rPr>
+              <a:t> </a:t>
+            </a:r>
+            <a:r>
+              <a:rPr lang="en-US" altLang="zh-CN" sz="2400" b="1" dirty="0" smtClean="0">
+                <a:latin typeface="宋体" panose="02010600030101010101" pitchFamily="2" charset="-122"/>
+                <a:ea typeface="宋体" panose="02010600030101010101" pitchFamily="2" charset="-122"/>
+              </a:rPr>
+              <a:t>+ 1</a:t>
+            </a:r>
+            <a:endParaRPr lang="zh-CN" altLang="en-US" sz="2400" b="1" dirty="0">
+              <a:latin typeface="宋体" panose="02010600030101010101" pitchFamily="2" charset="-122"/>
+              <a:ea typeface="宋体" panose="02010600030101010101" pitchFamily="2" charset="-122"/>
+            </a:endParaRPr>
+          </a:p>
+        </p:txBody>
+      </p:sp>
+      <p:sp>
+        <p:nvSpPr>
+          <p:cNvPr id="31" name="文本框 30"/>
+          <p:cNvSpPr txBox="1"/>
+          <p:nvPr/>
+        </p:nvSpPr>
+        <p:spPr>
+          <a:xfrm>
+            <a:off x="8277637" y="3182651"/>
+            <a:ext cx="1155700" cy="461665"/>
+          </a:xfrm>
+          <a:prstGeom prst="rect">
+            <a:avLst/>
+          </a:prstGeom>
+          <a:noFill/>
+        </p:spPr>
+        <p:txBody>
+          <a:bodyPr wrap="square" rtlCol="0">
+            <a:spAutoFit/>
+          </a:bodyPr>
+          <a:lstStyle/>
+          <a:p>
+            <a:r>
+              <a:rPr lang="en-US" altLang="zh-CN" sz="2400" b="1" dirty="0" err="1" smtClean="0">
+                <a:latin typeface="宋体" panose="02010600030101010101" pitchFamily="2" charset="-122"/>
+                <a:ea typeface="宋体" panose="02010600030101010101" pitchFamily="2" charset="-122"/>
+              </a:rPr>
+              <a:t>I</a:t>
+            </a:r>
+            <a:r>
+              <a:rPr lang="en-US" altLang="zh-CN" sz="2400" b="1" baseline="-25000" dirty="0" err="1" smtClean="0">
+                <a:latin typeface="宋体" panose="02010600030101010101" pitchFamily="2" charset="-122"/>
+                <a:ea typeface="宋体" panose="02010600030101010101" pitchFamily="2" charset="-122"/>
+              </a:rPr>
+              <a:t>b</a:t>
+            </a:r>
+            <a:r>
+              <a:rPr lang="en-US" altLang="zh-CN" sz="2400" b="1" baseline="-25000" dirty="0" smtClean="0">
+                <a:latin typeface="宋体" panose="02010600030101010101" pitchFamily="2" charset="-122"/>
+                <a:ea typeface="宋体" panose="02010600030101010101" pitchFamily="2" charset="-122"/>
+              </a:rPr>
+              <a:t> </a:t>
+            </a:r>
+            <a:r>
+              <a:rPr lang="en-US" altLang="zh-CN" sz="2400" b="1" dirty="0" smtClean="0">
+                <a:latin typeface="宋体" panose="02010600030101010101" pitchFamily="2" charset="-122"/>
+                <a:ea typeface="宋体" panose="02010600030101010101" pitchFamily="2" charset="-122"/>
+              </a:rPr>
+              <a:t>+ 2</a:t>
+            </a:r>
+            <a:endParaRPr lang="zh-CN" altLang="en-US" sz="2400" b="1" dirty="0">
+              <a:latin typeface="宋体" panose="02010600030101010101" pitchFamily="2" charset="-122"/>
+              <a:ea typeface="宋体" panose="02010600030101010101" pitchFamily="2" charset="-122"/>
+            </a:endParaRPr>
+          </a:p>
+        </p:txBody>
+      </p:sp>
+      <p:cxnSp>
+        <p:nvCxnSpPr>
+          <p:cNvPr id="33" name="直接连接符 32"/>
+          <p:cNvCxnSpPr/>
+          <p:nvPr/>
+        </p:nvCxnSpPr>
+        <p:spPr>
+          <a:xfrm>
+            <a:off x="1771650" y="1488421"/>
+            <a:ext cx="0" cy="4634230"/>
+          </a:xfrm>
+          <a:prstGeom prst="line">
+            <a:avLst/>
+          </a:prstGeom>
+          <a:ln w="66675">
+            <a:solidFill>
+              <a:schemeClr val="tx1"/>
+            </a:solidFill>
+            <a:prstDash val="sysDash"/>
+          </a:ln>
+        </p:spPr>
+        <p:style>
+          <a:lnRef idx="1">
+            <a:schemeClr val="accent1"/>
+          </a:lnRef>
+          <a:fillRef idx="0">
+            <a:schemeClr val="accent1"/>
+          </a:fillRef>
+          <a:effectRef idx="0">
+            <a:schemeClr val="accent1"/>
+          </a:effectRef>
+          <a:fontRef idx="minor">
+            <a:schemeClr val="tx1"/>
+          </a:fontRef>
+        </p:style>
+      </p:cxnSp>
+      <p:cxnSp>
+        <p:nvCxnSpPr>
+          <p:cNvPr id="36" name="直接箭头连接符 35"/>
+          <p:cNvCxnSpPr/>
+          <p:nvPr/>
+        </p:nvCxnSpPr>
+        <p:spPr>
+          <a:xfrm flipV="1">
+            <a:off x="1139258" y="4340783"/>
+            <a:ext cx="9853789" cy="1308"/>
+          </a:xfrm>
+          <a:prstGeom prst="straightConnector1">
+            <a:avLst/>
+          </a:prstGeom>
+          <a:ln w="88900">
+            <a:solidFill>
+              <a:schemeClr val="tx1"/>
+            </a:solidFill>
+            <a:tailEnd type="triangle"/>
+          </a:ln>
+        </p:spPr>
+        <p:style>
+          <a:lnRef idx="1">
+            <a:schemeClr val="accent1"/>
+          </a:lnRef>
+          <a:fillRef idx="0">
+            <a:schemeClr val="accent1"/>
+          </a:fillRef>
+          <a:effectRef idx="0">
+            <a:schemeClr val="accent1"/>
+          </a:effectRef>
+          <a:fontRef idx="minor">
+            <a:schemeClr val="tx1"/>
+          </a:fontRef>
+        </p:style>
+      </p:cxnSp>
+      <p:cxnSp>
+        <p:nvCxnSpPr>
+          <p:cNvPr id="37" name="直接连接符 36"/>
+          <p:cNvCxnSpPr/>
+          <p:nvPr/>
+        </p:nvCxnSpPr>
+        <p:spPr>
+          <a:xfrm>
+            <a:off x="2581935" y="4166008"/>
+            <a:ext cx="0" cy="220942"/>
+          </a:xfrm>
+          <a:prstGeom prst="line">
+            <a:avLst/>
+          </a:prstGeom>
+          <a:ln w="101600">
+            <a:solidFill>
+              <a:schemeClr val="tx1"/>
+            </a:solidFill>
+          </a:ln>
+        </p:spPr>
+        <p:style>
+          <a:lnRef idx="1">
+            <a:schemeClr val="accent1"/>
+          </a:lnRef>
+          <a:fillRef idx="0">
+            <a:schemeClr val="accent1"/>
+          </a:fillRef>
+          <a:effectRef idx="0">
+            <a:schemeClr val="accent1"/>
+          </a:effectRef>
+          <a:fontRef idx="minor">
+            <a:schemeClr val="tx1"/>
+          </a:fontRef>
+        </p:style>
+      </p:cxnSp>
+      <p:cxnSp>
+        <p:nvCxnSpPr>
+          <p:cNvPr id="38" name="直接连接符 37"/>
+          <p:cNvCxnSpPr/>
+          <p:nvPr/>
+        </p:nvCxnSpPr>
+        <p:spPr>
+          <a:xfrm>
+            <a:off x="5471185" y="4166008"/>
+            <a:ext cx="0" cy="220942"/>
+          </a:xfrm>
+          <a:prstGeom prst="line">
+            <a:avLst/>
+          </a:prstGeom>
+          <a:ln w="101600">
+            <a:solidFill>
+              <a:schemeClr val="tx1"/>
+            </a:solidFill>
+          </a:ln>
+        </p:spPr>
+        <p:style>
+          <a:lnRef idx="1">
+            <a:schemeClr val="accent1"/>
+          </a:lnRef>
+          <a:fillRef idx="0">
+            <a:schemeClr val="accent1"/>
+          </a:fillRef>
+          <a:effectRef idx="0">
+            <a:schemeClr val="accent1"/>
+          </a:effectRef>
+          <a:fontRef idx="minor">
+            <a:schemeClr val="tx1"/>
+          </a:fontRef>
+        </p:style>
+      </p:cxnSp>
+      <p:cxnSp>
+        <p:nvCxnSpPr>
+          <p:cNvPr id="39" name="直接连接符 38"/>
+          <p:cNvCxnSpPr/>
+          <p:nvPr/>
+        </p:nvCxnSpPr>
+        <p:spPr>
+          <a:xfrm>
+            <a:off x="8326145" y="4153308"/>
+            <a:ext cx="0" cy="220942"/>
+          </a:xfrm>
+          <a:prstGeom prst="line">
+            <a:avLst/>
+          </a:prstGeom>
+          <a:ln w="101600">
+            <a:solidFill>
+              <a:schemeClr val="tx1"/>
+            </a:solidFill>
+          </a:ln>
+        </p:spPr>
+        <p:style>
+          <a:lnRef idx="1">
+            <a:schemeClr val="accent1"/>
+          </a:lnRef>
+          <a:fillRef idx="0">
+            <a:schemeClr val="accent1"/>
+          </a:fillRef>
+          <a:effectRef idx="0">
+            <a:schemeClr val="accent1"/>
+          </a:effectRef>
+          <a:fontRef idx="minor">
+            <a:schemeClr val="tx1"/>
+          </a:fontRef>
+        </p:style>
+      </p:cxnSp>
+      <p:sp>
+        <p:nvSpPr>
+          <p:cNvPr id="41" name="文本框 40"/>
+          <p:cNvSpPr txBox="1"/>
+          <p:nvPr/>
+        </p:nvSpPr>
+        <p:spPr>
+          <a:xfrm>
+            <a:off x="-1061084" y="3958751"/>
+            <a:ext cx="2844800" cy="830997"/>
+          </a:xfrm>
+          <a:prstGeom prst="rect">
+            <a:avLst/>
+          </a:prstGeom>
+          <a:noFill/>
+        </p:spPr>
+        <p:txBody>
+          <a:bodyPr wrap="square" rtlCol="0">
+            <a:spAutoFit/>
+          </a:bodyPr>
+          <a:lstStyle/>
+          <a:p>
+            <a:pPr algn="ctr"/>
+            <a:r>
+              <a:rPr lang="zh-CN" altLang="en-US" sz="2400" b="1" dirty="0" smtClean="0">
+                <a:latin typeface="宋体" panose="02010600030101010101" pitchFamily="2" charset="-122"/>
+                <a:ea typeface="宋体" panose="02010600030101010101" pitchFamily="2" charset="-122"/>
+              </a:rPr>
+              <a:t>摄像头</a:t>
+            </a:r>
+            <a:r>
+              <a:rPr lang="en-US" altLang="zh-CN" sz="2400" b="1" dirty="0" smtClean="0">
+                <a:latin typeface="宋体" panose="02010600030101010101" pitchFamily="2" charset="-122"/>
+                <a:ea typeface="宋体" panose="02010600030101010101" pitchFamily="2" charset="-122"/>
+              </a:rPr>
+              <a:t>C</a:t>
+            </a:r>
+          </a:p>
+          <a:p>
+            <a:pPr algn="ctr"/>
+            <a:r>
+              <a:rPr lang="zh-CN" altLang="en-US" sz="2400" b="1" dirty="0" smtClean="0">
+                <a:latin typeface="宋体" panose="02010600030101010101" pitchFamily="2" charset="-122"/>
+                <a:ea typeface="宋体" panose="02010600030101010101" pitchFamily="2" charset="-122"/>
+              </a:rPr>
+              <a:t>拍摄序列</a:t>
+            </a:r>
+            <a:endParaRPr lang="en-US" altLang="zh-CN" sz="2400" b="1" dirty="0">
+              <a:latin typeface="宋体" panose="02010600030101010101" pitchFamily="2" charset="-122"/>
+              <a:ea typeface="宋体" panose="02010600030101010101" pitchFamily="2" charset="-122"/>
+            </a:endParaRPr>
+          </a:p>
+        </p:txBody>
+      </p:sp>
+      <p:sp>
+        <p:nvSpPr>
+          <p:cNvPr id="42" name="文本框 41"/>
+          <p:cNvSpPr txBox="1"/>
+          <p:nvPr/>
+        </p:nvSpPr>
+        <p:spPr>
+          <a:xfrm>
+            <a:off x="2315235" y="4525450"/>
+            <a:ext cx="533400" cy="461665"/>
+          </a:xfrm>
+          <a:prstGeom prst="rect">
+            <a:avLst/>
+          </a:prstGeom>
+          <a:noFill/>
+        </p:spPr>
+        <p:txBody>
+          <a:bodyPr wrap="square" rtlCol="0">
+            <a:spAutoFit/>
+          </a:bodyPr>
+          <a:lstStyle/>
+          <a:p>
+            <a:r>
+              <a:rPr lang="en-US" altLang="zh-CN" sz="2400" b="1" dirty="0" err="1" smtClean="0">
+                <a:latin typeface="宋体" panose="02010600030101010101" pitchFamily="2" charset="-122"/>
+                <a:ea typeface="宋体" panose="02010600030101010101" pitchFamily="2" charset="-122"/>
+              </a:rPr>
+              <a:t>I</a:t>
+            </a:r>
+            <a:r>
+              <a:rPr lang="en-US" altLang="zh-CN" sz="2400" b="1" baseline="-25000" dirty="0" err="1" smtClean="0">
+                <a:latin typeface="宋体" panose="02010600030101010101" pitchFamily="2" charset="-122"/>
+                <a:ea typeface="宋体" panose="02010600030101010101" pitchFamily="2" charset="-122"/>
+              </a:rPr>
+              <a:t>c</a:t>
+            </a:r>
+            <a:endParaRPr lang="zh-CN" altLang="en-US" sz="2400" b="1" baseline="-25000" dirty="0">
+              <a:latin typeface="宋体" panose="02010600030101010101" pitchFamily="2" charset="-122"/>
+              <a:ea typeface="宋体" panose="02010600030101010101" pitchFamily="2" charset="-122"/>
+            </a:endParaRPr>
+          </a:p>
+        </p:txBody>
+      </p:sp>
+      <p:sp>
+        <p:nvSpPr>
+          <p:cNvPr id="43" name="文本框 42"/>
+          <p:cNvSpPr txBox="1"/>
+          <p:nvPr/>
+        </p:nvSpPr>
+        <p:spPr>
+          <a:xfrm>
+            <a:off x="4893335" y="4525449"/>
+            <a:ext cx="1155700" cy="461665"/>
+          </a:xfrm>
+          <a:prstGeom prst="rect">
+            <a:avLst/>
+          </a:prstGeom>
+          <a:noFill/>
+        </p:spPr>
+        <p:txBody>
+          <a:bodyPr wrap="square" rtlCol="0">
+            <a:spAutoFit/>
+          </a:bodyPr>
+          <a:lstStyle/>
+          <a:p>
+            <a:r>
+              <a:rPr lang="en-US" altLang="zh-CN" sz="2400" b="1" dirty="0" err="1" smtClean="0">
+                <a:latin typeface="宋体" panose="02010600030101010101" pitchFamily="2" charset="-122"/>
+                <a:ea typeface="宋体" panose="02010600030101010101" pitchFamily="2" charset="-122"/>
+              </a:rPr>
+              <a:t>I</a:t>
+            </a:r>
+            <a:r>
+              <a:rPr lang="en-US" altLang="zh-CN" sz="2400" b="1" baseline="-25000" dirty="0" err="1" smtClean="0">
+                <a:latin typeface="宋体" panose="02010600030101010101" pitchFamily="2" charset="-122"/>
+                <a:ea typeface="宋体" panose="02010600030101010101" pitchFamily="2" charset="-122"/>
+              </a:rPr>
+              <a:t>c</a:t>
+            </a:r>
+            <a:r>
+              <a:rPr lang="en-US" altLang="zh-CN" sz="2400" b="1" baseline="-25000" dirty="0" smtClean="0">
+                <a:latin typeface="宋体" panose="02010600030101010101" pitchFamily="2" charset="-122"/>
+                <a:ea typeface="宋体" panose="02010600030101010101" pitchFamily="2" charset="-122"/>
+              </a:rPr>
+              <a:t> </a:t>
+            </a:r>
+            <a:r>
+              <a:rPr lang="en-US" altLang="zh-CN" sz="2400" b="1" dirty="0" smtClean="0">
+                <a:latin typeface="宋体" panose="02010600030101010101" pitchFamily="2" charset="-122"/>
+                <a:ea typeface="宋体" panose="02010600030101010101" pitchFamily="2" charset="-122"/>
+              </a:rPr>
+              <a:t>+ 1</a:t>
+            </a:r>
+            <a:endParaRPr lang="zh-CN" altLang="en-US" sz="2400" b="1" dirty="0">
+              <a:latin typeface="宋体" panose="02010600030101010101" pitchFamily="2" charset="-122"/>
+              <a:ea typeface="宋体" panose="02010600030101010101" pitchFamily="2" charset="-122"/>
+            </a:endParaRPr>
+          </a:p>
+        </p:txBody>
+      </p:sp>
+      <p:sp>
+        <p:nvSpPr>
+          <p:cNvPr id="44" name="文本框 43"/>
+          <p:cNvSpPr txBox="1"/>
+          <p:nvPr/>
+        </p:nvSpPr>
+        <p:spPr>
+          <a:xfrm>
+            <a:off x="7770519" y="4525449"/>
+            <a:ext cx="1155700" cy="461665"/>
+          </a:xfrm>
+          <a:prstGeom prst="rect">
+            <a:avLst/>
+          </a:prstGeom>
+          <a:noFill/>
+        </p:spPr>
+        <p:txBody>
+          <a:bodyPr wrap="square" rtlCol="0">
+            <a:spAutoFit/>
+          </a:bodyPr>
+          <a:lstStyle/>
+          <a:p>
+            <a:r>
+              <a:rPr lang="en-US" altLang="zh-CN" sz="2400" b="1" dirty="0" err="1" smtClean="0">
+                <a:latin typeface="宋体" panose="02010600030101010101" pitchFamily="2" charset="-122"/>
+                <a:ea typeface="宋体" panose="02010600030101010101" pitchFamily="2" charset="-122"/>
+              </a:rPr>
+              <a:t>I</a:t>
+            </a:r>
+            <a:r>
+              <a:rPr lang="en-US" altLang="zh-CN" sz="2400" b="1" baseline="-25000" dirty="0" err="1" smtClean="0">
+                <a:latin typeface="宋体" panose="02010600030101010101" pitchFamily="2" charset="-122"/>
+                <a:ea typeface="宋体" panose="02010600030101010101" pitchFamily="2" charset="-122"/>
+              </a:rPr>
+              <a:t>c</a:t>
+            </a:r>
+            <a:r>
+              <a:rPr lang="en-US" altLang="zh-CN" sz="2400" b="1" baseline="-25000" dirty="0" smtClean="0">
+                <a:latin typeface="宋体" panose="02010600030101010101" pitchFamily="2" charset="-122"/>
+                <a:ea typeface="宋体" panose="02010600030101010101" pitchFamily="2" charset="-122"/>
+              </a:rPr>
+              <a:t> </a:t>
+            </a:r>
+            <a:r>
+              <a:rPr lang="en-US" altLang="zh-CN" sz="2400" b="1" dirty="0" smtClean="0">
+                <a:latin typeface="宋体" panose="02010600030101010101" pitchFamily="2" charset="-122"/>
+                <a:ea typeface="宋体" panose="02010600030101010101" pitchFamily="2" charset="-122"/>
+              </a:rPr>
+              <a:t>+ 2</a:t>
+            </a:r>
+            <a:endParaRPr lang="zh-CN" altLang="en-US" sz="2400" b="1" dirty="0">
+              <a:latin typeface="宋体" panose="02010600030101010101" pitchFamily="2" charset="-122"/>
+              <a:ea typeface="宋体" panose="02010600030101010101" pitchFamily="2" charset="-122"/>
+            </a:endParaRPr>
+          </a:p>
+        </p:txBody>
+      </p:sp>
+      <p:cxnSp>
+        <p:nvCxnSpPr>
+          <p:cNvPr id="46" name="直接箭头连接符 45"/>
+          <p:cNvCxnSpPr/>
+          <p:nvPr/>
+        </p:nvCxnSpPr>
+        <p:spPr>
+          <a:xfrm flipV="1">
+            <a:off x="1139259" y="5711169"/>
+            <a:ext cx="9853789" cy="1308"/>
+          </a:xfrm>
+          <a:prstGeom prst="straightConnector1">
+            <a:avLst/>
+          </a:prstGeom>
+          <a:ln w="88900">
+            <a:solidFill>
+              <a:schemeClr val="tx1"/>
+            </a:solidFill>
+            <a:tailEnd type="triangle"/>
+          </a:ln>
+        </p:spPr>
+        <p:style>
+          <a:lnRef idx="1">
+            <a:schemeClr val="accent1"/>
+          </a:lnRef>
+          <a:fillRef idx="0">
+            <a:schemeClr val="accent1"/>
+          </a:fillRef>
+          <a:effectRef idx="0">
+            <a:schemeClr val="accent1"/>
+          </a:effectRef>
+          <a:fontRef idx="minor">
+            <a:schemeClr val="tx1"/>
+          </a:fontRef>
+        </p:style>
+      </p:cxnSp>
+      <p:cxnSp>
+        <p:nvCxnSpPr>
+          <p:cNvPr id="47" name="直接连接符 46"/>
+          <p:cNvCxnSpPr/>
+          <p:nvPr/>
+        </p:nvCxnSpPr>
+        <p:spPr>
+          <a:xfrm>
+            <a:off x="3583093" y="5506190"/>
+            <a:ext cx="0" cy="220942"/>
+          </a:xfrm>
+          <a:prstGeom prst="line">
+            <a:avLst/>
+          </a:prstGeom>
+          <a:ln w="101600">
+            <a:solidFill>
+              <a:schemeClr val="tx1"/>
+            </a:solidFill>
+          </a:ln>
+        </p:spPr>
+        <p:style>
+          <a:lnRef idx="1">
+            <a:schemeClr val="accent1"/>
+          </a:lnRef>
+          <a:fillRef idx="0">
+            <a:schemeClr val="accent1"/>
+          </a:fillRef>
+          <a:effectRef idx="0">
+            <a:schemeClr val="accent1"/>
+          </a:effectRef>
+          <a:fontRef idx="minor">
+            <a:schemeClr val="tx1"/>
+          </a:fontRef>
+        </p:style>
+      </p:cxnSp>
+      <p:cxnSp>
+        <p:nvCxnSpPr>
+          <p:cNvPr id="48" name="直接连接符 47"/>
+          <p:cNvCxnSpPr/>
+          <p:nvPr/>
+        </p:nvCxnSpPr>
+        <p:spPr>
+          <a:xfrm>
+            <a:off x="6472343" y="5506190"/>
+            <a:ext cx="0" cy="220942"/>
+          </a:xfrm>
+          <a:prstGeom prst="line">
+            <a:avLst/>
+          </a:prstGeom>
+          <a:ln w="101600">
+            <a:solidFill>
+              <a:schemeClr val="tx1"/>
+            </a:solidFill>
+          </a:ln>
+        </p:spPr>
+        <p:style>
+          <a:lnRef idx="1">
+            <a:schemeClr val="accent1"/>
+          </a:lnRef>
+          <a:fillRef idx="0">
+            <a:schemeClr val="accent1"/>
+          </a:fillRef>
+          <a:effectRef idx="0">
+            <a:schemeClr val="accent1"/>
+          </a:effectRef>
+          <a:fontRef idx="minor">
+            <a:schemeClr val="tx1"/>
+          </a:fontRef>
+        </p:style>
+      </p:cxnSp>
+      <p:cxnSp>
+        <p:nvCxnSpPr>
+          <p:cNvPr id="49" name="直接连接符 48"/>
+          <p:cNvCxnSpPr/>
+          <p:nvPr/>
+        </p:nvCxnSpPr>
+        <p:spPr>
+          <a:xfrm>
+            <a:off x="9327303" y="5493490"/>
+            <a:ext cx="0" cy="220942"/>
+          </a:xfrm>
+          <a:prstGeom prst="line">
+            <a:avLst/>
+          </a:prstGeom>
+          <a:ln w="101600">
+            <a:solidFill>
+              <a:schemeClr val="tx1"/>
+            </a:solidFill>
+          </a:ln>
+        </p:spPr>
+        <p:style>
+          <a:lnRef idx="1">
+            <a:schemeClr val="accent1"/>
+          </a:lnRef>
+          <a:fillRef idx="0">
+            <a:schemeClr val="accent1"/>
+          </a:fillRef>
+          <a:effectRef idx="0">
+            <a:schemeClr val="accent1"/>
+          </a:effectRef>
+          <a:fontRef idx="minor">
+            <a:schemeClr val="tx1"/>
+          </a:fontRef>
+        </p:style>
+      </p:cxnSp>
+      <p:sp>
+        <p:nvSpPr>
+          <p:cNvPr id="51" name="文本框 50"/>
+          <p:cNvSpPr txBox="1"/>
+          <p:nvPr/>
+        </p:nvSpPr>
+        <p:spPr>
+          <a:xfrm>
+            <a:off x="-1061084" y="5296979"/>
+            <a:ext cx="2844800" cy="830997"/>
+          </a:xfrm>
+          <a:prstGeom prst="rect">
+            <a:avLst/>
+          </a:prstGeom>
+          <a:noFill/>
+        </p:spPr>
+        <p:txBody>
+          <a:bodyPr wrap="square" rtlCol="0">
+            <a:spAutoFit/>
+          </a:bodyPr>
+          <a:lstStyle/>
+          <a:p>
+            <a:pPr algn="ctr"/>
+            <a:r>
+              <a:rPr lang="zh-CN" altLang="en-US" sz="2400" b="1" dirty="0" smtClean="0">
+                <a:latin typeface="宋体" panose="02010600030101010101" pitchFamily="2" charset="-122"/>
+                <a:ea typeface="宋体" panose="02010600030101010101" pitchFamily="2" charset="-122"/>
+              </a:rPr>
+              <a:t>摄像头</a:t>
+            </a:r>
+            <a:r>
+              <a:rPr lang="en-US" altLang="zh-CN" sz="2400" b="1" dirty="0" smtClean="0">
+                <a:latin typeface="宋体" panose="02010600030101010101" pitchFamily="2" charset="-122"/>
+                <a:ea typeface="宋体" panose="02010600030101010101" pitchFamily="2" charset="-122"/>
+              </a:rPr>
+              <a:t>D</a:t>
+            </a:r>
+          </a:p>
+          <a:p>
+            <a:pPr algn="ctr"/>
+            <a:r>
+              <a:rPr lang="zh-CN" altLang="en-US" sz="2400" b="1" dirty="0" smtClean="0">
+                <a:latin typeface="宋体" panose="02010600030101010101" pitchFamily="2" charset="-122"/>
+                <a:ea typeface="宋体" panose="02010600030101010101" pitchFamily="2" charset="-122"/>
+              </a:rPr>
+              <a:t>拍摄序列</a:t>
+            </a:r>
+            <a:endParaRPr lang="en-US" altLang="zh-CN" sz="2400" b="1" dirty="0">
+              <a:latin typeface="宋体" panose="02010600030101010101" pitchFamily="2" charset="-122"/>
+              <a:ea typeface="宋体" panose="02010600030101010101" pitchFamily="2" charset="-122"/>
+            </a:endParaRPr>
+          </a:p>
+        </p:txBody>
+      </p:sp>
+      <p:sp>
+        <p:nvSpPr>
+          <p:cNvPr id="52" name="文本框 51"/>
+          <p:cNvSpPr txBox="1"/>
+          <p:nvPr/>
+        </p:nvSpPr>
+        <p:spPr>
+          <a:xfrm>
+            <a:off x="3316393" y="5865632"/>
+            <a:ext cx="533400" cy="461665"/>
+          </a:xfrm>
+          <a:prstGeom prst="rect">
+            <a:avLst/>
+          </a:prstGeom>
+          <a:noFill/>
+        </p:spPr>
+        <p:txBody>
+          <a:bodyPr wrap="square" rtlCol="0">
+            <a:spAutoFit/>
+          </a:bodyPr>
+          <a:lstStyle/>
+          <a:p>
+            <a:r>
+              <a:rPr lang="en-US" altLang="zh-CN" sz="2400" b="1" dirty="0" smtClean="0">
+                <a:latin typeface="宋体" panose="02010600030101010101" pitchFamily="2" charset="-122"/>
+                <a:ea typeface="宋体" panose="02010600030101010101" pitchFamily="2" charset="-122"/>
+              </a:rPr>
+              <a:t>I</a:t>
+            </a:r>
+            <a:r>
+              <a:rPr lang="en-US" altLang="zh-CN" sz="2400" b="1" baseline="-25000" dirty="0" smtClean="0">
+                <a:latin typeface="宋体" panose="02010600030101010101" pitchFamily="2" charset="-122"/>
+                <a:ea typeface="宋体" panose="02010600030101010101" pitchFamily="2" charset="-122"/>
+              </a:rPr>
+              <a:t>d</a:t>
+            </a:r>
+            <a:endParaRPr lang="zh-CN" altLang="en-US" sz="2400" b="1" baseline="-25000" dirty="0">
+              <a:latin typeface="宋体" panose="02010600030101010101" pitchFamily="2" charset="-122"/>
+              <a:ea typeface="宋体" panose="02010600030101010101" pitchFamily="2" charset="-122"/>
+            </a:endParaRPr>
+          </a:p>
+        </p:txBody>
+      </p:sp>
+      <p:sp>
+        <p:nvSpPr>
+          <p:cNvPr id="53" name="文本框 52"/>
+          <p:cNvSpPr txBox="1"/>
+          <p:nvPr/>
+        </p:nvSpPr>
+        <p:spPr>
+          <a:xfrm>
+            <a:off x="5894493" y="5865631"/>
+            <a:ext cx="1155700" cy="461665"/>
+          </a:xfrm>
+          <a:prstGeom prst="rect">
+            <a:avLst/>
+          </a:prstGeom>
+          <a:noFill/>
+        </p:spPr>
+        <p:txBody>
+          <a:bodyPr wrap="square" rtlCol="0">
+            <a:spAutoFit/>
+          </a:bodyPr>
+          <a:lstStyle/>
+          <a:p>
+            <a:r>
+              <a:rPr lang="en-US" altLang="zh-CN" sz="2400" b="1" dirty="0" smtClean="0">
+                <a:latin typeface="宋体" panose="02010600030101010101" pitchFamily="2" charset="-122"/>
+                <a:ea typeface="宋体" panose="02010600030101010101" pitchFamily="2" charset="-122"/>
+              </a:rPr>
+              <a:t>I</a:t>
+            </a:r>
+            <a:r>
+              <a:rPr lang="en-US" altLang="zh-CN" sz="2400" b="1" baseline="-25000" dirty="0">
+                <a:latin typeface="宋体" panose="02010600030101010101" pitchFamily="2" charset="-122"/>
+                <a:ea typeface="宋体" panose="02010600030101010101" pitchFamily="2" charset="-122"/>
+              </a:rPr>
+              <a:t>d</a:t>
+            </a:r>
+            <a:r>
+              <a:rPr lang="en-US" altLang="zh-CN" sz="2400" b="1" baseline="-25000" dirty="0" smtClean="0">
+                <a:latin typeface="宋体" panose="02010600030101010101" pitchFamily="2" charset="-122"/>
+                <a:ea typeface="宋体" panose="02010600030101010101" pitchFamily="2" charset="-122"/>
+              </a:rPr>
+              <a:t> </a:t>
+            </a:r>
+            <a:r>
+              <a:rPr lang="en-US" altLang="zh-CN" sz="2400" b="1" dirty="0" smtClean="0">
+                <a:latin typeface="宋体" panose="02010600030101010101" pitchFamily="2" charset="-122"/>
+                <a:ea typeface="宋体" panose="02010600030101010101" pitchFamily="2" charset="-122"/>
+              </a:rPr>
+              <a:t>+ 1</a:t>
+            </a:r>
+            <a:endParaRPr lang="zh-CN" altLang="en-US" sz="2400" b="1" dirty="0">
+              <a:latin typeface="宋体" panose="02010600030101010101" pitchFamily="2" charset="-122"/>
+              <a:ea typeface="宋体" panose="02010600030101010101" pitchFamily="2" charset="-122"/>
+            </a:endParaRPr>
+          </a:p>
+        </p:txBody>
+      </p:sp>
+      <p:sp>
+        <p:nvSpPr>
+          <p:cNvPr id="54" name="文本框 53"/>
+          <p:cNvSpPr txBox="1"/>
+          <p:nvPr/>
+        </p:nvSpPr>
+        <p:spPr>
+          <a:xfrm>
+            <a:off x="8771677" y="5865631"/>
+            <a:ext cx="1155700" cy="461665"/>
+          </a:xfrm>
+          <a:prstGeom prst="rect">
+            <a:avLst/>
+          </a:prstGeom>
+          <a:noFill/>
+        </p:spPr>
+        <p:txBody>
+          <a:bodyPr wrap="square" rtlCol="0">
+            <a:spAutoFit/>
+          </a:bodyPr>
+          <a:lstStyle/>
+          <a:p>
+            <a:r>
+              <a:rPr lang="en-US" altLang="zh-CN" sz="2400" b="1" dirty="0" smtClean="0">
+                <a:latin typeface="宋体" panose="02010600030101010101" pitchFamily="2" charset="-122"/>
+                <a:ea typeface="宋体" panose="02010600030101010101" pitchFamily="2" charset="-122"/>
+              </a:rPr>
+              <a:t>I</a:t>
+            </a:r>
+            <a:r>
+              <a:rPr lang="en-US" altLang="zh-CN" sz="2400" b="1" baseline="-25000" dirty="0" smtClean="0">
+                <a:latin typeface="宋体" panose="02010600030101010101" pitchFamily="2" charset="-122"/>
+                <a:ea typeface="宋体" panose="02010600030101010101" pitchFamily="2" charset="-122"/>
+              </a:rPr>
+              <a:t>d </a:t>
+            </a:r>
+            <a:r>
+              <a:rPr lang="en-US" altLang="zh-CN" sz="2400" b="1" dirty="0" smtClean="0">
+                <a:latin typeface="宋体" panose="02010600030101010101" pitchFamily="2" charset="-122"/>
+                <a:ea typeface="宋体" panose="02010600030101010101" pitchFamily="2" charset="-122"/>
+              </a:rPr>
+              <a:t>+ 2</a:t>
+            </a:r>
+            <a:endParaRPr lang="zh-CN" altLang="en-US" sz="2400" b="1" dirty="0">
+              <a:latin typeface="宋体" panose="02010600030101010101" pitchFamily="2" charset="-122"/>
+              <a:ea typeface="宋体" panose="02010600030101010101" pitchFamily="2" charset="-122"/>
+            </a:endParaRPr>
+          </a:p>
+        </p:txBody>
+      </p:sp>
+      <p:sp>
+        <p:nvSpPr>
+          <p:cNvPr id="56" name="左大括号 55"/>
+          <p:cNvSpPr/>
+          <p:nvPr/>
+        </p:nvSpPr>
+        <p:spPr>
+          <a:xfrm rot="5400000">
+            <a:off x="2321600" y="2053805"/>
+            <a:ext cx="241633" cy="1293271"/>
+          </a:xfrm>
+          <a:prstGeom prst="leftBrace">
+            <a:avLst>
+              <a:gd name="adj1" fmla="val 97528"/>
+              <a:gd name="adj2" fmla="val 50000"/>
+            </a:avLst>
+          </a:prstGeom>
+          <a:ln w="38100">
+            <a:solidFill>
+              <a:srgbClr val="FF0000"/>
+            </a:solidFill>
+          </a:ln>
+        </p:spPr>
+        <p:style>
+          <a:lnRef idx="1">
+            <a:schemeClr val="accent1"/>
+          </a:lnRef>
+          <a:fillRef idx="0">
+            <a:schemeClr val="accent1"/>
+          </a:fillRef>
+          <a:effectRef idx="0">
+            <a:schemeClr val="accent1"/>
+          </a:effectRef>
+          <a:fontRef idx="minor">
+            <a:schemeClr val="tx1"/>
+          </a:fontRef>
+        </p:style>
+        <p:txBody>
+          <a:bodyPr rtlCol="0" anchor="ctr"/>
+          <a:lstStyle/>
+          <a:p>
+            <a:pPr algn="ctr"/>
+            <a:endParaRPr lang="zh-CN" altLang="en-US"/>
+          </a:p>
+        </p:txBody>
+      </p:sp>
+      <p:sp>
+        <p:nvSpPr>
+          <p:cNvPr id="58" name="文本框 57"/>
+          <p:cNvSpPr txBox="1"/>
+          <p:nvPr/>
+        </p:nvSpPr>
+        <p:spPr>
+          <a:xfrm>
+            <a:off x="2023262" y="1985571"/>
+            <a:ext cx="755015" cy="461665"/>
+          </a:xfrm>
+          <a:prstGeom prst="rect">
+            <a:avLst/>
+          </a:prstGeom>
+          <a:noFill/>
+        </p:spPr>
+        <p:txBody>
+          <a:bodyPr wrap="square" rtlCol="0">
+            <a:spAutoFit/>
+          </a:bodyPr>
+          <a:lstStyle/>
+          <a:p>
+            <a:r>
+              <a:rPr lang="el-GR" altLang="zh-CN" sz="2400" b="1" dirty="0" smtClean="0">
+                <a:solidFill>
+                  <a:srgbClr val="FF0000"/>
+                </a:solidFill>
+                <a:latin typeface="宋体" panose="02010600030101010101" pitchFamily="2" charset="-122"/>
+                <a:ea typeface="宋体" panose="02010600030101010101" pitchFamily="2" charset="-122"/>
+              </a:rPr>
+              <a:t>Δ</a:t>
+            </a:r>
+            <a:r>
+              <a:rPr lang="en-US" altLang="zh-CN" sz="2400" b="1" dirty="0" smtClean="0">
+                <a:solidFill>
+                  <a:srgbClr val="FF0000"/>
+                </a:solidFill>
+                <a:latin typeface="宋体" panose="02010600030101010101" pitchFamily="2" charset="-122"/>
+                <a:ea typeface="宋体" panose="02010600030101010101" pitchFamily="2" charset="-122"/>
+              </a:rPr>
+              <a:t>T</a:t>
+            </a:r>
+            <a:r>
+              <a:rPr lang="en-US" altLang="zh-CN" sz="2400" b="1" baseline="-25000" dirty="0" smtClean="0">
+                <a:solidFill>
+                  <a:srgbClr val="FF0000"/>
+                </a:solidFill>
+                <a:latin typeface="宋体" panose="02010600030101010101" pitchFamily="2" charset="-122"/>
+                <a:ea typeface="宋体" panose="02010600030101010101" pitchFamily="2" charset="-122"/>
+              </a:rPr>
+              <a:t>1</a:t>
+            </a:r>
+            <a:endParaRPr lang="zh-CN" altLang="en-US" sz="2400" b="1" baseline="-25000" dirty="0">
+              <a:solidFill>
+                <a:srgbClr val="FF0000"/>
+              </a:solidFill>
+              <a:latin typeface="宋体" panose="02010600030101010101" pitchFamily="2" charset="-122"/>
+              <a:ea typeface="宋体" panose="02010600030101010101" pitchFamily="2" charset="-122"/>
+            </a:endParaRPr>
+          </a:p>
+        </p:txBody>
+      </p:sp>
+      <p:sp>
+        <p:nvSpPr>
+          <p:cNvPr id="60" name="左大括号 59"/>
+          <p:cNvSpPr/>
+          <p:nvPr/>
+        </p:nvSpPr>
+        <p:spPr>
+          <a:xfrm rot="5400000">
+            <a:off x="2035546" y="3625285"/>
+            <a:ext cx="270427" cy="822350"/>
+          </a:xfrm>
+          <a:prstGeom prst="leftBrace">
+            <a:avLst>
+              <a:gd name="adj1" fmla="val 97528"/>
+              <a:gd name="adj2" fmla="val 50000"/>
+            </a:avLst>
+          </a:prstGeom>
+          <a:ln w="38100">
+            <a:solidFill>
+              <a:srgbClr val="FF0000"/>
+            </a:solidFill>
+          </a:ln>
+        </p:spPr>
+        <p:style>
+          <a:lnRef idx="1">
+            <a:schemeClr val="accent1"/>
+          </a:lnRef>
+          <a:fillRef idx="0">
+            <a:schemeClr val="accent1"/>
+          </a:fillRef>
+          <a:effectRef idx="0">
+            <a:schemeClr val="accent1"/>
+          </a:effectRef>
+          <a:fontRef idx="minor">
+            <a:schemeClr val="tx1"/>
+          </a:fontRef>
+        </p:style>
+        <p:txBody>
+          <a:bodyPr rtlCol="0" anchor="ctr"/>
+          <a:lstStyle/>
+          <a:p>
+            <a:pPr algn="ctr"/>
+            <a:endParaRPr lang="zh-CN" altLang="en-US"/>
+          </a:p>
+        </p:txBody>
+      </p:sp>
+      <p:sp>
+        <p:nvSpPr>
+          <p:cNvPr id="61" name="文本框 60"/>
+          <p:cNvSpPr txBox="1"/>
+          <p:nvPr/>
+        </p:nvSpPr>
+        <p:spPr>
+          <a:xfrm>
+            <a:off x="1759584" y="3337091"/>
+            <a:ext cx="755015" cy="461665"/>
+          </a:xfrm>
+          <a:prstGeom prst="rect">
+            <a:avLst/>
+          </a:prstGeom>
+          <a:noFill/>
+        </p:spPr>
+        <p:txBody>
+          <a:bodyPr wrap="square" rtlCol="0">
+            <a:spAutoFit/>
+          </a:bodyPr>
+          <a:lstStyle/>
+          <a:p>
+            <a:r>
+              <a:rPr lang="el-GR" altLang="zh-CN" sz="2400" b="1" dirty="0" smtClean="0">
+                <a:solidFill>
+                  <a:srgbClr val="FF0000"/>
+                </a:solidFill>
+                <a:latin typeface="宋体" panose="02010600030101010101" pitchFamily="2" charset="-122"/>
+                <a:ea typeface="宋体" panose="02010600030101010101" pitchFamily="2" charset="-122"/>
+              </a:rPr>
+              <a:t>Δ</a:t>
+            </a:r>
+            <a:r>
+              <a:rPr lang="en-US" altLang="zh-CN" sz="2400" b="1" dirty="0" smtClean="0">
+                <a:solidFill>
+                  <a:srgbClr val="FF0000"/>
+                </a:solidFill>
+                <a:latin typeface="宋体" panose="02010600030101010101" pitchFamily="2" charset="-122"/>
+                <a:ea typeface="宋体" panose="02010600030101010101" pitchFamily="2" charset="-122"/>
+              </a:rPr>
+              <a:t>T</a:t>
+            </a:r>
+            <a:r>
+              <a:rPr lang="en-US" altLang="zh-CN" sz="2400" b="1" baseline="-25000" dirty="0">
+                <a:solidFill>
+                  <a:srgbClr val="FF0000"/>
+                </a:solidFill>
+                <a:latin typeface="宋体" panose="02010600030101010101" pitchFamily="2" charset="-122"/>
+                <a:ea typeface="宋体" panose="02010600030101010101" pitchFamily="2" charset="-122"/>
+              </a:rPr>
+              <a:t>2</a:t>
+            </a:r>
+            <a:endParaRPr lang="zh-CN" altLang="en-US" sz="2400" b="1" baseline="-25000" dirty="0">
+              <a:solidFill>
+                <a:srgbClr val="FF0000"/>
+              </a:solidFill>
+              <a:latin typeface="宋体" panose="02010600030101010101" pitchFamily="2" charset="-122"/>
+              <a:ea typeface="宋体" panose="02010600030101010101" pitchFamily="2" charset="-122"/>
+            </a:endParaRPr>
+          </a:p>
+        </p:txBody>
+      </p:sp>
+      <p:cxnSp>
+        <p:nvCxnSpPr>
+          <p:cNvPr id="62" name="直接连接符 61"/>
+          <p:cNvCxnSpPr/>
+          <p:nvPr/>
+        </p:nvCxnSpPr>
+        <p:spPr>
+          <a:xfrm>
+            <a:off x="3573744" y="5513215"/>
+            <a:ext cx="0" cy="220942"/>
+          </a:xfrm>
+          <a:prstGeom prst="line">
+            <a:avLst/>
+          </a:prstGeom>
+          <a:ln w="101600">
+            <a:solidFill>
+              <a:schemeClr val="tx1"/>
+            </a:solidFill>
+          </a:ln>
+        </p:spPr>
+        <p:style>
+          <a:lnRef idx="1">
+            <a:schemeClr val="accent1"/>
+          </a:lnRef>
+          <a:fillRef idx="0">
+            <a:schemeClr val="accent1"/>
+          </a:fillRef>
+          <a:effectRef idx="0">
+            <a:schemeClr val="accent1"/>
+          </a:effectRef>
+          <a:fontRef idx="minor">
+            <a:schemeClr val="tx1"/>
+          </a:fontRef>
+        </p:style>
+      </p:cxnSp>
+      <p:sp>
+        <p:nvSpPr>
+          <p:cNvPr id="63" name="左大括号 62"/>
+          <p:cNvSpPr/>
+          <p:nvPr/>
+        </p:nvSpPr>
+        <p:spPr>
+          <a:xfrm rot="5400000">
+            <a:off x="2548654" y="4514039"/>
+            <a:ext cx="269500" cy="1780680"/>
+          </a:xfrm>
+          <a:prstGeom prst="leftBrace">
+            <a:avLst>
+              <a:gd name="adj1" fmla="val 97528"/>
+              <a:gd name="adj2" fmla="val 50000"/>
+            </a:avLst>
+          </a:prstGeom>
+          <a:ln w="38100">
+            <a:solidFill>
+              <a:srgbClr val="FF0000"/>
+            </a:solidFill>
+          </a:ln>
+        </p:spPr>
+        <p:style>
+          <a:lnRef idx="1">
+            <a:schemeClr val="accent1"/>
+          </a:lnRef>
+          <a:fillRef idx="0">
+            <a:schemeClr val="accent1"/>
+          </a:fillRef>
+          <a:effectRef idx="0">
+            <a:schemeClr val="accent1"/>
+          </a:effectRef>
+          <a:fontRef idx="minor">
+            <a:schemeClr val="tx1"/>
+          </a:fontRef>
+        </p:style>
+        <p:txBody>
+          <a:bodyPr rtlCol="0" anchor="ctr"/>
+          <a:lstStyle/>
+          <a:p>
+            <a:pPr algn="ctr"/>
+            <a:endParaRPr lang="zh-CN" altLang="en-US"/>
+          </a:p>
+        </p:txBody>
+      </p:sp>
+      <p:sp>
+        <p:nvSpPr>
+          <p:cNvPr id="64" name="文本框 63"/>
+          <p:cNvSpPr txBox="1"/>
+          <p:nvPr/>
+        </p:nvSpPr>
+        <p:spPr>
+          <a:xfrm>
+            <a:off x="2637204" y="4811577"/>
+            <a:ext cx="755015" cy="461665"/>
+          </a:xfrm>
+          <a:prstGeom prst="rect">
+            <a:avLst/>
+          </a:prstGeom>
+          <a:noFill/>
+        </p:spPr>
+        <p:txBody>
+          <a:bodyPr wrap="square" rtlCol="0">
+            <a:spAutoFit/>
+          </a:bodyPr>
+          <a:lstStyle/>
+          <a:p>
+            <a:r>
+              <a:rPr lang="el-GR" altLang="zh-CN" sz="2400" b="1" dirty="0" smtClean="0">
+                <a:solidFill>
+                  <a:srgbClr val="FF0000"/>
+                </a:solidFill>
+                <a:latin typeface="宋体" panose="02010600030101010101" pitchFamily="2" charset="-122"/>
+                <a:ea typeface="宋体" panose="02010600030101010101" pitchFamily="2" charset="-122"/>
+              </a:rPr>
+              <a:t>Δ</a:t>
+            </a:r>
+            <a:r>
+              <a:rPr lang="en-US" altLang="zh-CN" sz="2400" b="1" dirty="0" smtClean="0">
+                <a:solidFill>
+                  <a:srgbClr val="FF0000"/>
+                </a:solidFill>
+                <a:latin typeface="宋体" panose="02010600030101010101" pitchFamily="2" charset="-122"/>
+                <a:ea typeface="宋体" panose="02010600030101010101" pitchFamily="2" charset="-122"/>
+              </a:rPr>
+              <a:t>T</a:t>
+            </a:r>
+            <a:r>
+              <a:rPr lang="en-US" altLang="zh-CN" sz="2400" b="1" baseline="-25000" dirty="0">
+                <a:solidFill>
+                  <a:srgbClr val="FF0000"/>
+                </a:solidFill>
+                <a:latin typeface="宋体" panose="02010600030101010101" pitchFamily="2" charset="-122"/>
+                <a:ea typeface="宋体" panose="02010600030101010101" pitchFamily="2" charset="-122"/>
+              </a:rPr>
+              <a:t>3</a:t>
+            </a:r>
+            <a:endParaRPr lang="zh-CN" altLang="en-US" sz="2400" b="1" baseline="-25000" dirty="0">
+              <a:solidFill>
+                <a:srgbClr val="FF0000"/>
+              </a:solidFill>
+              <a:latin typeface="宋体" panose="02010600030101010101" pitchFamily="2" charset="-122"/>
+              <a:ea typeface="宋体" panose="02010600030101010101" pitchFamily="2" charset="-122"/>
+            </a:endParaRPr>
+          </a:p>
+        </p:txBody>
+      </p:sp>
+      <p:cxnSp>
+        <p:nvCxnSpPr>
+          <p:cNvPr id="65" name="直接连接符 64"/>
+          <p:cNvCxnSpPr/>
+          <p:nvPr/>
+        </p:nvCxnSpPr>
+        <p:spPr>
+          <a:xfrm>
+            <a:off x="4658617" y="1382925"/>
+            <a:ext cx="0" cy="220942"/>
+          </a:xfrm>
+          <a:prstGeom prst="line">
+            <a:avLst/>
+          </a:prstGeom>
+          <a:ln w="101600">
+            <a:solidFill>
+              <a:schemeClr val="tx1"/>
+            </a:solidFill>
+          </a:ln>
+        </p:spPr>
+        <p:style>
+          <a:lnRef idx="1">
+            <a:schemeClr val="accent1"/>
+          </a:lnRef>
+          <a:fillRef idx="0">
+            <a:schemeClr val="accent1"/>
+          </a:fillRef>
+          <a:effectRef idx="0">
+            <a:schemeClr val="accent1"/>
+          </a:effectRef>
+          <a:fontRef idx="minor">
+            <a:schemeClr val="tx1"/>
+          </a:fontRef>
+        </p:style>
+      </p:cxnSp>
+      <p:cxnSp>
+        <p:nvCxnSpPr>
+          <p:cNvPr id="66" name="直接连接符 65"/>
+          <p:cNvCxnSpPr/>
+          <p:nvPr/>
+        </p:nvCxnSpPr>
+        <p:spPr>
+          <a:xfrm>
+            <a:off x="5976020" y="2815485"/>
+            <a:ext cx="0" cy="220942"/>
+          </a:xfrm>
+          <a:prstGeom prst="line">
+            <a:avLst/>
+          </a:prstGeom>
+          <a:ln w="101600">
+            <a:solidFill>
+              <a:schemeClr val="tx1"/>
+            </a:solidFill>
+          </a:ln>
+        </p:spPr>
+        <p:style>
+          <a:lnRef idx="1">
+            <a:schemeClr val="accent1"/>
+          </a:lnRef>
+          <a:fillRef idx="0">
+            <a:schemeClr val="accent1"/>
+          </a:fillRef>
+          <a:effectRef idx="0">
+            <a:schemeClr val="accent1"/>
+          </a:effectRef>
+          <a:fontRef idx="minor">
+            <a:schemeClr val="tx1"/>
+          </a:fontRef>
+        </p:style>
+      </p:cxnSp>
+      <p:cxnSp>
+        <p:nvCxnSpPr>
+          <p:cNvPr id="68" name="直接连接符 67"/>
+          <p:cNvCxnSpPr/>
+          <p:nvPr/>
+        </p:nvCxnSpPr>
+        <p:spPr>
+          <a:xfrm>
+            <a:off x="4658617" y="1480696"/>
+            <a:ext cx="0" cy="4634230"/>
+          </a:xfrm>
+          <a:prstGeom prst="line">
+            <a:avLst/>
+          </a:prstGeom>
+          <a:ln w="66675">
+            <a:solidFill>
+              <a:schemeClr val="tx1"/>
+            </a:solidFill>
+            <a:prstDash val="sysDash"/>
+          </a:ln>
+        </p:spPr>
+        <p:style>
+          <a:lnRef idx="1">
+            <a:schemeClr val="accent1"/>
+          </a:lnRef>
+          <a:fillRef idx="0">
+            <a:schemeClr val="accent1"/>
+          </a:fillRef>
+          <a:effectRef idx="0">
+            <a:schemeClr val="accent1"/>
+          </a:effectRef>
+          <a:fontRef idx="minor">
+            <a:schemeClr val="tx1"/>
+          </a:fontRef>
+        </p:style>
+      </p:cxnSp>
+      <p:cxnSp>
+        <p:nvCxnSpPr>
+          <p:cNvPr id="69" name="直接连接符 68"/>
+          <p:cNvCxnSpPr/>
+          <p:nvPr/>
+        </p:nvCxnSpPr>
+        <p:spPr>
+          <a:xfrm>
+            <a:off x="5468902" y="4158283"/>
+            <a:ext cx="0" cy="220942"/>
+          </a:xfrm>
+          <a:prstGeom prst="line">
+            <a:avLst/>
+          </a:prstGeom>
+          <a:ln w="101600">
+            <a:solidFill>
+              <a:schemeClr val="tx1"/>
+            </a:solidFill>
+          </a:ln>
+        </p:spPr>
+        <p:style>
+          <a:lnRef idx="1">
+            <a:schemeClr val="accent1"/>
+          </a:lnRef>
+          <a:fillRef idx="0">
+            <a:schemeClr val="accent1"/>
+          </a:fillRef>
+          <a:effectRef idx="0">
+            <a:schemeClr val="accent1"/>
+          </a:effectRef>
+          <a:fontRef idx="minor">
+            <a:schemeClr val="tx1"/>
+          </a:fontRef>
+        </p:style>
+      </p:cxnSp>
+      <p:cxnSp>
+        <p:nvCxnSpPr>
+          <p:cNvPr id="71" name="直接连接符 70"/>
+          <p:cNvCxnSpPr/>
+          <p:nvPr/>
+        </p:nvCxnSpPr>
+        <p:spPr>
+          <a:xfrm>
+            <a:off x="6470060" y="5498465"/>
+            <a:ext cx="0" cy="220942"/>
+          </a:xfrm>
+          <a:prstGeom prst="line">
+            <a:avLst/>
+          </a:prstGeom>
+          <a:ln w="101600">
+            <a:solidFill>
+              <a:schemeClr val="tx1"/>
+            </a:solidFill>
+          </a:ln>
+        </p:spPr>
+        <p:style>
+          <a:lnRef idx="1">
+            <a:schemeClr val="accent1"/>
+          </a:lnRef>
+          <a:fillRef idx="0">
+            <a:schemeClr val="accent1"/>
+          </a:fillRef>
+          <a:effectRef idx="0">
+            <a:schemeClr val="accent1"/>
+          </a:effectRef>
+          <a:fontRef idx="minor">
+            <a:schemeClr val="tx1"/>
+          </a:fontRef>
+        </p:style>
+      </p:cxnSp>
+      <p:sp>
+        <p:nvSpPr>
+          <p:cNvPr id="72" name="左大括号 71"/>
+          <p:cNvSpPr/>
+          <p:nvPr/>
+        </p:nvSpPr>
+        <p:spPr>
+          <a:xfrm rot="5400000">
+            <a:off x="5208567" y="2046080"/>
+            <a:ext cx="241633" cy="1293271"/>
+          </a:xfrm>
+          <a:prstGeom prst="leftBrace">
+            <a:avLst>
+              <a:gd name="adj1" fmla="val 97528"/>
+              <a:gd name="adj2" fmla="val 50000"/>
+            </a:avLst>
+          </a:prstGeom>
+          <a:ln w="38100">
+            <a:solidFill>
+              <a:srgbClr val="FF0000"/>
+            </a:solidFill>
+          </a:ln>
+        </p:spPr>
+        <p:style>
+          <a:lnRef idx="1">
+            <a:schemeClr val="accent1"/>
+          </a:lnRef>
+          <a:fillRef idx="0">
+            <a:schemeClr val="accent1"/>
+          </a:fillRef>
+          <a:effectRef idx="0">
+            <a:schemeClr val="accent1"/>
+          </a:effectRef>
+          <a:fontRef idx="minor">
+            <a:schemeClr val="tx1"/>
+          </a:fontRef>
+        </p:style>
+        <p:txBody>
+          <a:bodyPr rtlCol="0" anchor="ctr"/>
+          <a:lstStyle/>
+          <a:p>
+            <a:pPr algn="ctr"/>
+            <a:endParaRPr lang="zh-CN" altLang="en-US"/>
+          </a:p>
+        </p:txBody>
+      </p:sp>
+      <p:sp>
+        <p:nvSpPr>
+          <p:cNvPr id="73" name="文本框 72"/>
+          <p:cNvSpPr txBox="1"/>
+          <p:nvPr/>
+        </p:nvSpPr>
+        <p:spPr>
+          <a:xfrm>
+            <a:off x="4910229" y="1977846"/>
+            <a:ext cx="755015" cy="461665"/>
+          </a:xfrm>
+          <a:prstGeom prst="rect">
+            <a:avLst/>
+          </a:prstGeom>
+          <a:noFill/>
+        </p:spPr>
+        <p:txBody>
+          <a:bodyPr wrap="square" rtlCol="0">
+            <a:spAutoFit/>
+          </a:bodyPr>
+          <a:lstStyle/>
+          <a:p>
+            <a:r>
+              <a:rPr lang="el-GR" altLang="zh-CN" sz="2400" b="1" dirty="0" smtClean="0">
+                <a:solidFill>
+                  <a:srgbClr val="FF0000"/>
+                </a:solidFill>
+                <a:latin typeface="宋体" panose="02010600030101010101" pitchFamily="2" charset="-122"/>
+                <a:ea typeface="宋体" panose="02010600030101010101" pitchFamily="2" charset="-122"/>
+              </a:rPr>
+              <a:t>Δ</a:t>
+            </a:r>
+            <a:r>
+              <a:rPr lang="en-US" altLang="zh-CN" sz="2400" b="1" dirty="0" smtClean="0">
+                <a:solidFill>
+                  <a:srgbClr val="FF0000"/>
+                </a:solidFill>
+                <a:latin typeface="宋体" panose="02010600030101010101" pitchFamily="2" charset="-122"/>
+                <a:ea typeface="宋体" panose="02010600030101010101" pitchFamily="2" charset="-122"/>
+              </a:rPr>
+              <a:t>T</a:t>
+            </a:r>
+            <a:r>
+              <a:rPr lang="en-US" altLang="zh-CN" sz="2400" b="1" baseline="-25000" dirty="0" smtClean="0">
+                <a:solidFill>
+                  <a:srgbClr val="FF0000"/>
+                </a:solidFill>
+                <a:latin typeface="宋体" panose="02010600030101010101" pitchFamily="2" charset="-122"/>
+                <a:ea typeface="宋体" panose="02010600030101010101" pitchFamily="2" charset="-122"/>
+              </a:rPr>
+              <a:t>1</a:t>
+            </a:r>
+            <a:endParaRPr lang="zh-CN" altLang="en-US" sz="2400" b="1" baseline="-25000" dirty="0">
+              <a:solidFill>
+                <a:srgbClr val="FF0000"/>
+              </a:solidFill>
+              <a:latin typeface="宋体" panose="02010600030101010101" pitchFamily="2" charset="-122"/>
+              <a:ea typeface="宋体" panose="02010600030101010101" pitchFamily="2" charset="-122"/>
+            </a:endParaRPr>
+          </a:p>
+        </p:txBody>
+      </p:sp>
+      <p:sp>
+        <p:nvSpPr>
+          <p:cNvPr id="74" name="左大括号 73"/>
+          <p:cNvSpPr/>
+          <p:nvPr/>
+        </p:nvSpPr>
+        <p:spPr>
+          <a:xfrm rot="5400000">
+            <a:off x="4922513" y="3617560"/>
+            <a:ext cx="270427" cy="822350"/>
+          </a:xfrm>
+          <a:prstGeom prst="leftBrace">
+            <a:avLst>
+              <a:gd name="adj1" fmla="val 97528"/>
+              <a:gd name="adj2" fmla="val 50000"/>
+            </a:avLst>
+          </a:prstGeom>
+          <a:ln w="38100">
+            <a:solidFill>
+              <a:srgbClr val="FF0000"/>
+            </a:solidFill>
+          </a:ln>
+        </p:spPr>
+        <p:style>
+          <a:lnRef idx="1">
+            <a:schemeClr val="accent1"/>
+          </a:lnRef>
+          <a:fillRef idx="0">
+            <a:schemeClr val="accent1"/>
+          </a:fillRef>
+          <a:effectRef idx="0">
+            <a:schemeClr val="accent1"/>
+          </a:effectRef>
+          <a:fontRef idx="minor">
+            <a:schemeClr val="tx1"/>
+          </a:fontRef>
+        </p:style>
+        <p:txBody>
+          <a:bodyPr rtlCol="0" anchor="ctr"/>
+          <a:lstStyle/>
+          <a:p>
+            <a:pPr algn="ctr"/>
+            <a:endParaRPr lang="zh-CN" altLang="en-US"/>
+          </a:p>
+        </p:txBody>
+      </p:sp>
+      <p:sp>
+        <p:nvSpPr>
+          <p:cNvPr id="75" name="文本框 74"/>
+          <p:cNvSpPr txBox="1"/>
+          <p:nvPr/>
+        </p:nvSpPr>
+        <p:spPr>
+          <a:xfrm>
+            <a:off x="4646551" y="3329366"/>
+            <a:ext cx="755015" cy="461665"/>
+          </a:xfrm>
+          <a:prstGeom prst="rect">
+            <a:avLst/>
+          </a:prstGeom>
+          <a:noFill/>
+        </p:spPr>
+        <p:txBody>
+          <a:bodyPr wrap="square" rtlCol="0">
+            <a:spAutoFit/>
+          </a:bodyPr>
+          <a:lstStyle/>
+          <a:p>
+            <a:r>
+              <a:rPr lang="el-GR" altLang="zh-CN" sz="2400" b="1" dirty="0" smtClean="0">
+                <a:solidFill>
+                  <a:srgbClr val="FF0000"/>
+                </a:solidFill>
+                <a:latin typeface="宋体" panose="02010600030101010101" pitchFamily="2" charset="-122"/>
+                <a:ea typeface="宋体" panose="02010600030101010101" pitchFamily="2" charset="-122"/>
+              </a:rPr>
+              <a:t>Δ</a:t>
+            </a:r>
+            <a:r>
+              <a:rPr lang="en-US" altLang="zh-CN" sz="2400" b="1" dirty="0" smtClean="0">
+                <a:solidFill>
+                  <a:srgbClr val="FF0000"/>
+                </a:solidFill>
+                <a:latin typeface="宋体" panose="02010600030101010101" pitchFamily="2" charset="-122"/>
+                <a:ea typeface="宋体" panose="02010600030101010101" pitchFamily="2" charset="-122"/>
+              </a:rPr>
+              <a:t>T</a:t>
+            </a:r>
+            <a:r>
+              <a:rPr lang="en-US" altLang="zh-CN" sz="2400" b="1" baseline="-25000" dirty="0">
+                <a:solidFill>
+                  <a:srgbClr val="FF0000"/>
+                </a:solidFill>
+                <a:latin typeface="宋体" panose="02010600030101010101" pitchFamily="2" charset="-122"/>
+                <a:ea typeface="宋体" panose="02010600030101010101" pitchFamily="2" charset="-122"/>
+              </a:rPr>
+              <a:t>2</a:t>
+            </a:r>
+            <a:endParaRPr lang="zh-CN" altLang="en-US" sz="2400" b="1" baseline="-25000" dirty="0">
+              <a:solidFill>
+                <a:srgbClr val="FF0000"/>
+              </a:solidFill>
+              <a:latin typeface="宋体" panose="02010600030101010101" pitchFamily="2" charset="-122"/>
+              <a:ea typeface="宋体" panose="02010600030101010101" pitchFamily="2" charset="-122"/>
+            </a:endParaRPr>
+          </a:p>
+        </p:txBody>
+      </p:sp>
+      <p:cxnSp>
+        <p:nvCxnSpPr>
+          <p:cNvPr id="76" name="直接连接符 75"/>
+          <p:cNvCxnSpPr/>
+          <p:nvPr/>
+        </p:nvCxnSpPr>
+        <p:spPr>
+          <a:xfrm>
+            <a:off x="6460711" y="5505490"/>
+            <a:ext cx="0" cy="220942"/>
+          </a:xfrm>
+          <a:prstGeom prst="line">
+            <a:avLst/>
+          </a:prstGeom>
+          <a:ln w="101600">
+            <a:solidFill>
+              <a:schemeClr val="tx1"/>
+            </a:solidFill>
+          </a:ln>
+        </p:spPr>
+        <p:style>
+          <a:lnRef idx="1">
+            <a:schemeClr val="accent1"/>
+          </a:lnRef>
+          <a:fillRef idx="0">
+            <a:schemeClr val="accent1"/>
+          </a:fillRef>
+          <a:effectRef idx="0">
+            <a:schemeClr val="accent1"/>
+          </a:effectRef>
+          <a:fontRef idx="minor">
+            <a:schemeClr val="tx1"/>
+          </a:fontRef>
+        </p:style>
+      </p:cxnSp>
+      <p:sp>
+        <p:nvSpPr>
+          <p:cNvPr id="77" name="左大括号 76"/>
+          <p:cNvSpPr/>
+          <p:nvPr/>
+        </p:nvSpPr>
+        <p:spPr>
+          <a:xfrm rot="5400000">
+            <a:off x="5435621" y="4506314"/>
+            <a:ext cx="269500" cy="1780680"/>
+          </a:xfrm>
+          <a:prstGeom prst="leftBrace">
+            <a:avLst>
+              <a:gd name="adj1" fmla="val 97528"/>
+              <a:gd name="adj2" fmla="val 50000"/>
+            </a:avLst>
+          </a:prstGeom>
+          <a:ln w="38100">
+            <a:solidFill>
+              <a:srgbClr val="FF0000"/>
+            </a:solidFill>
+          </a:ln>
+        </p:spPr>
+        <p:style>
+          <a:lnRef idx="1">
+            <a:schemeClr val="accent1"/>
+          </a:lnRef>
+          <a:fillRef idx="0">
+            <a:schemeClr val="accent1"/>
+          </a:fillRef>
+          <a:effectRef idx="0">
+            <a:schemeClr val="accent1"/>
+          </a:effectRef>
+          <a:fontRef idx="minor">
+            <a:schemeClr val="tx1"/>
+          </a:fontRef>
+        </p:style>
+        <p:txBody>
+          <a:bodyPr rtlCol="0" anchor="ctr"/>
+          <a:lstStyle/>
+          <a:p>
+            <a:pPr algn="ctr"/>
+            <a:endParaRPr lang="zh-CN" altLang="en-US"/>
+          </a:p>
+        </p:txBody>
+      </p:sp>
+      <p:sp>
+        <p:nvSpPr>
+          <p:cNvPr id="78" name="文本框 77"/>
+          <p:cNvSpPr txBox="1"/>
+          <p:nvPr/>
+        </p:nvSpPr>
+        <p:spPr>
+          <a:xfrm>
+            <a:off x="5524171" y="4803852"/>
+            <a:ext cx="755015" cy="461665"/>
+          </a:xfrm>
+          <a:prstGeom prst="rect">
+            <a:avLst/>
+          </a:prstGeom>
+          <a:noFill/>
+        </p:spPr>
+        <p:txBody>
+          <a:bodyPr wrap="square" rtlCol="0">
+            <a:spAutoFit/>
+          </a:bodyPr>
+          <a:lstStyle/>
+          <a:p>
+            <a:r>
+              <a:rPr lang="el-GR" altLang="zh-CN" sz="2400" b="1" dirty="0" smtClean="0">
+                <a:solidFill>
+                  <a:srgbClr val="FF0000"/>
+                </a:solidFill>
+                <a:latin typeface="宋体" panose="02010600030101010101" pitchFamily="2" charset="-122"/>
+                <a:ea typeface="宋体" panose="02010600030101010101" pitchFamily="2" charset="-122"/>
+              </a:rPr>
+              <a:t>Δ</a:t>
+            </a:r>
+            <a:r>
+              <a:rPr lang="en-US" altLang="zh-CN" sz="2400" b="1" dirty="0" smtClean="0">
+                <a:solidFill>
+                  <a:srgbClr val="FF0000"/>
+                </a:solidFill>
+                <a:latin typeface="宋体" panose="02010600030101010101" pitchFamily="2" charset="-122"/>
+                <a:ea typeface="宋体" panose="02010600030101010101" pitchFamily="2" charset="-122"/>
+              </a:rPr>
+              <a:t>T</a:t>
+            </a:r>
+            <a:r>
+              <a:rPr lang="en-US" altLang="zh-CN" sz="2400" b="1" baseline="-25000" dirty="0">
+                <a:solidFill>
+                  <a:srgbClr val="FF0000"/>
+                </a:solidFill>
+                <a:latin typeface="宋体" panose="02010600030101010101" pitchFamily="2" charset="-122"/>
+                <a:ea typeface="宋体" panose="02010600030101010101" pitchFamily="2" charset="-122"/>
+              </a:rPr>
+              <a:t>3</a:t>
+            </a:r>
+            <a:endParaRPr lang="zh-CN" altLang="en-US" sz="2400" b="1" baseline="-25000" dirty="0">
+              <a:solidFill>
+                <a:srgbClr val="FF0000"/>
+              </a:solidFill>
+              <a:latin typeface="宋体" panose="02010600030101010101" pitchFamily="2" charset="-122"/>
+              <a:ea typeface="宋体" panose="02010600030101010101" pitchFamily="2" charset="-122"/>
+            </a:endParaRPr>
+          </a:p>
+        </p:txBody>
+      </p:sp>
+    </p:spTree>
+    <p:extLst>
+      <p:ext uri="{BB962C8B-B14F-4D97-AF65-F5344CB8AC3E}">
+        <p14:creationId xmlns:p14="http://schemas.microsoft.com/office/powerpoint/2010/main" val="558706246"/>
+      </p:ext>
+    </p:extLst>
+  </p:cSld>
+  <p:clrMapOvr>
+    <a:masterClrMapping/>
+  </p:clrMapOvr>
+</p:sld>
+</file>
+
 <file path=ppt/slides/slide2.xml><?xml version="1.0" encoding="utf-8"?>
 <p:sld xmlns:a="http://schemas.openxmlformats.org/drawingml/2006/main" xmlns:r="http://schemas.openxmlformats.org/officeDocument/2006/relationships" xmlns:p="http://schemas.openxmlformats.org/presentationml/2006/main">
   <p:cSld>
@@ -30662,6 +33121,2964 @@
 </p:sld>
 </file>
 
+<file path=ppt/slides/slide5.xml><?xml version="1.0" encoding="utf-8"?>
+<p:sld xmlns:a="http://schemas.openxmlformats.org/drawingml/2006/main" xmlns:r="http://schemas.openxmlformats.org/officeDocument/2006/relationships" xmlns:p="http://schemas.openxmlformats.org/presentationml/2006/main">
+  <p:cSld>
+    <p:spTree>
+      <p:nvGrpSpPr>
+        <p:cNvPr id="1" name=""/>
+        <p:cNvGrpSpPr/>
+        <p:nvPr/>
+      </p:nvGrpSpPr>
+      <p:grpSpPr>
+        <a:xfrm>
+          <a:off x="0" y="0"/>
+          <a:ext cx="0" cy="0"/>
+          <a:chOff x="0" y="0"/>
+          <a:chExt cx="0" cy="0"/>
+        </a:xfrm>
+      </p:grpSpPr>
+      <p:cxnSp>
+        <p:nvCxnSpPr>
+          <p:cNvPr id="4" name="直接箭头连接符 3"/>
+          <p:cNvCxnSpPr/>
+          <p:nvPr/>
+        </p:nvCxnSpPr>
+        <p:spPr>
+          <a:xfrm flipV="1">
+            <a:off x="1056640" y="2945092"/>
+            <a:ext cx="9853789" cy="1308"/>
+          </a:xfrm>
+          <a:prstGeom prst="straightConnector1">
+            <a:avLst/>
+          </a:prstGeom>
+          <a:ln w="127000">
+            <a:solidFill>
+              <a:schemeClr val="tx1"/>
+            </a:solidFill>
+            <a:tailEnd type="triangle"/>
+          </a:ln>
+        </p:spPr>
+        <p:style>
+          <a:lnRef idx="1">
+            <a:schemeClr val="accent1"/>
+          </a:lnRef>
+          <a:fillRef idx="0">
+            <a:schemeClr val="accent1"/>
+          </a:fillRef>
+          <a:effectRef idx="0">
+            <a:schemeClr val="accent1"/>
+          </a:effectRef>
+          <a:fontRef idx="minor">
+            <a:schemeClr val="tx1"/>
+          </a:fontRef>
+        </p:style>
+      </p:cxnSp>
+      <p:cxnSp>
+        <p:nvCxnSpPr>
+          <p:cNvPr id="9" name="直接连接符 8"/>
+          <p:cNvCxnSpPr/>
+          <p:nvPr/>
+        </p:nvCxnSpPr>
+        <p:spPr>
+          <a:xfrm>
+            <a:off x="1771650" y="2724150"/>
+            <a:ext cx="0" cy="220942"/>
+          </a:xfrm>
+          <a:prstGeom prst="line">
+            <a:avLst/>
+          </a:prstGeom>
+          <a:ln w="101600">
+            <a:solidFill>
+              <a:schemeClr val="tx1"/>
+            </a:solidFill>
+          </a:ln>
+        </p:spPr>
+        <p:style>
+          <a:lnRef idx="1">
+            <a:schemeClr val="accent1"/>
+          </a:lnRef>
+          <a:fillRef idx="0">
+            <a:schemeClr val="accent1"/>
+          </a:fillRef>
+          <a:effectRef idx="0">
+            <a:schemeClr val="accent1"/>
+          </a:effectRef>
+          <a:fontRef idx="minor">
+            <a:schemeClr val="tx1"/>
+          </a:fontRef>
+        </p:style>
+      </p:cxnSp>
+      <p:sp>
+        <p:nvSpPr>
+          <p:cNvPr id="12" name="文本框 11"/>
+          <p:cNvSpPr txBox="1"/>
+          <p:nvPr/>
+        </p:nvSpPr>
+        <p:spPr>
+          <a:xfrm>
+            <a:off x="1504950" y="3036418"/>
+            <a:ext cx="533400" cy="461665"/>
+          </a:xfrm>
+          <a:prstGeom prst="rect">
+            <a:avLst/>
+          </a:prstGeom>
+          <a:noFill/>
+        </p:spPr>
+        <p:txBody>
+          <a:bodyPr wrap="square" rtlCol="0">
+            <a:spAutoFit/>
+          </a:bodyPr>
+          <a:lstStyle/>
+          <a:p>
+            <a:r>
+              <a:rPr lang="en-US" altLang="zh-CN" sz="2400" b="1" dirty="0" smtClean="0">
+                <a:latin typeface="宋体" panose="02010600030101010101" pitchFamily="2" charset="-122"/>
+                <a:ea typeface="宋体" panose="02010600030101010101" pitchFamily="2" charset="-122"/>
+              </a:rPr>
+              <a:t>10</a:t>
+            </a:r>
+            <a:endParaRPr lang="zh-CN" altLang="en-US" sz="2400" b="1" dirty="0">
+              <a:latin typeface="宋体" panose="02010600030101010101" pitchFamily="2" charset="-122"/>
+              <a:ea typeface="宋体" panose="02010600030101010101" pitchFamily="2" charset="-122"/>
+            </a:endParaRPr>
+          </a:p>
+        </p:txBody>
+      </p:sp>
+      <p:cxnSp>
+        <p:nvCxnSpPr>
+          <p:cNvPr id="13" name="直接连接符 12"/>
+          <p:cNvCxnSpPr/>
+          <p:nvPr/>
+        </p:nvCxnSpPr>
+        <p:spPr>
+          <a:xfrm>
+            <a:off x="2501900" y="2724150"/>
+            <a:ext cx="0" cy="220942"/>
+          </a:xfrm>
+          <a:prstGeom prst="line">
+            <a:avLst/>
+          </a:prstGeom>
+          <a:ln w="101600">
+            <a:solidFill>
+              <a:schemeClr val="tx1"/>
+            </a:solidFill>
+          </a:ln>
+        </p:spPr>
+        <p:style>
+          <a:lnRef idx="1">
+            <a:schemeClr val="accent1"/>
+          </a:lnRef>
+          <a:fillRef idx="0">
+            <a:schemeClr val="accent1"/>
+          </a:fillRef>
+          <a:effectRef idx="0">
+            <a:schemeClr val="accent1"/>
+          </a:effectRef>
+          <a:fontRef idx="minor">
+            <a:schemeClr val="tx1"/>
+          </a:fontRef>
+        </p:style>
+      </p:cxnSp>
+      <p:sp>
+        <p:nvSpPr>
+          <p:cNvPr id="14" name="文本框 13"/>
+          <p:cNvSpPr txBox="1"/>
+          <p:nvPr/>
+        </p:nvSpPr>
+        <p:spPr>
+          <a:xfrm>
+            <a:off x="2235200" y="3036418"/>
+            <a:ext cx="533400" cy="461665"/>
+          </a:xfrm>
+          <a:prstGeom prst="rect">
+            <a:avLst/>
+          </a:prstGeom>
+          <a:noFill/>
+        </p:spPr>
+        <p:txBody>
+          <a:bodyPr wrap="square" rtlCol="0">
+            <a:spAutoFit/>
+          </a:bodyPr>
+          <a:lstStyle/>
+          <a:p>
+            <a:r>
+              <a:rPr lang="en-US" altLang="zh-CN" sz="2400" b="1" dirty="0" smtClean="0">
+                <a:latin typeface="宋体" panose="02010600030101010101" pitchFamily="2" charset="-122"/>
+                <a:ea typeface="宋体" panose="02010600030101010101" pitchFamily="2" charset="-122"/>
+              </a:rPr>
+              <a:t>20</a:t>
+            </a:r>
+            <a:endParaRPr lang="zh-CN" altLang="en-US" sz="2400" b="1" dirty="0">
+              <a:latin typeface="宋体" panose="02010600030101010101" pitchFamily="2" charset="-122"/>
+              <a:ea typeface="宋体" panose="02010600030101010101" pitchFamily="2" charset="-122"/>
+            </a:endParaRPr>
+          </a:p>
+        </p:txBody>
+      </p:sp>
+      <p:cxnSp>
+        <p:nvCxnSpPr>
+          <p:cNvPr id="15" name="直接连接符 14"/>
+          <p:cNvCxnSpPr/>
+          <p:nvPr/>
+        </p:nvCxnSpPr>
+        <p:spPr>
+          <a:xfrm>
+            <a:off x="3206750" y="2711450"/>
+            <a:ext cx="0" cy="220942"/>
+          </a:xfrm>
+          <a:prstGeom prst="line">
+            <a:avLst/>
+          </a:prstGeom>
+          <a:ln w="101600">
+            <a:solidFill>
+              <a:schemeClr val="tx1"/>
+            </a:solidFill>
+          </a:ln>
+        </p:spPr>
+        <p:style>
+          <a:lnRef idx="1">
+            <a:schemeClr val="accent1"/>
+          </a:lnRef>
+          <a:fillRef idx="0">
+            <a:schemeClr val="accent1"/>
+          </a:fillRef>
+          <a:effectRef idx="0">
+            <a:schemeClr val="accent1"/>
+          </a:effectRef>
+          <a:fontRef idx="minor">
+            <a:schemeClr val="tx1"/>
+          </a:fontRef>
+        </p:style>
+      </p:cxnSp>
+      <p:sp>
+        <p:nvSpPr>
+          <p:cNvPr id="16" name="文本框 15"/>
+          <p:cNvSpPr txBox="1"/>
+          <p:nvPr/>
+        </p:nvSpPr>
+        <p:spPr>
+          <a:xfrm>
+            <a:off x="2940050" y="3023718"/>
+            <a:ext cx="533400" cy="461665"/>
+          </a:xfrm>
+          <a:prstGeom prst="rect">
+            <a:avLst/>
+          </a:prstGeom>
+          <a:noFill/>
+        </p:spPr>
+        <p:txBody>
+          <a:bodyPr wrap="square" rtlCol="0">
+            <a:spAutoFit/>
+          </a:bodyPr>
+          <a:lstStyle/>
+          <a:p>
+            <a:r>
+              <a:rPr lang="en-US" altLang="zh-CN" sz="2400" b="1" dirty="0">
+                <a:latin typeface="宋体" panose="02010600030101010101" pitchFamily="2" charset="-122"/>
+                <a:ea typeface="宋体" panose="02010600030101010101" pitchFamily="2" charset="-122"/>
+              </a:rPr>
+              <a:t>3</a:t>
+            </a:r>
+            <a:r>
+              <a:rPr lang="en-US" altLang="zh-CN" sz="2400" b="1" dirty="0" smtClean="0">
+                <a:latin typeface="宋体" panose="02010600030101010101" pitchFamily="2" charset="-122"/>
+                <a:ea typeface="宋体" panose="02010600030101010101" pitchFamily="2" charset="-122"/>
+              </a:rPr>
+              <a:t>0</a:t>
+            </a:r>
+            <a:endParaRPr lang="zh-CN" altLang="en-US" sz="2400" b="1" dirty="0">
+              <a:latin typeface="宋体" panose="02010600030101010101" pitchFamily="2" charset="-122"/>
+              <a:ea typeface="宋体" panose="02010600030101010101" pitchFamily="2" charset="-122"/>
+            </a:endParaRPr>
+          </a:p>
+        </p:txBody>
+      </p:sp>
+      <p:cxnSp>
+        <p:nvCxnSpPr>
+          <p:cNvPr id="17" name="直接连接符 16"/>
+          <p:cNvCxnSpPr/>
+          <p:nvPr/>
+        </p:nvCxnSpPr>
+        <p:spPr>
+          <a:xfrm>
+            <a:off x="3937000" y="2711450"/>
+            <a:ext cx="0" cy="220942"/>
+          </a:xfrm>
+          <a:prstGeom prst="line">
+            <a:avLst/>
+          </a:prstGeom>
+          <a:ln w="101600">
+            <a:solidFill>
+              <a:schemeClr val="tx1"/>
+            </a:solidFill>
+          </a:ln>
+        </p:spPr>
+        <p:style>
+          <a:lnRef idx="1">
+            <a:schemeClr val="accent1"/>
+          </a:lnRef>
+          <a:fillRef idx="0">
+            <a:schemeClr val="accent1"/>
+          </a:fillRef>
+          <a:effectRef idx="0">
+            <a:schemeClr val="accent1"/>
+          </a:effectRef>
+          <a:fontRef idx="minor">
+            <a:schemeClr val="tx1"/>
+          </a:fontRef>
+        </p:style>
+      </p:cxnSp>
+      <p:sp>
+        <p:nvSpPr>
+          <p:cNvPr id="18" name="文本框 17"/>
+          <p:cNvSpPr txBox="1"/>
+          <p:nvPr/>
+        </p:nvSpPr>
+        <p:spPr>
+          <a:xfrm>
+            <a:off x="3670300" y="3023718"/>
+            <a:ext cx="533400" cy="461665"/>
+          </a:xfrm>
+          <a:prstGeom prst="rect">
+            <a:avLst/>
+          </a:prstGeom>
+          <a:noFill/>
+        </p:spPr>
+        <p:txBody>
+          <a:bodyPr wrap="square" rtlCol="0">
+            <a:spAutoFit/>
+          </a:bodyPr>
+          <a:lstStyle/>
+          <a:p>
+            <a:r>
+              <a:rPr lang="en-US" altLang="zh-CN" sz="2400" b="1" dirty="0">
+                <a:latin typeface="宋体" panose="02010600030101010101" pitchFamily="2" charset="-122"/>
+                <a:ea typeface="宋体" panose="02010600030101010101" pitchFamily="2" charset="-122"/>
+              </a:rPr>
+              <a:t>4</a:t>
+            </a:r>
+            <a:r>
+              <a:rPr lang="en-US" altLang="zh-CN" sz="2400" b="1" dirty="0" smtClean="0">
+                <a:latin typeface="宋体" panose="02010600030101010101" pitchFamily="2" charset="-122"/>
+                <a:ea typeface="宋体" panose="02010600030101010101" pitchFamily="2" charset="-122"/>
+              </a:rPr>
+              <a:t>0</a:t>
+            </a:r>
+            <a:endParaRPr lang="zh-CN" altLang="en-US" sz="2400" b="1" dirty="0">
+              <a:latin typeface="宋体" panose="02010600030101010101" pitchFamily="2" charset="-122"/>
+              <a:ea typeface="宋体" panose="02010600030101010101" pitchFamily="2" charset="-122"/>
+            </a:endParaRPr>
+          </a:p>
+        </p:txBody>
+      </p:sp>
+      <p:cxnSp>
+        <p:nvCxnSpPr>
+          <p:cNvPr id="19" name="直接连接符 18"/>
+          <p:cNvCxnSpPr/>
+          <p:nvPr/>
+        </p:nvCxnSpPr>
+        <p:spPr>
+          <a:xfrm>
+            <a:off x="4652010" y="2711450"/>
+            <a:ext cx="0" cy="220942"/>
+          </a:xfrm>
+          <a:prstGeom prst="line">
+            <a:avLst/>
+          </a:prstGeom>
+          <a:ln w="101600">
+            <a:solidFill>
+              <a:schemeClr val="tx1"/>
+            </a:solidFill>
+          </a:ln>
+        </p:spPr>
+        <p:style>
+          <a:lnRef idx="1">
+            <a:schemeClr val="accent1"/>
+          </a:lnRef>
+          <a:fillRef idx="0">
+            <a:schemeClr val="accent1"/>
+          </a:fillRef>
+          <a:effectRef idx="0">
+            <a:schemeClr val="accent1"/>
+          </a:effectRef>
+          <a:fontRef idx="minor">
+            <a:schemeClr val="tx1"/>
+          </a:fontRef>
+        </p:style>
+      </p:cxnSp>
+      <p:sp>
+        <p:nvSpPr>
+          <p:cNvPr id="20" name="文本框 19"/>
+          <p:cNvSpPr txBox="1"/>
+          <p:nvPr/>
+        </p:nvSpPr>
+        <p:spPr>
+          <a:xfrm>
+            <a:off x="4385310" y="3023718"/>
+            <a:ext cx="533400" cy="461665"/>
+          </a:xfrm>
+          <a:prstGeom prst="rect">
+            <a:avLst/>
+          </a:prstGeom>
+          <a:noFill/>
+        </p:spPr>
+        <p:txBody>
+          <a:bodyPr wrap="square" rtlCol="0">
+            <a:spAutoFit/>
+          </a:bodyPr>
+          <a:lstStyle/>
+          <a:p>
+            <a:r>
+              <a:rPr lang="en-US" altLang="zh-CN" sz="2400" b="1" dirty="0">
+                <a:latin typeface="宋体" panose="02010600030101010101" pitchFamily="2" charset="-122"/>
+                <a:ea typeface="宋体" panose="02010600030101010101" pitchFamily="2" charset="-122"/>
+              </a:rPr>
+              <a:t>5</a:t>
+            </a:r>
+            <a:r>
+              <a:rPr lang="en-US" altLang="zh-CN" sz="2400" b="1" dirty="0" smtClean="0">
+                <a:latin typeface="宋体" panose="02010600030101010101" pitchFamily="2" charset="-122"/>
+                <a:ea typeface="宋体" panose="02010600030101010101" pitchFamily="2" charset="-122"/>
+              </a:rPr>
+              <a:t>0</a:t>
+            </a:r>
+            <a:endParaRPr lang="zh-CN" altLang="en-US" sz="2400" b="1" dirty="0">
+              <a:latin typeface="宋体" panose="02010600030101010101" pitchFamily="2" charset="-122"/>
+              <a:ea typeface="宋体" panose="02010600030101010101" pitchFamily="2" charset="-122"/>
+            </a:endParaRPr>
+          </a:p>
+        </p:txBody>
+      </p:sp>
+      <p:cxnSp>
+        <p:nvCxnSpPr>
+          <p:cNvPr id="21" name="直接连接符 20"/>
+          <p:cNvCxnSpPr/>
+          <p:nvPr/>
+        </p:nvCxnSpPr>
+        <p:spPr>
+          <a:xfrm>
+            <a:off x="5382260" y="2711450"/>
+            <a:ext cx="0" cy="220942"/>
+          </a:xfrm>
+          <a:prstGeom prst="line">
+            <a:avLst/>
+          </a:prstGeom>
+          <a:ln w="101600">
+            <a:solidFill>
+              <a:schemeClr val="tx1"/>
+            </a:solidFill>
+          </a:ln>
+        </p:spPr>
+        <p:style>
+          <a:lnRef idx="1">
+            <a:schemeClr val="accent1"/>
+          </a:lnRef>
+          <a:fillRef idx="0">
+            <a:schemeClr val="accent1"/>
+          </a:fillRef>
+          <a:effectRef idx="0">
+            <a:schemeClr val="accent1"/>
+          </a:effectRef>
+          <a:fontRef idx="minor">
+            <a:schemeClr val="tx1"/>
+          </a:fontRef>
+        </p:style>
+      </p:cxnSp>
+      <p:sp>
+        <p:nvSpPr>
+          <p:cNvPr id="22" name="文本框 21"/>
+          <p:cNvSpPr txBox="1"/>
+          <p:nvPr/>
+        </p:nvSpPr>
+        <p:spPr>
+          <a:xfrm>
+            <a:off x="5115560" y="3023718"/>
+            <a:ext cx="533400" cy="461665"/>
+          </a:xfrm>
+          <a:prstGeom prst="rect">
+            <a:avLst/>
+          </a:prstGeom>
+          <a:noFill/>
+        </p:spPr>
+        <p:txBody>
+          <a:bodyPr wrap="square" rtlCol="0">
+            <a:spAutoFit/>
+          </a:bodyPr>
+          <a:lstStyle/>
+          <a:p>
+            <a:r>
+              <a:rPr lang="en-US" altLang="zh-CN" sz="2400" b="1" dirty="0">
+                <a:latin typeface="宋体" panose="02010600030101010101" pitchFamily="2" charset="-122"/>
+                <a:ea typeface="宋体" panose="02010600030101010101" pitchFamily="2" charset="-122"/>
+              </a:rPr>
+              <a:t>6</a:t>
+            </a:r>
+            <a:r>
+              <a:rPr lang="en-US" altLang="zh-CN" sz="2400" b="1" dirty="0" smtClean="0">
+                <a:latin typeface="宋体" panose="02010600030101010101" pitchFamily="2" charset="-122"/>
+                <a:ea typeface="宋体" panose="02010600030101010101" pitchFamily="2" charset="-122"/>
+              </a:rPr>
+              <a:t>0</a:t>
+            </a:r>
+            <a:endParaRPr lang="zh-CN" altLang="en-US" sz="2400" b="1" dirty="0">
+              <a:latin typeface="宋体" panose="02010600030101010101" pitchFamily="2" charset="-122"/>
+              <a:ea typeface="宋体" panose="02010600030101010101" pitchFamily="2" charset="-122"/>
+            </a:endParaRPr>
+          </a:p>
+        </p:txBody>
+      </p:sp>
+      <p:cxnSp>
+        <p:nvCxnSpPr>
+          <p:cNvPr id="23" name="直接连接符 22"/>
+          <p:cNvCxnSpPr/>
+          <p:nvPr/>
+        </p:nvCxnSpPr>
+        <p:spPr>
+          <a:xfrm>
+            <a:off x="6087110" y="2698750"/>
+            <a:ext cx="0" cy="220942"/>
+          </a:xfrm>
+          <a:prstGeom prst="line">
+            <a:avLst/>
+          </a:prstGeom>
+          <a:ln w="101600">
+            <a:solidFill>
+              <a:schemeClr val="tx1"/>
+            </a:solidFill>
+          </a:ln>
+        </p:spPr>
+        <p:style>
+          <a:lnRef idx="1">
+            <a:schemeClr val="accent1"/>
+          </a:lnRef>
+          <a:fillRef idx="0">
+            <a:schemeClr val="accent1"/>
+          </a:fillRef>
+          <a:effectRef idx="0">
+            <a:schemeClr val="accent1"/>
+          </a:effectRef>
+          <a:fontRef idx="minor">
+            <a:schemeClr val="tx1"/>
+          </a:fontRef>
+        </p:style>
+      </p:cxnSp>
+      <p:sp>
+        <p:nvSpPr>
+          <p:cNvPr id="24" name="文本框 23"/>
+          <p:cNvSpPr txBox="1"/>
+          <p:nvPr/>
+        </p:nvSpPr>
+        <p:spPr>
+          <a:xfrm>
+            <a:off x="5820410" y="3011018"/>
+            <a:ext cx="533400" cy="461665"/>
+          </a:xfrm>
+          <a:prstGeom prst="rect">
+            <a:avLst/>
+          </a:prstGeom>
+          <a:noFill/>
+        </p:spPr>
+        <p:txBody>
+          <a:bodyPr wrap="square" rtlCol="0">
+            <a:spAutoFit/>
+          </a:bodyPr>
+          <a:lstStyle/>
+          <a:p>
+            <a:r>
+              <a:rPr lang="en-US" altLang="zh-CN" sz="2400" b="1" dirty="0">
+                <a:latin typeface="宋体" panose="02010600030101010101" pitchFamily="2" charset="-122"/>
+                <a:ea typeface="宋体" panose="02010600030101010101" pitchFamily="2" charset="-122"/>
+              </a:rPr>
+              <a:t>7</a:t>
+            </a:r>
+            <a:r>
+              <a:rPr lang="en-US" altLang="zh-CN" sz="2400" b="1" dirty="0" smtClean="0">
+                <a:latin typeface="宋体" panose="02010600030101010101" pitchFamily="2" charset="-122"/>
+                <a:ea typeface="宋体" panose="02010600030101010101" pitchFamily="2" charset="-122"/>
+              </a:rPr>
+              <a:t>0</a:t>
+            </a:r>
+            <a:endParaRPr lang="zh-CN" altLang="en-US" sz="2400" b="1" dirty="0">
+              <a:latin typeface="宋体" panose="02010600030101010101" pitchFamily="2" charset="-122"/>
+              <a:ea typeface="宋体" panose="02010600030101010101" pitchFamily="2" charset="-122"/>
+            </a:endParaRPr>
+          </a:p>
+        </p:txBody>
+      </p:sp>
+      <p:cxnSp>
+        <p:nvCxnSpPr>
+          <p:cNvPr id="25" name="直接连接符 24"/>
+          <p:cNvCxnSpPr/>
+          <p:nvPr/>
+        </p:nvCxnSpPr>
+        <p:spPr>
+          <a:xfrm>
+            <a:off x="6817360" y="2698750"/>
+            <a:ext cx="0" cy="220942"/>
+          </a:xfrm>
+          <a:prstGeom prst="line">
+            <a:avLst/>
+          </a:prstGeom>
+          <a:ln w="101600">
+            <a:solidFill>
+              <a:schemeClr val="tx1"/>
+            </a:solidFill>
+          </a:ln>
+        </p:spPr>
+        <p:style>
+          <a:lnRef idx="1">
+            <a:schemeClr val="accent1"/>
+          </a:lnRef>
+          <a:fillRef idx="0">
+            <a:schemeClr val="accent1"/>
+          </a:fillRef>
+          <a:effectRef idx="0">
+            <a:schemeClr val="accent1"/>
+          </a:effectRef>
+          <a:fontRef idx="minor">
+            <a:schemeClr val="tx1"/>
+          </a:fontRef>
+        </p:style>
+      </p:cxnSp>
+      <p:sp>
+        <p:nvSpPr>
+          <p:cNvPr id="26" name="文本框 25"/>
+          <p:cNvSpPr txBox="1"/>
+          <p:nvPr/>
+        </p:nvSpPr>
+        <p:spPr>
+          <a:xfrm>
+            <a:off x="6550660" y="3011018"/>
+            <a:ext cx="533400" cy="461665"/>
+          </a:xfrm>
+          <a:prstGeom prst="rect">
+            <a:avLst/>
+          </a:prstGeom>
+          <a:noFill/>
+        </p:spPr>
+        <p:txBody>
+          <a:bodyPr wrap="square" rtlCol="0">
+            <a:spAutoFit/>
+          </a:bodyPr>
+          <a:lstStyle/>
+          <a:p>
+            <a:r>
+              <a:rPr lang="en-US" altLang="zh-CN" sz="2400" b="1" dirty="0">
+                <a:latin typeface="宋体" panose="02010600030101010101" pitchFamily="2" charset="-122"/>
+                <a:ea typeface="宋体" panose="02010600030101010101" pitchFamily="2" charset="-122"/>
+              </a:rPr>
+              <a:t>8</a:t>
+            </a:r>
+            <a:r>
+              <a:rPr lang="en-US" altLang="zh-CN" sz="2400" b="1" dirty="0" smtClean="0">
+                <a:latin typeface="宋体" panose="02010600030101010101" pitchFamily="2" charset="-122"/>
+                <a:ea typeface="宋体" panose="02010600030101010101" pitchFamily="2" charset="-122"/>
+              </a:rPr>
+              <a:t>0</a:t>
+            </a:r>
+            <a:endParaRPr lang="zh-CN" altLang="en-US" sz="2400" b="1" dirty="0">
+              <a:latin typeface="宋体" panose="02010600030101010101" pitchFamily="2" charset="-122"/>
+              <a:ea typeface="宋体" panose="02010600030101010101" pitchFamily="2" charset="-122"/>
+            </a:endParaRPr>
+          </a:p>
+        </p:txBody>
+      </p:sp>
+      <p:cxnSp>
+        <p:nvCxnSpPr>
+          <p:cNvPr id="27" name="直接连接符 26"/>
+          <p:cNvCxnSpPr/>
+          <p:nvPr/>
+        </p:nvCxnSpPr>
+        <p:spPr>
+          <a:xfrm>
+            <a:off x="7532370" y="2711450"/>
+            <a:ext cx="0" cy="220942"/>
+          </a:xfrm>
+          <a:prstGeom prst="line">
+            <a:avLst/>
+          </a:prstGeom>
+          <a:ln w="101600">
+            <a:solidFill>
+              <a:schemeClr val="tx1"/>
+            </a:solidFill>
+          </a:ln>
+        </p:spPr>
+        <p:style>
+          <a:lnRef idx="1">
+            <a:schemeClr val="accent1"/>
+          </a:lnRef>
+          <a:fillRef idx="0">
+            <a:schemeClr val="accent1"/>
+          </a:fillRef>
+          <a:effectRef idx="0">
+            <a:schemeClr val="accent1"/>
+          </a:effectRef>
+          <a:fontRef idx="minor">
+            <a:schemeClr val="tx1"/>
+          </a:fontRef>
+        </p:style>
+      </p:cxnSp>
+      <p:sp>
+        <p:nvSpPr>
+          <p:cNvPr id="28" name="文本框 27"/>
+          <p:cNvSpPr txBox="1"/>
+          <p:nvPr/>
+        </p:nvSpPr>
+        <p:spPr>
+          <a:xfrm>
+            <a:off x="7265670" y="3023718"/>
+            <a:ext cx="533400" cy="461665"/>
+          </a:xfrm>
+          <a:prstGeom prst="rect">
+            <a:avLst/>
+          </a:prstGeom>
+          <a:noFill/>
+        </p:spPr>
+        <p:txBody>
+          <a:bodyPr wrap="square" rtlCol="0">
+            <a:spAutoFit/>
+          </a:bodyPr>
+          <a:lstStyle/>
+          <a:p>
+            <a:r>
+              <a:rPr lang="en-US" altLang="zh-CN" sz="2400" b="1" dirty="0" smtClean="0">
+                <a:latin typeface="宋体" panose="02010600030101010101" pitchFamily="2" charset="-122"/>
+                <a:ea typeface="宋体" panose="02010600030101010101" pitchFamily="2" charset="-122"/>
+              </a:rPr>
+              <a:t>90</a:t>
+            </a:r>
+            <a:endParaRPr lang="zh-CN" altLang="en-US" sz="2400" b="1" dirty="0">
+              <a:latin typeface="宋体" panose="02010600030101010101" pitchFamily="2" charset="-122"/>
+              <a:ea typeface="宋体" panose="02010600030101010101" pitchFamily="2" charset="-122"/>
+            </a:endParaRPr>
+          </a:p>
+        </p:txBody>
+      </p:sp>
+      <p:cxnSp>
+        <p:nvCxnSpPr>
+          <p:cNvPr id="29" name="直接连接符 28"/>
+          <p:cNvCxnSpPr/>
+          <p:nvPr/>
+        </p:nvCxnSpPr>
+        <p:spPr>
+          <a:xfrm>
+            <a:off x="8262620" y="2711450"/>
+            <a:ext cx="0" cy="220942"/>
+          </a:xfrm>
+          <a:prstGeom prst="line">
+            <a:avLst/>
+          </a:prstGeom>
+          <a:ln w="101600">
+            <a:solidFill>
+              <a:schemeClr val="tx1"/>
+            </a:solidFill>
+          </a:ln>
+        </p:spPr>
+        <p:style>
+          <a:lnRef idx="1">
+            <a:schemeClr val="accent1"/>
+          </a:lnRef>
+          <a:fillRef idx="0">
+            <a:schemeClr val="accent1"/>
+          </a:fillRef>
+          <a:effectRef idx="0">
+            <a:schemeClr val="accent1"/>
+          </a:effectRef>
+          <a:fontRef idx="minor">
+            <a:schemeClr val="tx1"/>
+          </a:fontRef>
+        </p:style>
+      </p:cxnSp>
+      <p:sp>
+        <p:nvSpPr>
+          <p:cNvPr id="30" name="文本框 29"/>
+          <p:cNvSpPr txBox="1"/>
+          <p:nvPr/>
+        </p:nvSpPr>
+        <p:spPr>
+          <a:xfrm>
+            <a:off x="7938770" y="3023718"/>
+            <a:ext cx="709930" cy="461665"/>
+          </a:xfrm>
+          <a:prstGeom prst="rect">
+            <a:avLst/>
+          </a:prstGeom>
+          <a:noFill/>
+        </p:spPr>
+        <p:txBody>
+          <a:bodyPr wrap="square" rtlCol="0">
+            <a:spAutoFit/>
+          </a:bodyPr>
+          <a:lstStyle/>
+          <a:p>
+            <a:r>
+              <a:rPr lang="en-US" altLang="zh-CN" sz="2400" b="1" dirty="0" smtClean="0">
+                <a:latin typeface="宋体" panose="02010600030101010101" pitchFamily="2" charset="-122"/>
+                <a:ea typeface="宋体" panose="02010600030101010101" pitchFamily="2" charset="-122"/>
+              </a:rPr>
+              <a:t>100</a:t>
+            </a:r>
+            <a:endParaRPr lang="zh-CN" altLang="en-US" sz="2400" b="1" dirty="0">
+              <a:latin typeface="宋体" panose="02010600030101010101" pitchFamily="2" charset="-122"/>
+              <a:ea typeface="宋体" panose="02010600030101010101" pitchFamily="2" charset="-122"/>
+            </a:endParaRPr>
+          </a:p>
+        </p:txBody>
+      </p:sp>
+      <p:cxnSp>
+        <p:nvCxnSpPr>
+          <p:cNvPr id="31" name="直接连接符 30"/>
+          <p:cNvCxnSpPr/>
+          <p:nvPr/>
+        </p:nvCxnSpPr>
+        <p:spPr>
+          <a:xfrm>
+            <a:off x="8977630" y="2711450"/>
+            <a:ext cx="0" cy="220942"/>
+          </a:xfrm>
+          <a:prstGeom prst="line">
+            <a:avLst/>
+          </a:prstGeom>
+          <a:ln w="101600">
+            <a:solidFill>
+              <a:schemeClr val="tx1"/>
+            </a:solidFill>
+          </a:ln>
+        </p:spPr>
+        <p:style>
+          <a:lnRef idx="1">
+            <a:schemeClr val="accent1"/>
+          </a:lnRef>
+          <a:fillRef idx="0">
+            <a:schemeClr val="accent1"/>
+          </a:fillRef>
+          <a:effectRef idx="0">
+            <a:schemeClr val="accent1"/>
+          </a:effectRef>
+          <a:fontRef idx="minor">
+            <a:schemeClr val="tx1"/>
+          </a:fontRef>
+        </p:style>
+      </p:cxnSp>
+      <p:sp>
+        <p:nvSpPr>
+          <p:cNvPr id="32" name="文本框 31"/>
+          <p:cNvSpPr txBox="1"/>
+          <p:nvPr/>
+        </p:nvSpPr>
+        <p:spPr>
+          <a:xfrm>
+            <a:off x="8653780" y="3023718"/>
+            <a:ext cx="704850" cy="461665"/>
+          </a:xfrm>
+          <a:prstGeom prst="rect">
+            <a:avLst/>
+          </a:prstGeom>
+          <a:noFill/>
+        </p:spPr>
+        <p:txBody>
+          <a:bodyPr wrap="square" rtlCol="0">
+            <a:spAutoFit/>
+          </a:bodyPr>
+          <a:lstStyle/>
+          <a:p>
+            <a:r>
+              <a:rPr lang="en-US" altLang="zh-CN" sz="2400" b="1" dirty="0" smtClean="0">
+                <a:latin typeface="宋体" panose="02010600030101010101" pitchFamily="2" charset="-122"/>
+                <a:ea typeface="宋体" panose="02010600030101010101" pitchFamily="2" charset="-122"/>
+              </a:rPr>
+              <a:t>110</a:t>
+            </a:r>
+            <a:endParaRPr lang="zh-CN" altLang="en-US" sz="2400" b="1" dirty="0">
+              <a:latin typeface="宋体" panose="02010600030101010101" pitchFamily="2" charset="-122"/>
+              <a:ea typeface="宋体" panose="02010600030101010101" pitchFamily="2" charset="-122"/>
+            </a:endParaRPr>
+          </a:p>
+        </p:txBody>
+      </p:sp>
+      <p:cxnSp>
+        <p:nvCxnSpPr>
+          <p:cNvPr id="33" name="直接连接符 32"/>
+          <p:cNvCxnSpPr/>
+          <p:nvPr/>
+        </p:nvCxnSpPr>
+        <p:spPr>
+          <a:xfrm>
+            <a:off x="9707880" y="2711450"/>
+            <a:ext cx="0" cy="220942"/>
+          </a:xfrm>
+          <a:prstGeom prst="line">
+            <a:avLst/>
+          </a:prstGeom>
+          <a:ln w="101600">
+            <a:solidFill>
+              <a:schemeClr val="tx1"/>
+            </a:solidFill>
+          </a:ln>
+        </p:spPr>
+        <p:style>
+          <a:lnRef idx="1">
+            <a:schemeClr val="accent1"/>
+          </a:lnRef>
+          <a:fillRef idx="0">
+            <a:schemeClr val="accent1"/>
+          </a:fillRef>
+          <a:effectRef idx="0">
+            <a:schemeClr val="accent1"/>
+          </a:effectRef>
+          <a:fontRef idx="minor">
+            <a:schemeClr val="tx1"/>
+          </a:fontRef>
+        </p:style>
+      </p:cxnSp>
+      <p:sp>
+        <p:nvSpPr>
+          <p:cNvPr id="34" name="文本框 33"/>
+          <p:cNvSpPr txBox="1"/>
+          <p:nvPr/>
+        </p:nvSpPr>
+        <p:spPr>
+          <a:xfrm>
+            <a:off x="9384030" y="3023718"/>
+            <a:ext cx="704850" cy="461665"/>
+          </a:xfrm>
+          <a:prstGeom prst="rect">
+            <a:avLst/>
+          </a:prstGeom>
+          <a:noFill/>
+        </p:spPr>
+        <p:txBody>
+          <a:bodyPr wrap="square" rtlCol="0">
+            <a:spAutoFit/>
+          </a:bodyPr>
+          <a:lstStyle/>
+          <a:p>
+            <a:r>
+              <a:rPr lang="en-US" altLang="zh-CN" sz="2400" b="1" dirty="0" smtClean="0">
+                <a:latin typeface="宋体" panose="02010600030101010101" pitchFamily="2" charset="-122"/>
+                <a:ea typeface="宋体" panose="02010600030101010101" pitchFamily="2" charset="-122"/>
+              </a:rPr>
+              <a:t>120</a:t>
+            </a:r>
+            <a:endParaRPr lang="zh-CN" altLang="en-US" sz="2400" b="1" dirty="0">
+              <a:latin typeface="宋体" panose="02010600030101010101" pitchFamily="2" charset="-122"/>
+              <a:ea typeface="宋体" panose="02010600030101010101" pitchFamily="2" charset="-122"/>
+            </a:endParaRPr>
+          </a:p>
+        </p:txBody>
+      </p:sp>
+      <p:sp>
+        <p:nvSpPr>
+          <p:cNvPr id="39" name="文本框 38"/>
+          <p:cNvSpPr txBox="1"/>
+          <p:nvPr/>
+        </p:nvSpPr>
+        <p:spPr>
+          <a:xfrm>
+            <a:off x="9309417" y="3560274"/>
+            <a:ext cx="1558925" cy="461665"/>
+          </a:xfrm>
+          <a:prstGeom prst="rect">
+            <a:avLst/>
+          </a:prstGeom>
+          <a:noFill/>
+        </p:spPr>
+        <p:txBody>
+          <a:bodyPr wrap="square" rtlCol="0">
+            <a:spAutoFit/>
+          </a:bodyPr>
+          <a:lstStyle/>
+          <a:p>
+            <a:r>
+              <a:rPr lang="zh-CN" altLang="en-US" sz="2400" b="1" dirty="0" smtClean="0">
+                <a:latin typeface="宋体" panose="02010600030101010101" pitchFamily="2" charset="-122"/>
+                <a:ea typeface="宋体" panose="02010600030101010101" pitchFamily="2" charset="-122"/>
+              </a:rPr>
+              <a:t>单位：</a:t>
+            </a:r>
+            <a:r>
+              <a:rPr lang="en-US" altLang="zh-CN" sz="2400" b="1" dirty="0" err="1" smtClean="0">
+                <a:latin typeface="宋体" panose="02010600030101010101" pitchFamily="2" charset="-122"/>
+                <a:ea typeface="宋体" panose="02010600030101010101" pitchFamily="2" charset="-122"/>
+              </a:rPr>
+              <a:t>ms</a:t>
+            </a:r>
+            <a:endParaRPr lang="zh-CN" altLang="en-US" sz="2400" b="1" dirty="0">
+              <a:latin typeface="宋体" panose="02010600030101010101" pitchFamily="2" charset="-122"/>
+              <a:ea typeface="宋体" panose="02010600030101010101" pitchFamily="2" charset="-122"/>
+            </a:endParaRPr>
+          </a:p>
+        </p:txBody>
+      </p:sp>
+      <p:cxnSp>
+        <p:nvCxnSpPr>
+          <p:cNvPr id="41" name="直接箭头连接符 40"/>
+          <p:cNvCxnSpPr/>
+          <p:nvPr/>
+        </p:nvCxnSpPr>
+        <p:spPr>
+          <a:xfrm>
+            <a:off x="2152650" y="2349500"/>
+            <a:ext cx="7205980" cy="0"/>
+          </a:xfrm>
+          <a:prstGeom prst="straightConnector1">
+            <a:avLst/>
+          </a:prstGeom>
+          <a:ln w="101600">
+            <a:solidFill>
+              <a:schemeClr val="tx1"/>
+            </a:solidFill>
+            <a:headEnd type="triangle"/>
+            <a:tailEnd type="triangle"/>
+          </a:ln>
+        </p:spPr>
+        <p:style>
+          <a:lnRef idx="1">
+            <a:schemeClr val="accent1"/>
+          </a:lnRef>
+          <a:fillRef idx="0">
+            <a:schemeClr val="accent1"/>
+          </a:fillRef>
+          <a:effectRef idx="0">
+            <a:schemeClr val="accent1"/>
+          </a:effectRef>
+          <a:fontRef idx="minor">
+            <a:schemeClr val="tx1"/>
+          </a:fontRef>
+        </p:style>
+      </p:cxnSp>
+      <p:sp>
+        <p:nvSpPr>
+          <p:cNvPr id="43" name="文本框 42"/>
+          <p:cNvSpPr txBox="1"/>
+          <p:nvPr/>
+        </p:nvSpPr>
+        <p:spPr>
+          <a:xfrm>
+            <a:off x="4536440" y="3562701"/>
+            <a:ext cx="2613660" cy="461665"/>
+          </a:xfrm>
+          <a:prstGeom prst="rect">
+            <a:avLst/>
+          </a:prstGeom>
+          <a:noFill/>
+        </p:spPr>
+        <p:txBody>
+          <a:bodyPr wrap="square" rtlCol="0">
+            <a:spAutoFit/>
+          </a:bodyPr>
+          <a:lstStyle/>
+          <a:p>
+            <a:r>
+              <a:rPr lang="en-US" altLang="zh-CN" sz="2400" b="1" dirty="0">
+                <a:latin typeface="宋体" panose="02010600030101010101" pitchFamily="2" charset="-122"/>
+                <a:ea typeface="宋体" panose="02010600030101010101" pitchFamily="2" charset="-122"/>
+              </a:rPr>
+              <a:t>LED</a:t>
+            </a:r>
+            <a:r>
+              <a:rPr lang="zh-CN" altLang="en-US" sz="2400" b="1" dirty="0" smtClean="0">
+                <a:latin typeface="宋体" panose="02010600030101010101" pitchFamily="2" charset="-122"/>
+                <a:ea typeface="宋体" panose="02010600030101010101" pitchFamily="2" charset="-122"/>
+              </a:rPr>
+              <a:t>点阵变化周期</a:t>
+            </a:r>
+            <a:endParaRPr lang="zh-CN" altLang="en-US" sz="2400" b="1" dirty="0">
+              <a:latin typeface="宋体" panose="02010600030101010101" pitchFamily="2" charset="-122"/>
+              <a:ea typeface="宋体" panose="02010600030101010101" pitchFamily="2" charset="-122"/>
+            </a:endParaRPr>
+          </a:p>
+        </p:txBody>
+      </p:sp>
+      <p:sp>
+        <p:nvSpPr>
+          <p:cNvPr id="44" name="文本框 43"/>
+          <p:cNvSpPr txBox="1"/>
+          <p:nvPr/>
+        </p:nvSpPr>
+        <p:spPr>
+          <a:xfrm>
+            <a:off x="4676704" y="1689313"/>
+            <a:ext cx="2613660" cy="461665"/>
+          </a:xfrm>
+          <a:prstGeom prst="rect">
+            <a:avLst/>
+          </a:prstGeom>
+          <a:noFill/>
+        </p:spPr>
+        <p:txBody>
+          <a:bodyPr wrap="square" rtlCol="0">
+            <a:spAutoFit/>
+          </a:bodyPr>
+          <a:lstStyle/>
+          <a:p>
+            <a:r>
+              <a:rPr lang="zh-CN" altLang="en-US" sz="2400" b="1" dirty="0" smtClean="0">
+                <a:latin typeface="宋体" panose="02010600030101010101" pitchFamily="2" charset="-122"/>
+                <a:ea typeface="宋体" panose="02010600030101010101" pitchFamily="2" charset="-122"/>
+              </a:rPr>
+              <a:t>摄像头曝光周期</a:t>
+            </a:r>
+            <a:endParaRPr lang="zh-CN" altLang="en-US" sz="2400" b="1" dirty="0">
+              <a:latin typeface="宋体" panose="02010600030101010101" pitchFamily="2" charset="-122"/>
+              <a:ea typeface="宋体" panose="02010600030101010101" pitchFamily="2" charset="-122"/>
+            </a:endParaRPr>
+          </a:p>
+        </p:txBody>
+      </p:sp>
+      <p:cxnSp>
+        <p:nvCxnSpPr>
+          <p:cNvPr id="45" name="直接连接符 44"/>
+          <p:cNvCxnSpPr/>
+          <p:nvPr/>
+        </p:nvCxnSpPr>
+        <p:spPr>
+          <a:xfrm>
+            <a:off x="2152650" y="2197100"/>
+            <a:ext cx="0" cy="747992"/>
+          </a:xfrm>
+          <a:prstGeom prst="line">
+            <a:avLst/>
+          </a:prstGeom>
+          <a:ln w="76200">
+            <a:solidFill>
+              <a:srgbClr val="FF0000"/>
+            </a:solidFill>
+            <a:prstDash val="sysDash"/>
+          </a:ln>
+        </p:spPr>
+        <p:style>
+          <a:lnRef idx="1">
+            <a:schemeClr val="accent1"/>
+          </a:lnRef>
+          <a:fillRef idx="0">
+            <a:schemeClr val="accent1"/>
+          </a:fillRef>
+          <a:effectRef idx="0">
+            <a:schemeClr val="accent1"/>
+          </a:effectRef>
+          <a:fontRef idx="minor">
+            <a:schemeClr val="tx1"/>
+          </a:fontRef>
+        </p:style>
+      </p:cxnSp>
+      <p:cxnSp>
+        <p:nvCxnSpPr>
+          <p:cNvPr id="47" name="直接连接符 46"/>
+          <p:cNvCxnSpPr/>
+          <p:nvPr/>
+        </p:nvCxnSpPr>
+        <p:spPr>
+          <a:xfrm>
+            <a:off x="9392920" y="2171700"/>
+            <a:ext cx="0" cy="747992"/>
+          </a:xfrm>
+          <a:prstGeom prst="line">
+            <a:avLst/>
+          </a:prstGeom>
+          <a:ln w="76200">
+            <a:solidFill>
+              <a:srgbClr val="FF0000"/>
+            </a:solidFill>
+            <a:prstDash val="sysDash"/>
+          </a:ln>
+        </p:spPr>
+        <p:style>
+          <a:lnRef idx="1">
+            <a:schemeClr val="accent1"/>
+          </a:lnRef>
+          <a:fillRef idx="0">
+            <a:schemeClr val="accent1"/>
+          </a:fillRef>
+          <a:effectRef idx="0">
+            <a:schemeClr val="accent1"/>
+          </a:effectRef>
+          <a:fontRef idx="minor">
+            <a:schemeClr val="tx1"/>
+          </a:fontRef>
+        </p:style>
+      </p:cxnSp>
+    </p:spTree>
+    <p:extLst>
+      <p:ext uri="{BB962C8B-B14F-4D97-AF65-F5344CB8AC3E}">
+        <p14:creationId xmlns:p14="http://schemas.microsoft.com/office/powerpoint/2010/main" val="2403405122"/>
+      </p:ext>
+    </p:extLst>
+  </p:cSld>
+  <p:clrMapOvr>
+    <a:masterClrMapping/>
+  </p:clrMapOvr>
+</p:sld>
+</file>
+
+<file path=ppt/slides/slide6.xml><?xml version="1.0" encoding="utf-8"?>
+<p:sld xmlns:a="http://schemas.openxmlformats.org/drawingml/2006/main" xmlns:r="http://schemas.openxmlformats.org/officeDocument/2006/relationships" xmlns:p="http://schemas.openxmlformats.org/presentationml/2006/main">
+  <p:cSld>
+    <p:spTree>
+      <p:nvGrpSpPr>
+        <p:cNvPr id="1" name=""/>
+        <p:cNvGrpSpPr/>
+        <p:nvPr/>
+      </p:nvGrpSpPr>
+      <p:grpSpPr>
+        <a:xfrm>
+          <a:off x="0" y="0"/>
+          <a:ext cx="0" cy="0"/>
+          <a:chOff x="0" y="0"/>
+          <a:chExt cx="0" cy="0"/>
+        </a:xfrm>
+      </p:grpSpPr>
+      <p:sp>
+        <p:nvSpPr>
+          <p:cNvPr id="4" name="矩形 3"/>
+          <p:cNvSpPr/>
+          <p:nvPr/>
+        </p:nvSpPr>
+        <p:spPr>
+          <a:xfrm>
+            <a:off x="3799840" y="1178560"/>
+            <a:ext cx="1930400" cy="1930400"/>
+          </a:xfrm>
+          <a:prstGeom prst="rect">
+            <a:avLst/>
+          </a:prstGeom>
+          <a:solidFill>
+            <a:schemeClr val="bg1"/>
+          </a:solidFill>
+          <a:ln w="38100">
+            <a:solidFill>
+              <a:schemeClr val="tx1"/>
+            </a:solidFill>
+          </a:ln>
+        </p:spPr>
+        <p:style>
+          <a:lnRef idx="2">
+            <a:schemeClr val="accent1">
+              <a:shade val="50000"/>
+            </a:schemeClr>
+          </a:lnRef>
+          <a:fillRef idx="1">
+            <a:schemeClr val="accent1"/>
+          </a:fillRef>
+          <a:effectRef idx="0">
+            <a:schemeClr val="accent1"/>
+          </a:effectRef>
+          <a:fontRef idx="minor">
+            <a:schemeClr val="lt1"/>
+          </a:fontRef>
+        </p:style>
+        <p:txBody>
+          <a:bodyPr rtlCol="0" anchor="ctr"/>
+          <a:lstStyle/>
+          <a:p>
+            <a:pPr algn="ctr"/>
+            <a:endParaRPr lang="zh-CN" altLang="en-US"/>
+          </a:p>
+        </p:txBody>
+      </p:sp>
+      <p:cxnSp>
+        <p:nvCxnSpPr>
+          <p:cNvPr id="6" name="直接连接符 5"/>
+          <p:cNvCxnSpPr/>
+          <p:nvPr/>
+        </p:nvCxnSpPr>
+        <p:spPr>
+          <a:xfrm>
+            <a:off x="3799840" y="1178560"/>
+            <a:ext cx="1930400" cy="1930400"/>
+          </a:xfrm>
+          <a:prstGeom prst="line">
+            <a:avLst/>
+          </a:prstGeom>
+          <a:ln w="38100">
+            <a:solidFill>
+              <a:schemeClr val="tx1"/>
+            </a:solidFill>
+          </a:ln>
+        </p:spPr>
+        <p:style>
+          <a:lnRef idx="1">
+            <a:schemeClr val="accent1"/>
+          </a:lnRef>
+          <a:fillRef idx="0">
+            <a:schemeClr val="accent1"/>
+          </a:fillRef>
+          <a:effectRef idx="0">
+            <a:schemeClr val="accent1"/>
+          </a:effectRef>
+          <a:fontRef idx="minor">
+            <a:schemeClr val="tx1"/>
+          </a:fontRef>
+        </p:style>
+      </p:cxnSp>
+      <p:sp>
+        <p:nvSpPr>
+          <p:cNvPr id="7" name="矩形 6"/>
+          <p:cNvSpPr/>
+          <p:nvPr/>
+        </p:nvSpPr>
+        <p:spPr>
+          <a:xfrm>
+            <a:off x="3799840" y="4094480"/>
+            <a:ext cx="1930400" cy="1930400"/>
+          </a:xfrm>
+          <a:prstGeom prst="rect">
+            <a:avLst/>
+          </a:prstGeom>
+          <a:solidFill>
+            <a:schemeClr val="bg1"/>
+          </a:solidFill>
+          <a:ln w="38100">
+            <a:solidFill>
+              <a:schemeClr val="tx1"/>
+            </a:solidFill>
+          </a:ln>
+        </p:spPr>
+        <p:style>
+          <a:lnRef idx="2">
+            <a:schemeClr val="accent1">
+              <a:shade val="50000"/>
+            </a:schemeClr>
+          </a:lnRef>
+          <a:fillRef idx="1">
+            <a:schemeClr val="accent1"/>
+          </a:fillRef>
+          <a:effectRef idx="0">
+            <a:schemeClr val="accent1"/>
+          </a:effectRef>
+          <a:fontRef idx="minor">
+            <a:schemeClr val="lt1"/>
+          </a:fontRef>
+        </p:style>
+        <p:txBody>
+          <a:bodyPr rtlCol="0" anchor="ctr"/>
+          <a:lstStyle/>
+          <a:p>
+            <a:pPr algn="ctr"/>
+            <a:endParaRPr lang="zh-CN" altLang="en-US"/>
+          </a:p>
+        </p:txBody>
+      </p:sp>
+      <p:cxnSp>
+        <p:nvCxnSpPr>
+          <p:cNvPr id="8" name="直接连接符 7"/>
+          <p:cNvCxnSpPr/>
+          <p:nvPr/>
+        </p:nvCxnSpPr>
+        <p:spPr>
+          <a:xfrm>
+            <a:off x="3799840" y="4094480"/>
+            <a:ext cx="1930400" cy="1930400"/>
+          </a:xfrm>
+          <a:prstGeom prst="line">
+            <a:avLst/>
+          </a:prstGeom>
+          <a:ln w="38100">
+            <a:solidFill>
+              <a:schemeClr val="tx1"/>
+            </a:solidFill>
+          </a:ln>
+        </p:spPr>
+        <p:style>
+          <a:lnRef idx="1">
+            <a:schemeClr val="accent1"/>
+          </a:lnRef>
+          <a:fillRef idx="0">
+            <a:schemeClr val="accent1"/>
+          </a:fillRef>
+          <a:effectRef idx="0">
+            <a:schemeClr val="accent1"/>
+          </a:effectRef>
+          <a:fontRef idx="minor">
+            <a:schemeClr val="tx1"/>
+          </a:fontRef>
+        </p:style>
+      </p:cxnSp>
+      <p:sp>
+        <p:nvSpPr>
+          <p:cNvPr id="9" name="矩形 8"/>
+          <p:cNvSpPr/>
+          <p:nvPr/>
+        </p:nvSpPr>
+        <p:spPr>
+          <a:xfrm>
+            <a:off x="6512560" y="1178560"/>
+            <a:ext cx="1930400" cy="1930400"/>
+          </a:xfrm>
+          <a:prstGeom prst="rect">
+            <a:avLst/>
+          </a:prstGeom>
+          <a:solidFill>
+            <a:schemeClr val="bg1"/>
+          </a:solidFill>
+          <a:ln w="38100">
+            <a:solidFill>
+              <a:schemeClr val="tx1"/>
+            </a:solidFill>
+          </a:ln>
+        </p:spPr>
+        <p:style>
+          <a:lnRef idx="2">
+            <a:schemeClr val="accent1">
+              <a:shade val="50000"/>
+            </a:schemeClr>
+          </a:lnRef>
+          <a:fillRef idx="1">
+            <a:schemeClr val="accent1"/>
+          </a:fillRef>
+          <a:effectRef idx="0">
+            <a:schemeClr val="accent1"/>
+          </a:effectRef>
+          <a:fontRef idx="minor">
+            <a:schemeClr val="lt1"/>
+          </a:fontRef>
+        </p:style>
+        <p:txBody>
+          <a:bodyPr rtlCol="0" anchor="ctr"/>
+          <a:lstStyle/>
+          <a:p>
+            <a:pPr algn="ctr"/>
+            <a:endParaRPr lang="zh-CN" altLang="en-US"/>
+          </a:p>
+        </p:txBody>
+      </p:sp>
+      <p:cxnSp>
+        <p:nvCxnSpPr>
+          <p:cNvPr id="10" name="直接连接符 9"/>
+          <p:cNvCxnSpPr/>
+          <p:nvPr/>
+        </p:nvCxnSpPr>
+        <p:spPr>
+          <a:xfrm flipV="1">
+            <a:off x="6512560" y="1178560"/>
+            <a:ext cx="1930400" cy="1930400"/>
+          </a:xfrm>
+          <a:prstGeom prst="line">
+            <a:avLst/>
+          </a:prstGeom>
+          <a:ln w="38100">
+            <a:solidFill>
+              <a:schemeClr val="tx1"/>
+            </a:solidFill>
+          </a:ln>
+        </p:spPr>
+        <p:style>
+          <a:lnRef idx="1">
+            <a:schemeClr val="accent1"/>
+          </a:lnRef>
+          <a:fillRef idx="0">
+            <a:schemeClr val="accent1"/>
+          </a:fillRef>
+          <a:effectRef idx="0">
+            <a:schemeClr val="accent1"/>
+          </a:effectRef>
+          <a:fontRef idx="minor">
+            <a:schemeClr val="tx1"/>
+          </a:fontRef>
+        </p:style>
+      </p:cxnSp>
+      <p:cxnSp>
+        <p:nvCxnSpPr>
+          <p:cNvPr id="15" name="直接箭头连接符 14"/>
+          <p:cNvCxnSpPr/>
+          <p:nvPr/>
+        </p:nvCxnSpPr>
+        <p:spPr>
+          <a:xfrm>
+            <a:off x="4754880" y="2174240"/>
+            <a:ext cx="0" cy="4683760"/>
+          </a:xfrm>
+          <a:prstGeom prst="straightConnector1">
+            <a:avLst/>
+          </a:prstGeom>
+          <a:ln w="50800">
+            <a:solidFill>
+              <a:srgbClr val="FF0000"/>
+            </a:solidFill>
+            <a:tailEnd type="triangle"/>
+          </a:ln>
+        </p:spPr>
+        <p:style>
+          <a:lnRef idx="1">
+            <a:schemeClr val="accent1"/>
+          </a:lnRef>
+          <a:fillRef idx="0">
+            <a:schemeClr val="accent1"/>
+          </a:fillRef>
+          <a:effectRef idx="0">
+            <a:schemeClr val="accent1"/>
+          </a:effectRef>
+          <a:fontRef idx="minor">
+            <a:schemeClr val="tx1"/>
+          </a:fontRef>
+        </p:style>
+      </p:cxnSp>
+      <p:cxnSp>
+        <p:nvCxnSpPr>
+          <p:cNvPr id="16" name="直接箭头连接符 15"/>
+          <p:cNvCxnSpPr/>
+          <p:nvPr/>
+        </p:nvCxnSpPr>
+        <p:spPr>
+          <a:xfrm flipV="1">
+            <a:off x="2580640" y="2172788"/>
+            <a:ext cx="6620510" cy="1452"/>
+          </a:xfrm>
+          <a:prstGeom prst="straightConnector1">
+            <a:avLst/>
+          </a:prstGeom>
+          <a:ln w="50800">
+            <a:solidFill>
+              <a:srgbClr val="FF0000"/>
+            </a:solidFill>
+            <a:tailEnd type="triangle"/>
+          </a:ln>
+        </p:spPr>
+        <p:style>
+          <a:lnRef idx="1">
+            <a:schemeClr val="accent1"/>
+          </a:lnRef>
+          <a:fillRef idx="0">
+            <a:schemeClr val="accent1"/>
+          </a:fillRef>
+          <a:effectRef idx="0">
+            <a:schemeClr val="accent1"/>
+          </a:effectRef>
+          <a:fontRef idx="minor">
+            <a:schemeClr val="tx1"/>
+          </a:fontRef>
+        </p:style>
+      </p:cxnSp>
+      <p:cxnSp>
+        <p:nvCxnSpPr>
+          <p:cNvPr id="19" name="直接箭头连接符 18"/>
+          <p:cNvCxnSpPr/>
+          <p:nvPr/>
+        </p:nvCxnSpPr>
+        <p:spPr>
+          <a:xfrm flipV="1">
+            <a:off x="7426960" y="495300"/>
+            <a:ext cx="0" cy="1678940"/>
+          </a:xfrm>
+          <a:prstGeom prst="straightConnector1">
+            <a:avLst/>
+          </a:prstGeom>
+          <a:ln w="50800">
+            <a:solidFill>
+              <a:srgbClr val="FF0000"/>
+            </a:solidFill>
+            <a:tailEnd type="triangle"/>
+          </a:ln>
+        </p:spPr>
+        <p:style>
+          <a:lnRef idx="1">
+            <a:schemeClr val="accent1"/>
+          </a:lnRef>
+          <a:fillRef idx="0">
+            <a:schemeClr val="accent1"/>
+          </a:fillRef>
+          <a:effectRef idx="0">
+            <a:schemeClr val="accent1"/>
+          </a:effectRef>
+          <a:fontRef idx="minor">
+            <a:schemeClr val="tx1"/>
+          </a:fontRef>
+        </p:style>
+      </p:cxnSp>
+      <p:cxnSp>
+        <p:nvCxnSpPr>
+          <p:cNvPr id="21" name="直接箭头连接符 20"/>
+          <p:cNvCxnSpPr/>
+          <p:nvPr/>
+        </p:nvCxnSpPr>
+        <p:spPr>
+          <a:xfrm>
+            <a:off x="4754880" y="5059680"/>
+            <a:ext cx="1930400" cy="0"/>
+          </a:xfrm>
+          <a:prstGeom prst="straightConnector1">
+            <a:avLst/>
+          </a:prstGeom>
+          <a:ln w="50800">
+            <a:solidFill>
+              <a:srgbClr val="FF0000"/>
+            </a:solidFill>
+            <a:tailEnd type="triangle"/>
+          </a:ln>
+        </p:spPr>
+        <p:style>
+          <a:lnRef idx="1">
+            <a:schemeClr val="accent1"/>
+          </a:lnRef>
+          <a:fillRef idx="0">
+            <a:schemeClr val="accent1"/>
+          </a:fillRef>
+          <a:effectRef idx="0">
+            <a:schemeClr val="accent1"/>
+          </a:effectRef>
+          <a:fontRef idx="minor">
+            <a:schemeClr val="tx1"/>
+          </a:fontRef>
+        </p:style>
+      </p:cxnSp>
+      <p:sp>
+        <p:nvSpPr>
+          <p:cNvPr id="24" name="等腰三角形 23"/>
+          <p:cNvSpPr/>
+          <p:nvPr/>
+        </p:nvSpPr>
+        <p:spPr>
+          <a:xfrm flipV="1">
+            <a:off x="4671786" y="3497943"/>
+            <a:ext cx="209550" cy="257380"/>
+          </a:xfrm>
+          <a:prstGeom prst="triangle">
+            <a:avLst/>
+          </a:prstGeom>
+          <a:solidFill>
+            <a:srgbClr val="FF0000"/>
+          </a:solidFill>
+          <a:ln>
+            <a:noFill/>
+          </a:ln>
+        </p:spPr>
+        <p:style>
+          <a:lnRef idx="2">
+            <a:schemeClr val="accent1">
+              <a:shade val="50000"/>
+            </a:schemeClr>
+          </a:lnRef>
+          <a:fillRef idx="1">
+            <a:schemeClr val="accent1"/>
+          </a:fillRef>
+          <a:effectRef idx="0">
+            <a:schemeClr val="accent1"/>
+          </a:effectRef>
+          <a:fontRef idx="minor">
+            <a:schemeClr val="lt1"/>
+          </a:fontRef>
+        </p:style>
+        <p:txBody>
+          <a:bodyPr rtlCol="0" anchor="ctr"/>
+          <a:lstStyle/>
+          <a:p>
+            <a:pPr algn="ctr"/>
+            <a:endParaRPr lang="zh-CN" altLang="en-US"/>
+          </a:p>
+        </p:txBody>
+      </p:sp>
+      <p:sp>
+        <p:nvSpPr>
+          <p:cNvPr id="26" name="等腰三角形 25"/>
+          <p:cNvSpPr/>
+          <p:nvPr/>
+        </p:nvSpPr>
+        <p:spPr>
+          <a:xfrm rot="5400000">
+            <a:off x="3151278" y="2039733"/>
+            <a:ext cx="248693" cy="266110"/>
+          </a:xfrm>
+          <a:prstGeom prst="triangle">
+            <a:avLst/>
+          </a:prstGeom>
+          <a:solidFill>
+            <a:srgbClr val="FF0000"/>
+          </a:solidFill>
+          <a:ln>
+            <a:noFill/>
+          </a:ln>
+        </p:spPr>
+        <p:style>
+          <a:lnRef idx="2">
+            <a:schemeClr val="accent1">
+              <a:shade val="50000"/>
+            </a:schemeClr>
+          </a:lnRef>
+          <a:fillRef idx="1">
+            <a:schemeClr val="accent1"/>
+          </a:fillRef>
+          <a:effectRef idx="0">
+            <a:schemeClr val="accent1"/>
+          </a:effectRef>
+          <a:fontRef idx="minor">
+            <a:schemeClr val="lt1"/>
+          </a:fontRef>
+        </p:style>
+        <p:txBody>
+          <a:bodyPr rtlCol="0" anchor="ctr"/>
+          <a:lstStyle/>
+          <a:p>
+            <a:pPr algn="ctr"/>
+            <a:endParaRPr lang="zh-CN" altLang="en-US"/>
+          </a:p>
+        </p:txBody>
+      </p:sp>
+      <p:sp>
+        <p:nvSpPr>
+          <p:cNvPr id="27" name="等腰三角形 26"/>
+          <p:cNvSpPr/>
+          <p:nvPr/>
+        </p:nvSpPr>
+        <p:spPr>
+          <a:xfrm rot="5400000">
+            <a:off x="6180412" y="2039733"/>
+            <a:ext cx="248693" cy="266110"/>
+          </a:xfrm>
+          <a:prstGeom prst="triangle">
+            <a:avLst/>
+          </a:prstGeom>
+          <a:solidFill>
+            <a:srgbClr val="FF0000"/>
+          </a:solidFill>
+          <a:ln>
+            <a:noFill/>
+          </a:ln>
+        </p:spPr>
+        <p:style>
+          <a:lnRef idx="2">
+            <a:schemeClr val="accent1">
+              <a:shade val="50000"/>
+            </a:schemeClr>
+          </a:lnRef>
+          <a:fillRef idx="1">
+            <a:schemeClr val="accent1"/>
+          </a:fillRef>
+          <a:effectRef idx="0">
+            <a:schemeClr val="accent1"/>
+          </a:effectRef>
+          <a:fontRef idx="minor">
+            <a:schemeClr val="lt1"/>
+          </a:fontRef>
+        </p:style>
+        <p:txBody>
+          <a:bodyPr rtlCol="0" anchor="ctr"/>
+          <a:lstStyle/>
+          <a:p>
+            <a:pPr algn="ctr"/>
+            <a:endParaRPr lang="zh-CN" altLang="en-US"/>
+          </a:p>
+        </p:txBody>
+      </p:sp>
+      <p:pic>
+        <p:nvPicPr>
+          <p:cNvPr id="32" name="图片 31"/>
+          <p:cNvPicPr>
+            <a:picLocks noChangeAspect="1"/>
+          </p:cNvPicPr>
+          <p:nvPr/>
+        </p:nvPicPr>
+        <p:blipFill>
+          <a:blip r:embed="rId2">
+            <a:extLst>
+              <a:ext uri="{28A0092B-C50C-407E-A947-70E740481C1C}">
+                <a14:useLocalDpi xmlns:a14="http://schemas.microsoft.com/office/drawing/2010/main" val="0"/>
+              </a:ext>
+            </a:extLst>
+          </a:blip>
+          <a:stretch>
+            <a:fillRect/>
+          </a:stretch>
+        </p:blipFill>
+        <p:spPr>
+          <a:xfrm flipH="1">
+            <a:off x="9522652" y="1461327"/>
+            <a:ext cx="963546" cy="963546"/>
+          </a:xfrm>
+          <a:prstGeom prst="rect">
+            <a:avLst/>
+          </a:prstGeom>
+        </p:spPr>
+      </p:pic>
+      <p:pic>
+        <p:nvPicPr>
+          <p:cNvPr id="33" name="图片 32"/>
+          <p:cNvPicPr>
+            <a:picLocks noChangeAspect="1"/>
+          </p:cNvPicPr>
+          <p:nvPr/>
+        </p:nvPicPr>
+        <p:blipFill>
+          <a:blip r:embed="rId2">
+            <a:extLst>
+              <a:ext uri="{28A0092B-C50C-407E-A947-70E740481C1C}">
+                <a14:useLocalDpi xmlns:a14="http://schemas.microsoft.com/office/drawing/2010/main" val="0"/>
+              </a:ext>
+            </a:extLst>
+          </a:blip>
+          <a:stretch>
+            <a:fillRect/>
+          </a:stretch>
+        </p:blipFill>
+        <p:spPr>
+          <a:xfrm flipH="1">
+            <a:off x="6945187" y="4365625"/>
+            <a:ext cx="963546" cy="963546"/>
+          </a:xfrm>
+          <a:prstGeom prst="rect">
+            <a:avLst/>
+          </a:prstGeom>
+        </p:spPr>
+      </p:pic>
+      <p:pic>
+        <p:nvPicPr>
+          <p:cNvPr id="34" name="图片 33"/>
+          <p:cNvPicPr>
+            <a:picLocks noChangeAspect="1"/>
+          </p:cNvPicPr>
+          <p:nvPr/>
+        </p:nvPicPr>
+        <p:blipFill>
+          <a:blip r:embed="rId2">
+            <a:extLst>
+              <a:ext uri="{28A0092B-C50C-407E-A947-70E740481C1C}">
+                <a14:useLocalDpi xmlns:a14="http://schemas.microsoft.com/office/drawing/2010/main" val="0"/>
+              </a:ext>
+            </a:extLst>
+          </a:blip>
+          <a:stretch>
+            <a:fillRect/>
+          </a:stretch>
+        </p:blipFill>
+        <p:spPr>
+          <a:xfrm rot="16200000" flipH="1">
+            <a:off x="6739890" y="-587751"/>
+            <a:ext cx="963546" cy="963546"/>
+          </a:xfrm>
+          <a:prstGeom prst="rect">
+            <a:avLst/>
+          </a:prstGeom>
+        </p:spPr>
+      </p:pic>
+      <p:pic>
+        <p:nvPicPr>
+          <p:cNvPr id="35" name="图片 34"/>
+          <p:cNvPicPr>
+            <a:picLocks noChangeAspect="1"/>
+          </p:cNvPicPr>
+          <p:nvPr/>
+        </p:nvPicPr>
+        <p:blipFill>
+          <a:blip r:embed="rId2">
+            <a:extLst>
+              <a:ext uri="{28A0092B-C50C-407E-A947-70E740481C1C}">
+                <a14:useLocalDpi xmlns:a14="http://schemas.microsoft.com/office/drawing/2010/main" val="0"/>
+              </a:ext>
+            </a:extLst>
+          </a:blip>
+          <a:stretch>
+            <a:fillRect/>
+          </a:stretch>
+        </p:blipFill>
+        <p:spPr>
+          <a:xfrm rot="5400000" flipH="1">
+            <a:off x="4513863" y="7004729"/>
+            <a:ext cx="963546" cy="963546"/>
+          </a:xfrm>
+          <a:prstGeom prst="rect">
+            <a:avLst/>
+          </a:prstGeom>
+        </p:spPr>
+      </p:pic>
+    </p:spTree>
+    <p:extLst>
+      <p:ext uri="{BB962C8B-B14F-4D97-AF65-F5344CB8AC3E}">
+        <p14:creationId xmlns:p14="http://schemas.microsoft.com/office/powerpoint/2010/main" val="1720528160"/>
+      </p:ext>
+    </p:extLst>
+  </p:cSld>
+  <p:clrMapOvr>
+    <a:masterClrMapping/>
+  </p:clrMapOvr>
+</p:sld>
+</file>
+
+<file path=ppt/slides/slide7.xml><?xml version="1.0" encoding="utf-8"?>
+<p:sld xmlns:a="http://schemas.openxmlformats.org/drawingml/2006/main" xmlns:r="http://schemas.openxmlformats.org/officeDocument/2006/relationships" xmlns:p="http://schemas.openxmlformats.org/presentationml/2006/main">
+  <p:cSld>
+    <p:spTree>
+      <p:nvGrpSpPr>
+        <p:cNvPr id="1" name=""/>
+        <p:cNvGrpSpPr/>
+        <p:nvPr/>
+      </p:nvGrpSpPr>
+      <p:grpSpPr>
+        <a:xfrm>
+          <a:off x="0" y="0"/>
+          <a:ext cx="0" cy="0"/>
+          <a:chOff x="0" y="0"/>
+          <a:chExt cx="0" cy="0"/>
+        </a:xfrm>
+      </p:grpSpPr>
+      <p:pic>
+        <p:nvPicPr>
+          <p:cNvPr id="4" name="图片 3"/>
+          <p:cNvPicPr>
+            <a:picLocks noChangeAspect="1"/>
+          </p:cNvPicPr>
+          <p:nvPr/>
+        </p:nvPicPr>
+        <p:blipFill>
+          <a:blip r:embed="rId2" cstate="print">
+            <a:extLst>
+              <a:ext uri="{28A0092B-C50C-407E-A947-70E740481C1C}">
+                <a14:useLocalDpi xmlns:a14="http://schemas.microsoft.com/office/drawing/2010/main" val="0"/>
+              </a:ext>
+            </a:extLst>
+          </a:blip>
+          <a:stretch>
+            <a:fillRect/>
+          </a:stretch>
+        </p:blipFill>
+        <p:spPr>
+          <a:xfrm>
+            <a:off x="1524000" y="0"/>
+            <a:ext cx="9144000" cy="6858000"/>
+          </a:xfrm>
+          <a:prstGeom prst="rect">
+            <a:avLst/>
+          </a:prstGeom>
+        </p:spPr>
+      </p:pic>
+      <p:sp>
+        <p:nvSpPr>
+          <p:cNvPr id="5" name="文本框 4"/>
+          <p:cNvSpPr txBox="1"/>
+          <p:nvPr/>
+        </p:nvSpPr>
+        <p:spPr>
+          <a:xfrm>
+            <a:off x="8972550" y="2171700"/>
+            <a:ext cx="1695450" cy="523220"/>
+          </a:xfrm>
+          <a:prstGeom prst="rect">
+            <a:avLst/>
+          </a:prstGeom>
+          <a:noFill/>
+        </p:spPr>
+        <p:txBody>
+          <a:bodyPr wrap="square" rtlCol="0">
+            <a:spAutoFit/>
+          </a:bodyPr>
+          <a:lstStyle/>
+          <a:p>
+            <a:r>
+              <a:rPr lang="zh-CN" altLang="en-US" sz="2800" dirty="0" smtClean="0">
+                <a:latin typeface="宋体" panose="02010600030101010101" pitchFamily="2" charset="-122"/>
+                <a:ea typeface="宋体" panose="02010600030101010101" pitchFamily="2" charset="-122"/>
+              </a:rPr>
+              <a:t>固定螺丝</a:t>
+            </a:r>
+            <a:endParaRPr lang="zh-CN" altLang="en-US" sz="2800" dirty="0">
+              <a:latin typeface="宋体" panose="02010600030101010101" pitchFamily="2" charset="-122"/>
+              <a:ea typeface="宋体" panose="02010600030101010101" pitchFamily="2" charset="-122"/>
+            </a:endParaRPr>
+          </a:p>
+        </p:txBody>
+      </p:sp>
+      <p:sp>
+        <p:nvSpPr>
+          <p:cNvPr id="6" name="文本框 5"/>
+          <p:cNvSpPr txBox="1"/>
+          <p:nvPr/>
+        </p:nvSpPr>
+        <p:spPr>
+          <a:xfrm>
+            <a:off x="6096000" y="5848350"/>
+            <a:ext cx="2152650" cy="523220"/>
+          </a:xfrm>
+          <a:prstGeom prst="rect">
+            <a:avLst/>
+          </a:prstGeom>
+          <a:noFill/>
+        </p:spPr>
+        <p:txBody>
+          <a:bodyPr wrap="square" rtlCol="0">
+            <a:spAutoFit/>
+          </a:bodyPr>
+          <a:lstStyle/>
+          <a:p>
+            <a:r>
+              <a:rPr lang="zh-CN" altLang="en-US" sz="2800" dirty="0" smtClean="0">
+                <a:latin typeface="宋体" panose="02010600030101010101" pitchFamily="2" charset="-122"/>
+                <a:ea typeface="宋体" panose="02010600030101010101" pitchFamily="2" charset="-122"/>
+              </a:rPr>
+              <a:t>光线入射口</a:t>
+            </a:r>
+            <a:endParaRPr lang="zh-CN" altLang="en-US" sz="2800" dirty="0">
+              <a:latin typeface="宋体" panose="02010600030101010101" pitchFamily="2" charset="-122"/>
+              <a:ea typeface="宋体" panose="02010600030101010101" pitchFamily="2" charset="-122"/>
+            </a:endParaRPr>
+          </a:p>
+        </p:txBody>
+      </p:sp>
+      <p:cxnSp>
+        <p:nvCxnSpPr>
+          <p:cNvPr id="9" name="直接箭头连接符 8"/>
+          <p:cNvCxnSpPr/>
+          <p:nvPr/>
+        </p:nvCxnSpPr>
+        <p:spPr>
+          <a:xfrm flipV="1">
+            <a:off x="8450580" y="2694920"/>
+            <a:ext cx="922020" cy="1013460"/>
+          </a:xfrm>
+          <a:prstGeom prst="straightConnector1">
+            <a:avLst/>
+          </a:prstGeom>
+          <a:ln w="76200">
+            <a:solidFill>
+              <a:srgbClr val="FF0000"/>
+            </a:solidFill>
+            <a:headEnd type="stealth" w="med" len="lg"/>
+            <a:tailEnd type="none"/>
+          </a:ln>
+        </p:spPr>
+        <p:style>
+          <a:lnRef idx="1">
+            <a:schemeClr val="accent1"/>
+          </a:lnRef>
+          <a:fillRef idx="0">
+            <a:schemeClr val="accent1"/>
+          </a:fillRef>
+          <a:effectRef idx="0">
+            <a:schemeClr val="accent1"/>
+          </a:effectRef>
+          <a:fontRef idx="minor">
+            <a:schemeClr val="tx1"/>
+          </a:fontRef>
+        </p:style>
+      </p:cxnSp>
+      <p:cxnSp>
+        <p:nvCxnSpPr>
+          <p:cNvPr id="12" name="直接箭头连接符 11"/>
+          <p:cNvCxnSpPr/>
+          <p:nvPr/>
+        </p:nvCxnSpPr>
+        <p:spPr>
+          <a:xfrm>
+            <a:off x="5776686" y="5021943"/>
+            <a:ext cx="1019628" cy="760508"/>
+          </a:xfrm>
+          <a:prstGeom prst="straightConnector1">
+            <a:avLst/>
+          </a:prstGeom>
+          <a:ln w="76200">
+            <a:solidFill>
+              <a:srgbClr val="FF0000"/>
+            </a:solidFill>
+            <a:headEnd type="stealth" w="med" len="lg"/>
+            <a:tailEnd type="none"/>
+          </a:ln>
+        </p:spPr>
+        <p:style>
+          <a:lnRef idx="1">
+            <a:schemeClr val="accent1"/>
+          </a:lnRef>
+          <a:fillRef idx="0">
+            <a:schemeClr val="accent1"/>
+          </a:fillRef>
+          <a:effectRef idx="0">
+            <a:schemeClr val="accent1"/>
+          </a:effectRef>
+          <a:fontRef idx="minor">
+            <a:schemeClr val="tx1"/>
+          </a:fontRef>
+        </p:style>
+      </p:cxnSp>
+    </p:spTree>
+    <p:extLst>
+      <p:ext uri="{BB962C8B-B14F-4D97-AF65-F5344CB8AC3E}">
+        <p14:creationId xmlns:p14="http://schemas.microsoft.com/office/powerpoint/2010/main" val="3098391742"/>
+      </p:ext>
+    </p:extLst>
+  </p:cSld>
+  <p:clrMapOvr>
+    <a:masterClrMapping/>
+  </p:clrMapOvr>
+</p:sld>
+</file>
+
+<file path=ppt/slides/slide8.xml><?xml version="1.0" encoding="utf-8"?>
+<p:sld xmlns:a="http://schemas.openxmlformats.org/drawingml/2006/main" xmlns:r="http://schemas.openxmlformats.org/officeDocument/2006/relationships" xmlns:p="http://schemas.openxmlformats.org/presentationml/2006/main">
+  <p:cSld>
+    <p:spTree>
+      <p:nvGrpSpPr>
+        <p:cNvPr id="1" name=""/>
+        <p:cNvGrpSpPr/>
+        <p:nvPr/>
+      </p:nvGrpSpPr>
+      <p:grpSpPr>
+        <a:xfrm>
+          <a:off x="0" y="0"/>
+          <a:ext cx="0" cy="0"/>
+          <a:chOff x="0" y="0"/>
+          <a:chExt cx="0" cy="0"/>
+        </a:xfrm>
+      </p:grpSpPr>
+      <p:pic>
+        <p:nvPicPr>
+          <p:cNvPr id="4" name="图片 3"/>
+          <p:cNvPicPr>
+            <a:picLocks noChangeAspect="1"/>
+          </p:cNvPicPr>
+          <p:nvPr/>
+        </p:nvPicPr>
+        <p:blipFill>
+          <a:blip r:embed="rId2" cstate="print">
+            <a:extLst>
+              <a:ext uri="{28A0092B-C50C-407E-A947-70E740481C1C}">
+                <a14:useLocalDpi xmlns:a14="http://schemas.microsoft.com/office/drawing/2010/main" val="0"/>
+              </a:ext>
+            </a:extLst>
+          </a:blip>
+          <a:stretch>
+            <a:fillRect/>
+          </a:stretch>
+        </p:blipFill>
+        <p:spPr>
+          <a:xfrm rot="5400000">
+            <a:off x="2651125" y="-553085"/>
+            <a:ext cx="6000750" cy="8001000"/>
+          </a:xfrm>
+          <a:prstGeom prst="rect">
+            <a:avLst/>
+          </a:prstGeom>
+        </p:spPr>
+      </p:pic>
+      <p:sp>
+        <p:nvSpPr>
+          <p:cNvPr id="5" name="文本框 4"/>
+          <p:cNvSpPr txBox="1"/>
+          <p:nvPr/>
+        </p:nvSpPr>
+        <p:spPr>
+          <a:xfrm>
+            <a:off x="8804275" y="3329940"/>
+            <a:ext cx="1695450" cy="523220"/>
+          </a:xfrm>
+          <a:prstGeom prst="rect">
+            <a:avLst/>
+          </a:prstGeom>
+          <a:noFill/>
+        </p:spPr>
+        <p:txBody>
+          <a:bodyPr wrap="square" rtlCol="0">
+            <a:spAutoFit/>
+          </a:bodyPr>
+          <a:lstStyle/>
+          <a:p>
+            <a:r>
+              <a:rPr lang="zh-CN" altLang="en-US" sz="2800" dirty="0" smtClean="0">
+                <a:latin typeface="宋体" panose="02010600030101010101" pitchFamily="2" charset="-122"/>
+                <a:ea typeface="宋体" panose="02010600030101010101" pitchFamily="2" charset="-122"/>
+              </a:rPr>
+              <a:t>摄像头</a:t>
+            </a:r>
+            <a:endParaRPr lang="zh-CN" altLang="en-US" sz="2800" dirty="0">
+              <a:latin typeface="宋体" panose="02010600030101010101" pitchFamily="2" charset="-122"/>
+              <a:ea typeface="宋体" panose="02010600030101010101" pitchFamily="2" charset="-122"/>
+            </a:endParaRPr>
+          </a:p>
+        </p:txBody>
+      </p:sp>
+      <p:cxnSp>
+        <p:nvCxnSpPr>
+          <p:cNvPr id="6" name="直接箭头连接符 5"/>
+          <p:cNvCxnSpPr/>
+          <p:nvPr/>
+        </p:nvCxnSpPr>
+        <p:spPr>
+          <a:xfrm flipV="1">
+            <a:off x="7721600" y="3853160"/>
+            <a:ext cx="1482725" cy="922040"/>
+          </a:xfrm>
+          <a:prstGeom prst="straightConnector1">
+            <a:avLst/>
+          </a:prstGeom>
+          <a:ln w="76200">
+            <a:solidFill>
+              <a:srgbClr val="FF0000"/>
+            </a:solidFill>
+            <a:headEnd type="stealth" w="med" len="lg"/>
+            <a:tailEnd type="none"/>
+          </a:ln>
+        </p:spPr>
+        <p:style>
+          <a:lnRef idx="1">
+            <a:schemeClr val="accent1"/>
+          </a:lnRef>
+          <a:fillRef idx="0">
+            <a:schemeClr val="accent1"/>
+          </a:fillRef>
+          <a:effectRef idx="0">
+            <a:schemeClr val="accent1"/>
+          </a:effectRef>
+          <a:fontRef idx="minor">
+            <a:schemeClr val="tx1"/>
+          </a:fontRef>
+        </p:style>
+      </p:cxnSp>
+      <p:cxnSp>
+        <p:nvCxnSpPr>
+          <p:cNvPr id="8" name="直接箭头连接符 7"/>
+          <p:cNvCxnSpPr/>
+          <p:nvPr/>
+        </p:nvCxnSpPr>
+        <p:spPr>
+          <a:xfrm flipV="1">
+            <a:off x="6873875" y="3591550"/>
+            <a:ext cx="1812925" cy="452130"/>
+          </a:xfrm>
+          <a:prstGeom prst="straightConnector1">
+            <a:avLst/>
+          </a:prstGeom>
+          <a:ln w="76200">
+            <a:solidFill>
+              <a:srgbClr val="FF0000"/>
+            </a:solidFill>
+            <a:headEnd type="stealth" w="med" len="lg"/>
+            <a:tailEnd type="none"/>
+          </a:ln>
+        </p:spPr>
+        <p:style>
+          <a:lnRef idx="1">
+            <a:schemeClr val="accent1"/>
+          </a:lnRef>
+          <a:fillRef idx="0">
+            <a:schemeClr val="accent1"/>
+          </a:fillRef>
+          <a:effectRef idx="0">
+            <a:schemeClr val="accent1"/>
+          </a:effectRef>
+          <a:fontRef idx="minor">
+            <a:schemeClr val="tx1"/>
+          </a:fontRef>
+        </p:style>
+      </p:cxnSp>
+      <p:sp>
+        <p:nvSpPr>
+          <p:cNvPr id="10" name="文本框 9"/>
+          <p:cNvSpPr txBox="1"/>
+          <p:nvPr/>
+        </p:nvSpPr>
+        <p:spPr>
+          <a:xfrm>
+            <a:off x="6567488" y="6090285"/>
+            <a:ext cx="2443162" cy="523220"/>
+          </a:xfrm>
+          <a:prstGeom prst="rect">
+            <a:avLst/>
+          </a:prstGeom>
+          <a:noFill/>
+        </p:spPr>
+        <p:txBody>
+          <a:bodyPr wrap="square" rtlCol="0">
+            <a:spAutoFit/>
+          </a:bodyPr>
+          <a:lstStyle/>
+          <a:p>
+            <a:r>
+              <a:rPr lang="zh-CN" altLang="en-US" sz="2800" dirty="0" smtClean="0">
+                <a:latin typeface="宋体" panose="02010600030101010101" pitchFamily="2" charset="-122"/>
+                <a:ea typeface="宋体" panose="02010600030101010101" pitchFamily="2" charset="-122"/>
+              </a:rPr>
+              <a:t>偏振分光棱镜</a:t>
+            </a:r>
+            <a:endParaRPr lang="zh-CN" altLang="en-US" sz="2800" dirty="0">
+              <a:latin typeface="宋体" panose="02010600030101010101" pitchFamily="2" charset="-122"/>
+              <a:ea typeface="宋体" panose="02010600030101010101" pitchFamily="2" charset="-122"/>
+            </a:endParaRPr>
+          </a:p>
+        </p:txBody>
+      </p:sp>
+      <p:cxnSp>
+        <p:nvCxnSpPr>
+          <p:cNvPr id="11" name="直接箭头连接符 10"/>
+          <p:cNvCxnSpPr/>
+          <p:nvPr/>
+        </p:nvCxnSpPr>
+        <p:spPr>
+          <a:xfrm>
+            <a:off x="5162550" y="5352405"/>
+            <a:ext cx="1287463" cy="999490"/>
+          </a:xfrm>
+          <a:prstGeom prst="straightConnector1">
+            <a:avLst/>
+          </a:prstGeom>
+          <a:ln w="76200">
+            <a:solidFill>
+              <a:srgbClr val="FF0000"/>
+            </a:solidFill>
+            <a:headEnd type="stealth" w="med" len="lg"/>
+            <a:tailEnd type="none"/>
+          </a:ln>
+        </p:spPr>
+        <p:style>
+          <a:lnRef idx="1">
+            <a:schemeClr val="accent1"/>
+          </a:lnRef>
+          <a:fillRef idx="0">
+            <a:schemeClr val="accent1"/>
+          </a:fillRef>
+          <a:effectRef idx="0">
+            <a:schemeClr val="accent1"/>
+          </a:effectRef>
+          <a:fontRef idx="minor">
+            <a:schemeClr val="tx1"/>
+          </a:fontRef>
+        </p:style>
+      </p:cxnSp>
+      <p:cxnSp>
+        <p:nvCxnSpPr>
+          <p:cNvPr id="12" name="直接箭头连接符 11"/>
+          <p:cNvCxnSpPr/>
+          <p:nvPr/>
+        </p:nvCxnSpPr>
+        <p:spPr>
+          <a:xfrm>
+            <a:off x="6369844" y="5256510"/>
+            <a:ext cx="80169" cy="1095385"/>
+          </a:xfrm>
+          <a:prstGeom prst="straightConnector1">
+            <a:avLst/>
+          </a:prstGeom>
+          <a:ln w="76200">
+            <a:solidFill>
+              <a:srgbClr val="FF0000"/>
+            </a:solidFill>
+            <a:headEnd type="stealth" w="med" len="lg"/>
+            <a:tailEnd type="none"/>
+          </a:ln>
+        </p:spPr>
+        <p:style>
+          <a:lnRef idx="1">
+            <a:schemeClr val="accent1"/>
+          </a:lnRef>
+          <a:fillRef idx="0">
+            <a:schemeClr val="accent1"/>
+          </a:fillRef>
+          <a:effectRef idx="0">
+            <a:schemeClr val="accent1"/>
+          </a:effectRef>
+          <a:fontRef idx="minor">
+            <a:schemeClr val="tx1"/>
+          </a:fontRef>
+        </p:style>
+      </p:cxnSp>
+      <p:cxnSp>
+        <p:nvCxnSpPr>
+          <p:cNvPr id="15" name="直接箭头连接符 14"/>
+          <p:cNvCxnSpPr/>
+          <p:nvPr/>
+        </p:nvCxnSpPr>
+        <p:spPr>
+          <a:xfrm>
+            <a:off x="5314950" y="4365625"/>
+            <a:ext cx="1135063" cy="1916450"/>
+          </a:xfrm>
+          <a:prstGeom prst="straightConnector1">
+            <a:avLst/>
+          </a:prstGeom>
+          <a:ln w="76200">
+            <a:solidFill>
+              <a:srgbClr val="FF0000"/>
+            </a:solidFill>
+            <a:headEnd type="stealth" w="med" len="lg"/>
+            <a:tailEnd type="none"/>
+          </a:ln>
+        </p:spPr>
+        <p:style>
+          <a:lnRef idx="1">
+            <a:schemeClr val="accent1"/>
+          </a:lnRef>
+          <a:fillRef idx="0">
+            <a:schemeClr val="accent1"/>
+          </a:fillRef>
+          <a:effectRef idx="0">
+            <a:schemeClr val="accent1"/>
+          </a:effectRef>
+          <a:fontRef idx="minor">
+            <a:schemeClr val="tx1"/>
+          </a:fontRef>
+        </p:style>
+      </p:cxnSp>
+      <p:sp>
+        <p:nvSpPr>
+          <p:cNvPr id="18" name="文本框 17"/>
+          <p:cNvSpPr txBox="1"/>
+          <p:nvPr/>
+        </p:nvSpPr>
+        <p:spPr>
+          <a:xfrm>
+            <a:off x="1177925" y="2806720"/>
+            <a:ext cx="1695450" cy="523220"/>
+          </a:xfrm>
+          <a:prstGeom prst="rect">
+            <a:avLst/>
+          </a:prstGeom>
+          <a:noFill/>
+        </p:spPr>
+        <p:txBody>
+          <a:bodyPr wrap="square" rtlCol="0">
+            <a:spAutoFit/>
+          </a:bodyPr>
+          <a:lstStyle/>
+          <a:p>
+            <a:r>
+              <a:rPr lang="zh-CN" altLang="en-US" sz="2800" dirty="0" smtClean="0">
+                <a:latin typeface="宋体" panose="02010600030101010101" pitchFamily="2" charset="-122"/>
+                <a:ea typeface="宋体" panose="02010600030101010101" pitchFamily="2" charset="-122"/>
+              </a:rPr>
+              <a:t>摄像头</a:t>
+            </a:r>
+            <a:endParaRPr lang="zh-CN" altLang="en-US" sz="2800" dirty="0">
+              <a:latin typeface="宋体" panose="02010600030101010101" pitchFamily="2" charset="-122"/>
+              <a:ea typeface="宋体" panose="02010600030101010101" pitchFamily="2" charset="-122"/>
+            </a:endParaRPr>
+          </a:p>
+        </p:txBody>
+      </p:sp>
+      <p:cxnSp>
+        <p:nvCxnSpPr>
+          <p:cNvPr id="19" name="直接箭头连接符 18"/>
+          <p:cNvCxnSpPr/>
+          <p:nvPr/>
+        </p:nvCxnSpPr>
+        <p:spPr>
+          <a:xfrm flipH="1" flipV="1">
+            <a:off x="2206625" y="3356595"/>
+            <a:ext cx="1508125" cy="687085"/>
+          </a:xfrm>
+          <a:prstGeom prst="straightConnector1">
+            <a:avLst/>
+          </a:prstGeom>
+          <a:ln w="76200">
+            <a:solidFill>
+              <a:srgbClr val="FF0000"/>
+            </a:solidFill>
+            <a:headEnd type="stealth" w="med" len="lg"/>
+            <a:tailEnd type="none"/>
+          </a:ln>
+        </p:spPr>
+        <p:style>
+          <a:lnRef idx="1">
+            <a:schemeClr val="accent1"/>
+          </a:lnRef>
+          <a:fillRef idx="0">
+            <a:schemeClr val="accent1"/>
+          </a:fillRef>
+          <a:effectRef idx="0">
+            <a:schemeClr val="accent1"/>
+          </a:effectRef>
+          <a:fontRef idx="minor">
+            <a:schemeClr val="tx1"/>
+          </a:fontRef>
+        </p:style>
+      </p:cxnSp>
+      <p:cxnSp>
+        <p:nvCxnSpPr>
+          <p:cNvPr id="20" name="直接箭头连接符 19"/>
+          <p:cNvCxnSpPr/>
+          <p:nvPr/>
+        </p:nvCxnSpPr>
+        <p:spPr>
+          <a:xfrm flipH="1">
+            <a:off x="2557462" y="3186733"/>
+            <a:ext cx="2374900" cy="0"/>
+          </a:xfrm>
+          <a:prstGeom prst="straightConnector1">
+            <a:avLst/>
+          </a:prstGeom>
+          <a:ln w="76200">
+            <a:solidFill>
+              <a:srgbClr val="FF0000"/>
+            </a:solidFill>
+            <a:headEnd type="stealth" w="med" len="lg"/>
+            <a:tailEnd type="none"/>
+          </a:ln>
+        </p:spPr>
+        <p:style>
+          <a:lnRef idx="1">
+            <a:schemeClr val="accent1"/>
+          </a:lnRef>
+          <a:fillRef idx="0">
+            <a:schemeClr val="accent1"/>
+          </a:fillRef>
+          <a:effectRef idx="0">
+            <a:schemeClr val="accent1"/>
+          </a:effectRef>
+          <a:fontRef idx="minor">
+            <a:schemeClr val="tx1"/>
+          </a:fontRef>
+        </p:style>
+      </p:cxnSp>
+    </p:spTree>
+    <p:extLst>
+      <p:ext uri="{BB962C8B-B14F-4D97-AF65-F5344CB8AC3E}">
+        <p14:creationId xmlns:p14="http://schemas.microsoft.com/office/powerpoint/2010/main" val="2759501092"/>
+      </p:ext>
+    </p:extLst>
+  </p:cSld>
+  <p:clrMapOvr>
+    <a:masterClrMapping/>
+  </p:clrMapOvr>
+</p:sld>
+</file>
+
+<file path=ppt/slides/slide9.xml><?xml version="1.0" encoding="utf-8"?>
+<p:sld xmlns:a="http://schemas.openxmlformats.org/drawingml/2006/main" xmlns:r="http://schemas.openxmlformats.org/officeDocument/2006/relationships" xmlns:p="http://schemas.openxmlformats.org/presentationml/2006/main">
+  <p:cSld>
+    <p:spTree>
+      <p:nvGrpSpPr>
+        <p:cNvPr id="1" name=""/>
+        <p:cNvGrpSpPr/>
+        <p:nvPr/>
+      </p:nvGrpSpPr>
+      <p:grpSpPr>
+        <a:xfrm>
+          <a:off x="0" y="0"/>
+          <a:ext cx="0" cy="0"/>
+          <a:chOff x="0" y="0"/>
+          <a:chExt cx="0" cy="0"/>
+        </a:xfrm>
+      </p:grpSpPr>
+      <p:pic>
+        <p:nvPicPr>
+          <p:cNvPr id="5" name="图片 4"/>
+          <p:cNvPicPr>
+            <a:picLocks noChangeAspect="1"/>
+          </p:cNvPicPr>
+          <p:nvPr/>
+        </p:nvPicPr>
+        <p:blipFill>
+          <a:blip r:embed="rId2"/>
+          <a:stretch>
+            <a:fillRect/>
+          </a:stretch>
+        </p:blipFill>
+        <p:spPr>
+          <a:xfrm>
+            <a:off x="2795970" y="2270620"/>
+            <a:ext cx="1045500" cy="1418640"/>
+          </a:xfrm>
+          <a:prstGeom prst="rect">
+            <a:avLst/>
+          </a:prstGeom>
+        </p:spPr>
+      </p:pic>
+      <p:pic>
+        <p:nvPicPr>
+          <p:cNvPr id="6" name="图片 5"/>
+          <p:cNvPicPr>
+            <a:picLocks noChangeAspect="1"/>
+          </p:cNvPicPr>
+          <p:nvPr/>
+        </p:nvPicPr>
+        <p:blipFill>
+          <a:blip r:embed="rId3"/>
+          <a:stretch>
+            <a:fillRect/>
+          </a:stretch>
+        </p:blipFill>
+        <p:spPr>
+          <a:xfrm>
+            <a:off x="4614120" y="2630436"/>
+            <a:ext cx="1301750" cy="873800"/>
+          </a:xfrm>
+          <a:prstGeom prst="rect">
+            <a:avLst/>
+          </a:prstGeom>
+        </p:spPr>
+      </p:pic>
+      <p:pic>
+        <p:nvPicPr>
+          <p:cNvPr id="8" name="图片 7"/>
+          <p:cNvPicPr>
+            <a:picLocks noChangeAspect="1"/>
+          </p:cNvPicPr>
+          <p:nvPr/>
+        </p:nvPicPr>
+        <p:blipFill>
+          <a:blip r:embed="rId4"/>
+          <a:stretch>
+            <a:fillRect/>
+          </a:stretch>
+        </p:blipFill>
+        <p:spPr>
+          <a:xfrm>
+            <a:off x="7211270" y="1107420"/>
+            <a:ext cx="2101250" cy="976600"/>
+          </a:xfrm>
+          <a:prstGeom prst="rect">
+            <a:avLst/>
+          </a:prstGeom>
+        </p:spPr>
+      </p:pic>
+      <p:pic>
+        <p:nvPicPr>
+          <p:cNvPr id="9" name="图片 8"/>
+          <p:cNvPicPr>
+            <a:picLocks noChangeAspect="1"/>
+          </p:cNvPicPr>
+          <p:nvPr/>
+        </p:nvPicPr>
+        <p:blipFill>
+          <a:blip r:embed="rId4"/>
+          <a:stretch>
+            <a:fillRect/>
+          </a:stretch>
+        </p:blipFill>
+        <p:spPr>
+          <a:xfrm>
+            <a:off x="7211270" y="3877325"/>
+            <a:ext cx="2101250" cy="976600"/>
+          </a:xfrm>
+          <a:prstGeom prst="rect">
+            <a:avLst/>
+          </a:prstGeom>
+        </p:spPr>
+      </p:pic>
+      <p:pic>
+        <p:nvPicPr>
+          <p:cNvPr id="10" name="图片 9"/>
+          <p:cNvPicPr>
+            <a:picLocks noChangeAspect="1"/>
+          </p:cNvPicPr>
+          <p:nvPr/>
+        </p:nvPicPr>
+        <p:blipFill>
+          <a:blip r:embed="rId4"/>
+          <a:stretch>
+            <a:fillRect/>
+          </a:stretch>
+        </p:blipFill>
+        <p:spPr>
+          <a:xfrm>
+            <a:off x="7211270" y="2491640"/>
+            <a:ext cx="2101250" cy="976600"/>
+          </a:xfrm>
+          <a:prstGeom prst="rect">
+            <a:avLst/>
+          </a:prstGeom>
+        </p:spPr>
+      </p:pic>
+      <p:cxnSp>
+        <p:nvCxnSpPr>
+          <p:cNvPr id="14" name="肘形连接符 13"/>
+          <p:cNvCxnSpPr>
+            <a:stCxn id="8" idx="1"/>
+            <a:endCxn id="6" idx="3"/>
+          </p:cNvCxnSpPr>
+          <p:nvPr/>
+        </p:nvCxnSpPr>
+        <p:spPr>
+          <a:xfrm rot="10800000" flipV="1">
+            <a:off x="5915870" y="1595720"/>
+            <a:ext cx="1295400" cy="1471616"/>
+          </a:xfrm>
+          <a:prstGeom prst="bentConnector3">
+            <a:avLst/>
+          </a:prstGeom>
+          <a:ln w="44450">
+            <a:solidFill>
+              <a:schemeClr val="tx1"/>
+            </a:solidFill>
+          </a:ln>
+        </p:spPr>
+        <p:style>
+          <a:lnRef idx="1">
+            <a:schemeClr val="accent1"/>
+          </a:lnRef>
+          <a:fillRef idx="0">
+            <a:schemeClr val="accent1"/>
+          </a:fillRef>
+          <a:effectRef idx="0">
+            <a:schemeClr val="accent1"/>
+          </a:effectRef>
+          <a:fontRef idx="minor">
+            <a:schemeClr val="tx1"/>
+          </a:fontRef>
+        </p:style>
+      </p:cxnSp>
+      <p:cxnSp>
+        <p:nvCxnSpPr>
+          <p:cNvPr id="15" name="肘形连接符 14"/>
+          <p:cNvCxnSpPr>
+            <a:endCxn id="6" idx="3"/>
+          </p:cNvCxnSpPr>
+          <p:nvPr/>
+        </p:nvCxnSpPr>
+        <p:spPr>
+          <a:xfrm rot="10800000">
+            <a:off x="5915870" y="3067337"/>
+            <a:ext cx="1301750" cy="1298291"/>
+          </a:xfrm>
+          <a:prstGeom prst="bentConnector3">
+            <a:avLst/>
+          </a:prstGeom>
+          <a:ln w="44450">
+            <a:solidFill>
+              <a:schemeClr val="tx1"/>
+            </a:solidFill>
+          </a:ln>
+        </p:spPr>
+        <p:style>
+          <a:lnRef idx="1">
+            <a:schemeClr val="accent1"/>
+          </a:lnRef>
+          <a:fillRef idx="0">
+            <a:schemeClr val="accent1"/>
+          </a:fillRef>
+          <a:effectRef idx="0">
+            <a:schemeClr val="accent1"/>
+          </a:effectRef>
+          <a:fontRef idx="minor">
+            <a:schemeClr val="tx1"/>
+          </a:fontRef>
+        </p:style>
+      </p:cxnSp>
+      <p:cxnSp>
+        <p:nvCxnSpPr>
+          <p:cNvPr id="19" name="直接连接符 18"/>
+          <p:cNvCxnSpPr/>
+          <p:nvPr/>
+        </p:nvCxnSpPr>
+        <p:spPr>
+          <a:xfrm>
+            <a:off x="6563570" y="3067336"/>
+            <a:ext cx="654050" cy="0"/>
+          </a:xfrm>
+          <a:prstGeom prst="line">
+            <a:avLst/>
+          </a:prstGeom>
+          <a:ln w="44450">
+            <a:solidFill>
+              <a:schemeClr val="tx1"/>
+            </a:solidFill>
+          </a:ln>
+        </p:spPr>
+        <p:style>
+          <a:lnRef idx="1">
+            <a:schemeClr val="accent1"/>
+          </a:lnRef>
+          <a:fillRef idx="0">
+            <a:schemeClr val="accent1"/>
+          </a:fillRef>
+          <a:effectRef idx="0">
+            <a:schemeClr val="accent1"/>
+          </a:effectRef>
+          <a:fontRef idx="minor">
+            <a:schemeClr val="tx1"/>
+          </a:fontRef>
+        </p:style>
+      </p:cxnSp>
+      <p:cxnSp>
+        <p:nvCxnSpPr>
+          <p:cNvPr id="20" name="直接连接符 19"/>
+          <p:cNvCxnSpPr/>
+          <p:nvPr/>
+        </p:nvCxnSpPr>
+        <p:spPr>
+          <a:xfrm>
+            <a:off x="3966280" y="3010186"/>
+            <a:ext cx="650875" cy="0"/>
+          </a:xfrm>
+          <a:prstGeom prst="line">
+            <a:avLst/>
+          </a:prstGeom>
+          <a:ln w="44450">
+            <a:solidFill>
+              <a:schemeClr val="tx1"/>
+            </a:solidFill>
+          </a:ln>
+        </p:spPr>
+        <p:style>
+          <a:lnRef idx="1">
+            <a:schemeClr val="accent1"/>
+          </a:lnRef>
+          <a:fillRef idx="0">
+            <a:schemeClr val="accent1"/>
+          </a:fillRef>
+          <a:effectRef idx="0">
+            <a:schemeClr val="accent1"/>
+          </a:effectRef>
+          <a:fontRef idx="minor">
+            <a:schemeClr val="tx1"/>
+          </a:fontRef>
+        </p:style>
+      </p:cxnSp>
+      <p:sp>
+        <p:nvSpPr>
+          <p:cNvPr id="23" name="文本框 22"/>
+          <p:cNvSpPr txBox="1"/>
+          <p:nvPr/>
+        </p:nvSpPr>
+        <p:spPr>
+          <a:xfrm>
+            <a:off x="4582772" y="4102052"/>
+            <a:ext cx="1495747" cy="461665"/>
+          </a:xfrm>
+          <a:prstGeom prst="rect">
+            <a:avLst/>
+          </a:prstGeom>
+          <a:noFill/>
+        </p:spPr>
+        <p:txBody>
+          <a:bodyPr wrap="square" rtlCol="0">
+            <a:spAutoFit/>
+          </a:bodyPr>
+          <a:lstStyle/>
+          <a:p>
+            <a:pPr algn="ctr"/>
+            <a:r>
+              <a:rPr lang="zh-CN" altLang="en-US" sz="2400" dirty="0" smtClean="0">
+                <a:latin typeface="宋体" panose="02010600030101010101" pitchFamily="2" charset="-122"/>
+                <a:ea typeface="宋体" panose="02010600030101010101" pitchFamily="2" charset="-122"/>
+              </a:rPr>
+              <a:t>局域网络</a:t>
+            </a:r>
+            <a:endParaRPr lang="zh-CN" altLang="en-US" sz="2400" dirty="0">
+              <a:latin typeface="宋体" panose="02010600030101010101" pitchFamily="2" charset="-122"/>
+              <a:ea typeface="宋体" panose="02010600030101010101" pitchFamily="2" charset="-122"/>
+            </a:endParaRPr>
+          </a:p>
+        </p:txBody>
+      </p:sp>
+      <p:sp>
+        <p:nvSpPr>
+          <p:cNvPr id="24" name="文本框 23"/>
+          <p:cNvSpPr txBox="1"/>
+          <p:nvPr/>
+        </p:nvSpPr>
+        <p:spPr>
+          <a:xfrm>
+            <a:off x="2787449" y="3868882"/>
+            <a:ext cx="1495747" cy="830997"/>
+          </a:xfrm>
+          <a:prstGeom prst="rect">
+            <a:avLst/>
+          </a:prstGeom>
+          <a:noFill/>
+        </p:spPr>
+        <p:txBody>
+          <a:bodyPr wrap="square" rtlCol="0">
+            <a:spAutoFit/>
+          </a:bodyPr>
+          <a:lstStyle/>
+          <a:p>
+            <a:pPr algn="ctr"/>
+            <a:r>
+              <a:rPr lang="zh-CN" altLang="en-US" sz="2400" dirty="0" smtClean="0">
+                <a:latin typeface="宋体" panose="02010600030101010101" pitchFamily="2" charset="-122"/>
+                <a:ea typeface="宋体" panose="02010600030101010101" pitchFamily="2" charset="-122"/>
+              </a:rPr>
+              <a:t>图像处理服务器</a:t>
+            </a:r>
+            <a:endParaRPr lang="zh-CN" altLang="en-US" sz="2400" dirty="0">
+              <a:latin typeface="宋体" panose="02010600030101010101" pitchFamily="2" charset="-122"/>
+              <a:ea typeface="宋体" panose="02010600030101010101" pitchFamily="2" charset="-122"/>
+            </a:endParaRPr>
+          </a:p>
+        </p:txBody>
+      </p:sp>
+      <p:sp>
+        <p:nvSpPr>
+          <p:cNvPr id="25" name="文本框 24"/>
+          <p:cNvSpPr txBox="1"/>
+          <p:nvPr/>
+        </p:nvSpPr>
+        <p:spPr>
+          <a:xfrm>
+            <a:off x="6988709" y="4852279"/>
+            <a:ext cx="1495747" cy="830997"/>
+          </a:xfrm>
+          <a:prstGeom prst="rect">
+            <a:avLst/>
+          </a:prstGeom>
+          <a:noFill/>
+        </p:spPr>
+        <p:txBody>
+          <a:bodyPr wrap="square" rtlCol="0">
+            <a:spAutoFit/>
+          </a:bodyPr>
+          <a:lstStyle/>
+          <a:p>
+            <a:pPr algn="ctr"/>
+            <a:r>
+              <a:rPr lang="en-US" altLang="zh-CN" sz="2400" dirty="0" smtClean="0">
+                <a:latin typeface="宋体" panose="02010600030101010101" pitchFamily="2" charset="-122"/>
+                <a:ea typeface="宋体" panose="02010600030101010101" pitchFamily="2" charset="-122"/>
+              </a:rPr>
+              <a:t>Linux</a:t>
+            </a:r>
+          </a:p>
+          <a:p>
+            <a:pPr algn="ctr"/>
+            <a:r>
+              <a:rPr lang="zh-CN" altLang="en-US" sz="2400" dirty="0" smtClean="0">
+                <a:latin typeface="宋体" panose="02010600030101010101" pitchFamily="2" charset="-122"/>
+                <a:ea typeface="宋体" panose="02010600030101010101" pitchFamily="2" charset="-122"/>
+              </a:rPr>
+              <a:t>操作系统</a:t>
+            </a:r>
+            <a:endParaRPr lang="zh-CN" altLang="en-US" sz="2400" dirty="0">
+              <a:latin typeface="宋体" panose="02010600030101010101" pitchFamily="2" charset="-122"/>
+              <a:ea typeface="宋体" panose="02010600030101010101" pitchFamily="2" charset="-122"/>
+            </a:endParaRPr>
+          </a:p>
+        </p:txBody>
+      </p:sp>
+      <p:sp>
+        <p:nvSpPr>
+          <p:cNvPr id="26" name="文本框 25"/>
+          <p:cNvSpPr txBox="1"/>
+          <p:nvPr/>
+        </p:nvSpPr>
+        <p:spPr>
+          <a:xfrm>
+            <a:off x="8261895" y="5032177"/>
+            <a:ext cx="1495747" cy="461665"/>
+          </a:xfrm>
+          <a:prstGeom prst="rect">
+            <a:avLst/>
+          </a:prstGeom>
+          <a:noFill/>
+        </p:spPr>
+        <p:txBody>
+          <a:bodyPr wrap="square" rtlCol="0">
+            <a:spAutoFit/>
+          </a:bodyPr>
+          <a:lstStyle/>
+          <a:p>
+            <a:pPr algn="ctr"/>
+            <a:r>
+              <a:rPr lang="zh-CN" altLang="en-US" sz="2400" dirty="0" smtClean="0">
+                <a:latin typeface="宋体" panose="02010600030101010101" pitchFamily="2" charset="-122"/>
+                <a:ea typeface="宋体" panose="02010600030101010101" pitchFamily="2" charset="-122"/>
+              </a:rPr>
+              <a:t>摄像头</a:t>
+            </a:r>
+            <a:endParaRPr lang="zh-CN" altLang="en-US" sz="2400" dirty="0">
+              <a:latin typeface="宋体" panose="02010600030101010101" pitchFamily="2" charset="-122"/>
+              <a:ea typeface="宋体" panose="02010600030101010101" pitchFamily="2" charset="-122"/>
+            </a:endParaRPr>
+          </a:p>
+        </p:txBody>
+      </p:sp>
+    </p:spTree>
+    <p:extLst>
+      <p:ext uri="{BB962C8B-B14F-4D97-AF65-F5344CB8AC3E}">
+        <p14:creationId xmlns:p14="http://schemas.microsoft.com/office/powerpoint/2010/main" val="3666817603"/>
+      </p:ext>
+    </p:extLst>
+  </p:cSld>
+  <p:clrMapOvr>
+    <a:masterClrMapping/>
+  </p:clrMapOvr>
+</p:sld>
+</file>
+
 <file path=ppt/theme/theme1.xml><?xml version="1.0" encoding="utf-8"?>
 <a:theme xmlns:a="http://schemas.openxmlformats.org/drawingml/2006/main" name="Office 主题​​">
   <a:themeElements>

--- a/thuthesis-5.0.0/figures/演示文稿1.pptx
+++ b/thuthesis-5.0.0/figures/演示文稿1.pptx
@@ -264,7 +264,7 @@
           <a:p>
             <a:fld id="{7448E690-6AB5-49B8-8125-39911A2898F7}" type="datetimeFigureOut">
               <a:rPr lang="zh-CN" altLang="en-US" smtClean="0"/>
-              <a:t>2017/4/11</a:t>
+              <a:t>2017/4/12</a:t>
             </a:fld>
             <a:endParaRPr lang="zh-CN" altLang="en-US"/>
           </a:p>
@@ -434,7 +434,7 @@
           <a:p>
             <a:fld id="{7448E690-6AB5-49B8-8125-39911A2898F7}" type="datetimeFigureOut">
               <a:rPr lang="zh-CN" altLang="en-US" smtClean="0"/>
-              <a:t>2017/4/11</a:t>
+              <a:t>2017/4/12</a:t>
             </a:fld>
             <a:endParaRPr lang="zh-CN" altLang="en-US"/>
           </a:p>
@@ -614,7 +614,7 @@
           <a:p>
             <a:fld id="{7448E690-6AB5-49B8-8125-39911A2898F7}" type="datetimeFigureOut">
               <a:rPr lang="zh-CN" altLang="en-US" smtClean="0"/>
-              <a:t>2017/4/11</a:t>
+              <a:t>2017/4/12</a:t>
             </a:fld>
             <a:endParaRPr lang="zh-CN" altLang="en-US"/>
           </a:p>
@@ -784,7 +784,7 @@
           <a:p>
             <a:fld id="{7448E690-6AB5-49B8-8125-39911A2898F7}" type="datetimeFigureOut">
               <a:rPr lang="zh-CN" altLang="en-US" smtClean="0"/>
-              <a:t>2017/4/11</a:t>
+              <a:t>2017/4/12</a:t>
             </a:fld>
             <a:endParaRPr lang="zh-CN" altLang="en-US"/>
           </a:p>
@@ -1030,7 +1030,7 @@
           <a:p>
             <a:fld id="{7448E690-6AB5-49B8-8125-39911A2898F7}" type="datetimeFigureOut">
               <a:rPr lang="zh-CN" altLang="en-US" smtClean="0"/>
-              <a:t>2017/4/11</a:t>
+              <a:t>2017/4/12</a:t>
             </a:fld>
             <a:endParaRPr lang="zh-CN" altLang="en-US"/>
           </a:p>
@@ -1262,7 +1262,7 @@
           <a:p>
             <a:fld id="{7448E690-6AB5-49B8-8125-39911A2898F7}" type="datetimeFigureOut">
               <a:rPr lang="zh-CN" altLang="en-US" smtClean="0"/>
-              <a:t>2017/4/11</a:t>
+              <a:t>2017/4/12</a:t>
             </a:fld>
             <a:endParaRPr lang="zh-CN" altLang="en-US"/>
           </a:p>
@@ -1629,7 +1629,7 @@
           <a:p>
             <a:fld id="{7448E690-6AB5-49B8-8125-39911A2898F7}" type="datetimeFigureOut">
               <a:rPr lang="zh-CN" altLang="en-US" smtClean="0"/>
-              <a:t>2017/4/11</a:t>
+              <a:t>2017/4/12</a:t>
             </a:fld>
             <a:endParaRPr lang="zh-CN" altLang="en-US"/>
           </a:p>
@@ -1747,7 +1747,7 @@
           <a:p>
             <a:fld id="{7448E690-6AB5-49B8-8125-39911A2898F7}" type="datetimeFigureOut">
               <a:rPr lang="zh-CN" altLang="en-US" smtClean="0"/>
-              <a:t>2017/4/11</a:t>
+              <a:t>2017/4/12</a:t>
             </a:fld>
             <a:endParaRPr lang="zh-CN" altLang="en-US"/>
           </a:p>
@@ -1842,7 +1842,7 @@
           <a:p>
             <a:fld id="{7448E690-6AB5-49B8-8125-39911A2898F7}" type="datetimeFigureOut">
               <a:rPr lang="zh-CN" altLang="en-US" smtClean="0"/>
-              <a:t>2017/4/11</a:t>
+              <a:t>2017/4/12</a:t>
             </a:fld>
             <a:endParaRPr lang="zh-CN" altLang="en-US"/>
           </a:p>
@@ -2119,7 +2119,7 @@
           <a:p>
             <a:fld id="{7448E690-6AB5-49B8-8125-39911A2898F7}" type="datetimeFigureOut">
               <a:rPr lang="zh-CN" altLang="en-US" smtClean="0"/>
-              <a:t>2017/4/11</a:t>
+              <a:t>2017/4/12</a:t>
             </a:fld>
             <a:endParaRPr lang="zh-CN" altLang="en-US"/>
           </a:p>
@@ -2372,7 +2372,7 @@
           <a:p>
             <a:fld id="{7448E690-6AB5-49B8-8125-39911A2898F7}" type="datetimeFigureOut">
               <a:rPr lang="zh-CN" altLang="en-US" smtClean="0"/>
-              <a:t>2017/4/11</a:t>
+              <a:t>2017/4/12</a:t>
             </a:fld>
             <a:endParaRPr lang="zh-CN" altLang="en-US"/>
           </a:p>
@@ -2585,7 +2585,7 @@
           <a:p>
             <a:fld id="{7448E690-6AB5-49B8-8125-39911A2898F7}" type="datetimeFigureOut">
               <a:rPr lang="zh-CN" altLang="en-US" smtClean="0"/>
-              <a:t>2017/4/11</a:t>
+              <a:t>2017/4/12</a:t>
             </a:fld>
             <a:endParaRPr lang="zh-CN" altLang="en-US"/>
           </a:p>
@@ -10014,7 +10014,7 @@
             <a:avLst/>
           </a:prstGeom>
           <a:noFill/>
-          <a:ln>
+          <a:ln w="38100">
             <a:solidFill>
               <a:srgbClr val="FF0000"/>
             </a:solidFill>
@@ -10156,7 +10156,7 @@
             <a:avLst/>
           </a:prstGeom>
           <a:noFill/>
-          <a:ln>
+          <a:ln w="38100">
             <a:solidFill>
               <a:srgbClr val="FF0000"/>
             </a:solidFill>
